--- a/학부연구생발표(200131).pptx
+++ b/학부연구생발표(200131).pptx
@@ -5,28 +5,33 @@
     <p:sldMasterId id="2147483648" r:id="rId1"/>
   </p:sldMasterIdLst>
   <p:notesMasterIdLst>
-    <p:notesMasterId r:id="rId21"/>
+    <p:notesMasterId r:id="rId26"/>
   </p:notesMasterIdLst>
   <p:sldIdLst>
     <p:sldId id="267" r:id="rId2"/>
     <p:sldId id="269" r:id="rId3"/>
-    <p:sldId id="270" r:id="rId4"/>
-    <p:sldId id="285" r:id="rId5"/>
-    <p:sldId id="277" r:id="rId6"/>
-    <p:sldId id="279" r:id="rId7"/>
-    <p:sldId id="283" r:id="rId8"/>
-    <p:sldId id="280" r:id="rId9"/>
-    <p:sldId id="281" r:id="rId10"/>
-    <p:sldId id="282" r:id="rId11"/>
-    <p:sldId id="284" r:id="rId12"/>
-    <p:sldId id="286" r:id="rId13"/>
-    <p:sldId id="287" r:id="rId14"/>
-    <p:sldId id="289" r:id="rId15"/>
-    <p:sldId id="290" r:id="rId16"/>
-    <p:sldId id="278" r:id="rId17"/>
-    <p:sldId id="291" r:id="rId18"/>
-    <p:sldId id="292" r:id="rId19"/>
-    <p:sldId id="276" r:id="rId20"/>
+    <p:sldId id="294" r:id="rId4"/>
+    <p:sldId id="295" r:id="rId5"/>
+    <p:sldId id="270" r:id="rId6"/>
+    <p:sldId id="285" r:id="rId7"/>
+    <p:sldId id="277" r:id="rId8"/>
+    <p:sldId id="279" r:id="rId9"/>
+    <p:sldId id="283" r:id="rId10"/>
+    <p:sldId id="280" r:id="rId11"/>
+    <p:sldId id="281" r:id="rId12"/>
+    <p:sldId id="282" r:id="rId13"/>
+    <p:sldId id="284" r:id="rId14"/>
+    <p:sldId id="286" r:id="rId15"/>
+    <p:sldId id="287" r:id="rId16"/>
+    <p:sldId id="289" r:id="rId17"/>
+    <p:sldId id="290" r:id="rId18"/>
+    <p:sldId id="278" r:id="rId19"/>
+    <p:sldId id="291" r:id="rId20"/>
+    <p:sldId id="292" r:id="rId21"/>
+    <p:sldId id="297" r:id="rId22"/>
+    <p:sldId id="296" r:id="rId23"/>
+    <p:sldId id="298" r:id="rId24"/>
+    <p:sldId id="276" r:id="rId25"/>
   </p:sldIdLst>
   <p:sldSz cx="12192000" cy="6858000"/>
   <p:notesSz cx="6858000" cy="9144000"/>
@@ -1145,7 +1150,7 @@
           <a:p>
             <a:fld id="{1DFA5B39-128D-4358-9346-21C30304B329}" type="datetimeFigureOut">
               <a:rPr lang="ko-KR" altLang="en-US" smtClean="0"/>
-              <a:t>2020-01-28</a:t>
+              <a:t>2020-01-30</a:t>
             </a:fld>
             <a:endParaRPr lang="ko-KR" altLang="en-US"/>
           </a:p>
@@ -1570,7 +1575,7 @@
     </p:spTree>
     <p:extLst>
       <p:ext uri="{BB962C8B-B14F-4D97-AF65-F5344CB8AC3E}">
-        <p14:creationId xmlns:p14="http://schemas.microsoft.com/office/powerpoint/2010/main" val="316615548"/>
+        <p14:creationId xmlns:p14="http://schemas.microsoft.com/office/powerpoint/2010/main" val="3783185254"/>
       </p:ext>
     </p:extLst>
   </p:cSld>
@@ -1654,7 +1659,7 @@
     </p:spTree>
     <p:extLst>
       <p:ext uri="{BB962C8B-B14F-4D97-AF65-F5344CB8AC3E}">
-        <p14:creationId xmlns:p14="http://schemas.microsoft.com/office/powerpoint/2010/main" val="891498378"/>
+        <p14:creationId xmlns:p14="http://schemas.microsoft.com/office/powerpoint/2010/main" val="3017198923"/>
       </p:ext>
     </p:extLst>
   </p:cSld>
@@ -1738,7 +1743,7 @@
     </p:spTree>
     <p:extLst>
       <p:ext uri="{BB962C8B-B14F-4D97-AF65-F5344CB8AC3E}">
-        <p14:creationId xmlns:p14="http://schemas.microsoft.com/office/powerpoint/2010/main" val="2845602779"/>
+        <p14:creationId xmlns:p14="http://schemas.microsoft.com/office/powerpoint/2010/main" val="316615548"/>
       </p:ext>
     </p:extLst>
   </p:cSld>
@@ -1822,7 +1827,7 @@
     </p:spTree>
     <p:extLst>
       <p:ext uri="{BB962C8B-B14F-4D97-AF65-F5344CB8AC3E}">
-        <p14:creationId xmlns:p14="http://schemas.microsoft.com/office/powerpoint/2010/main" val="127112907"/>
+        <p14:creationId xmlns:p14="http://schemas.microsoft.com/office/powerpoint/2010/main" val="891498378"/>
       </p:ext>
     </p:extLst>
   </p:cSld>
@@ -1906,7 +1911,7 @@
     </p:spTree>
     <p:extLst>
       <p:ext uri="{BB962C8B-B14F-4D97-AF65-F5344CB8AC3E}">
-        <p14:creationId xmlns:p14="http://schemas.microsoft.com/office/powerpoint/2010/main" val="1378024983"/>
+        <p14:creationId xmlns:p14="http://schemas.microsoft.com/office/powerpoint/2010/main" val="2845602779"/>
       </p:ext>
     </p:extLst>
   </p:cSld>
@@ -1990,7 +1995,7 @@
     </p:spTree>
     <p:extLst>
       <p:ext uri="{BB962C8B-B14F-4D97-AF65-F5344CB8AC3E}">
-        <p14:creationId xmlns:p14="http://schemas.microsoft.com/office/powerpoint/2010/main" val="1063984761"/>
+        <p14:creationId xmlns:p14="http://schemas.microsoft.com/office/powerpoint/2010/main" val="127112907"/>
       </p:ext>
     </p:extLst>
   </p:cSld>
@@ -2074,7 +2079,7 @@
     </p:spTree>
     <p:extLst>
       <p:ext uri="{BB962C8B-B14F-4D97-AF65-F5344CB8AC3E}">
-        <p14:creationId xmlns:p14="http://schemas.microsoft.com/office/powerpoint/2010/main" val="2975777342"/>
+        <p14:creationId xmlns:p14="http://schemas.microsoft.com/office/powerpoint/2010/main" val="1378024983"/>
       </p:ext>
     </p:extLst>
   </p:cSld>
@@ -2158,7 +2163,7 @@
     </p:spTree>
     <p:extLst>
       <p:ext uri="{BB962C8B-B14F-4D97-AF65-F5344CB8AC3E}">
-        <p14:creationId xmlns:p14="http://schemas.microsoft.com/office/powerpoint/2010/main" val="4167174454"/>
+        <p14:creationId xmlns:p14="http://schemas.microsoft.com/office/powerpoint/2010/main" val="1063984761"/>
       </p:ext>
     </p:extLst>
   </p:cSld>
@@ -2242,7 +2247,7 @@
     </p:spTree>
     <p:extLst>
       <p:ext uri="{BB962C8B-B14F-4D97-AF65-F5344CB8AC3E}">
-        <p14:creationId xmlns:p14="http://schemas.microsoft.com/office/powerpoint/2010/main" val="3144952642"/>
+        <p14:creationId xmlns:p14="http://schemas.microsoft.com/office/powerpoint/2010/main" val="2975777342"/>
       </p:ext>
     </p:extLst>
   </p:cSld>
@@ -2326,7 +2331,7 @@
     </p:spTree>
     <p:extLst>
       <p:ext uri="{BB962C8B-B14F-4D97-AF65-F5344CB8AC3E}">
-        <p14:creationId xmlns:p14="http://schemas.microsoft.com/office/powerpoint/2010/main" val="3524096133"/>
+        <p14:creationId xmlns:p14="http://schemas.microsoft.com/office/powerpoint/2010/main" val="4167174454"/>
       </p:ext>
     </p:extLst>
   </p:cSld>
@@ -2420,6 +2425,426 @@
 </p:notes>
 </file>
 
+<file path=ppt/notesSlides/notesSlide20.xml><?xml version="1.0" encoding="utf-8"?>
+<p:notes xmlns:a="http://schemas.openxmlformats.org/drawingml/2006/main" xmlns:r="http://schemas.openxmlformats.org/officeDocument/2006/relationships" xmlns:p="http://schemas.openxmlformats.org/presentationml/2006/main">
+  <p:cSld>
+    <p:spTree>
+      <p:nvGrpSpPr>
+        <p:cNvPr id="1" name=""/>
+        <p:cNvGrpSpPr/>
+        <p:nvPr/>
+      </p:nvGrpSpPr>
+      <p:grpSpPr>
+        <a:xfrm>
+          <a:off x="0" y="0"/>
+          <a:ext cx="0" cy="0"/>
+          <a:chOff x="0" y="0"/>
+          <a:chExt cx="0" cy="0"/>
+        </a:xfrm>
+      </p:grpSpPr>
+      <p:sp>
+        <p:nvSpPr>
+          <p:cNvPr id="2" name="슬라이드 이미지 개체 틀 1"/>
+          <p:cNvSpPr>
+            <a:spLocks noGrp="1" noRot="1" noChangeAspect="1"/>
+          </p:cNvSpPr>
+          <p:nvPr>
+            <p:ph type="sldImg"/>
+          </p:nvPr>
+        </p:nvSpPr>
+        <p:spPr/>
+      </p:sp>
+      <p:sp>
+        <p:nvSpPr>
+          <p:cNvPr id="3" name="슬라이드 노트 개체 틀 2"/>
+          <p:cNvSpPr>
+            <a:spLocks noGrp="1"/>
+          </p:cNvSpPr>
+          <p:nvPr>
+            <p:ph type="body" idx="1"/>
+          </p:nvPr>
+        </p:nvSpPr>
+        <p:spPr/>
+        <p:txBody>
+          <a:bodyPr/>
+          <a:lstStyle/>
+          <a:p>
+            <a:endParaRPr lang="ko-KR" altLang="en-US" dirty="0"/>
+          </a:p>
+        </p:txBody>
+      </p:sp>
+      <p:sp>
+        <p:nvSpPr>
+          <p:cNvPr id="4" name="슬라이드 번호 개체 틀 3"/>
+          <p:cNvSpPr>
+            <a:spLocks noGrp="1"/>
+          </p:cNvSpPr>
+          <p:nvPr>
+            <p:ph type="sldNum" sz="quarter" idx="5"/>
+          </p:nvPr>
+        </p:nvSpPr>
+        <p:spPr/>
+        <p:txBody>
+          <a:bodyPr/>
+          <a:lstStyle/>
+          <a:p>
+            <a:fld id="{C9A8A83F-6C71-4CF4-8A88-DD5246BC8568}" type="slidenum">
+              <a:rPr lang="ko-KR" altLang="en-US" smtClean="0"/>
+              <a:t>20</a:t>
+            </a:fld>
+            <a:endParaRPr lang="ko-KR" altLang="en-US"/>
+          </a:p>
+        </p:txBody>
+      </p:sp>
+    </p:spTree>
+    <p:extLst>
+      <p:ext uri="{BB962C8B-B14F-4D97-AF65-F5344CB8AC3E}">
+        <p14:creationId xmlns:p14="http://schemas.microsoft.com/office/powerpoint/2010/main" val="3144952642"/>
+      </p:ext>
+    </p:extLst>
+  </p:cSld>
+  <p:clrMapOvr>
+    <a:masterClrMapping/>
+  </p:clrMapOvr>
+</p:notes>
+</file>
+
+<file path=ppt/notesSlides/notesSlide21.xml><?xml version="1.0" encoding="utf-8"?>
+<p:notes xmlns:a="http://schemas.openxmlformats.org/drawingml/2006/main" xmlns:r="http://schemas.openxmlformats.org/officeDocument/2006/relationships" xmlns:p="http://schemas.openxmlformats.org/presentationml/2006/main">
+  <p:cSld>
+    <p:spTree>
+      <p:nvGrpSpPr>
+        <p:cNvPr id="1" name=""/>
+        <p:cNvGrpSpPr/>
+        <p:nvPr/>
+      </p:nvGrpSpPr>
+      <p:grpSpPr>
+        <a:xfrm>
+          <a:off x="0" y="0"/>
+          <a:ext cx="0" cy="0"/>
+          <a:chOff x="0" y="0"/>
+          <a:chExt cx="0" cy="0"/>
+        </a:xfrm>
+      </p:grpSpPr>
+      <p:sp>
+        <p:nvSpPr>
+          <p:cNvPr id="2" name="슬라이드 이미지 개체 틀 1"/>
+          <p:cNvSpPr>
+            <a:spLocks noGrp="1" noRot="1" noChangeAspect="1"/>
+          </p:cNvSpPr>
+          <p:nvPr>
+            <p:ph type="sldImg"/>
+          </p:nvPr>
+        </p:nvSpPr>
+        <p:spPr/>
+      </p:sp>
+      <p:sp>
+        <p:nvSpPr>
+          <p:cNvPr id="3" name="슬라이드 노트 개체 틀 2"/>
+          <p:cNvSpPr>
+            <a:spLocks noGrp="1"/>
+          </p:cNvSpPr>
+          <p:nvPr>
+            <p:ph type="body" idx="1"/>
+          </p:nvPr>
+        </p:nvSpPr>
+        <p:spPr/>
+        <p:txBody>
+          <a:bodyPr/>
+          <a:lstStyle/>
+          <a:p>
+            <a:endParaRPr lang="ko-KR" altLang="en-US" dirty="0"/>
+          </a:p>
+        </p:txBody>
+      </p:sp>
+      <p:sp>
+        <p:nvSpPr>
+          <p:cNvPr id="4" name="슬라이드 번호 개체 틀 3"/>
+          <p:cNvSpPr>
+            <a:spLocks noGrp="1"/>
+          </p:cNvSpPr>
+          <p:nvPr>
+            <p:ph type="sldNum" sz="quarter" idx="5"/>
+          </p:nvPr>
+        </p:nvSpPr>
+        <p:spPr/>
+        <p:txBody>
+          <a:bodyPr/>
+          <a:lstStyle/>
+          <a:p>
+            <a:fld id="{C9A8A83F-6C71-4CF4-8A88-DD5246BC8568}" type="slidenum">
+              <a:rPr lang="ko-KR" altLang="en-US" smtClean="0"/>
+              <a:t>21</a:t>
+            </a:fld>
+            <a:endParaRPr lang="ko-KR" altLang="en-US"/>
+          </a:p>
+        </p:txBody>
+      </p:sp>
+    </p:spTree>
+    <p:extLst>
+      <p:ext uri="{BB962C8B-B14F-4D97-AF65-F5344CB8AC3E}">
+        <p14:creationId xmlns:p14="http://schemas.microsoft.com/office/powerpoint/2010/main" val="3872299717"/>
+      </p:ext>
+    </p:extLst>
+  </p:cSld>
+  <p:clrMapOvr>
+    <a:masterClrMapping/>
+  </p:clrMapOvr>
+</p:notes>
+</file>
+
+<file path=ppt/notesSlides/notesSlide22.xml><?xml version="1.0" encoding="utf-8"?>
+<p:notes xmlns:a="http://schemas.openxmlformats.org/drawingml/2006/main" xmlns:r="http://schemas.openxmlformats.org/officeDocument/2006/relationships" xmlns:p="http://schemas.openxmlformats.org/presentationml/2006/main">
+  <p:cSld>
+    <p:spTree>
+      <p:nvGrpSpPr>
+        <p:cNvPr id="1" name=""/>
+        <p:cNvGrpSpPr/>
+        <p:nvPr/>
+      </p:nvGrpSpPr>
+      <p:grpSpPr>
+        <a:xfrm>
+          <a:off x="0" y="0"/>
+          <a:ext cx="0" cy="0"/>
+          <a:chOff x="0" y="0"/>
+          <a:chExt cx="0" cy="0"/>
+        </a:xfrm>
+      </p:grpSpPr>
+      <p:sp>
+        <p:nvSpPr>
+          <p:cNvPr id="2" name="슬라이드 이미지 개체 틀 1"/>
+          <p:cNvSpPr>
+            <a:spLocks noGrp="1" noRot="1" noChangeAspect="1"/>
+          </p:cNvSpPr>
+          <p:nvPr>
+            <p:ph type="sldImg"/>
+          </p:nvPr>
+        </p:nvSpPr>
+        <p:spPr/>
+      </p:sp>
+      <p:sp>
+        <p:nvSpPr>
+          <p:cNvPr id="3" name="슬라이드 노트 개체 틀 2"/>
+          <p:cNvSpPr>
+            <a:spLocks noGrp="1"/>
+          </p:cNvSpPr>
+          <p:nvPr>
+            <p:ph type="body" idx="1"/>
+          </p:nvPr>
+        </p:nvSpPr>
+        <p:spPr/>
+        <p:txBody>
+          <a:bodyPr/>
+          <a:lstStyle/>
+          <a:p>
+            <a:endParaRPr lang="ko-KR" altLang="en-US" dirty="0"/>
+          </a:p>
+        </p:txBody>
+      </p:sp>
+      <p:sp>
+        <p:nvSpPr>
+          <p:cNvPr id="4" name="슬라이드 번호 개체 틀 3"/>
+          <p:cNvSpPr>
+            <a:spLocks noGrp="1"/>
+          </p:cNvSpPr>
+          <p:nvPr>
+            <p:ph type="sldNum" sz="quarter" idx="5"/>
+          </p:nvPr>
+        </p:nvSpPr>
+        <p:spPr/>
+        <p:txBody>
+          <a:bodyPr/>
+          <a:lstStyle/>
+          <a:p>
+            <a:fld id="{C9A8A83F-6C71-4CF4-8A88-DD5246BC8568}" type="slidenum">
+              <a:rPr lang="ko-KR" altLang="en-US" smtClean="0"/>
+              <a:t>22</a:t>
+            </a:fld>
+            <a:endParaRPr lang="ko-KR" altLang="en-US"/>
+          </a:p>
+        </p:txBody>
+      </p:sp>
+    </p:spTree>
+    <p:extLst>
+      <p:ext uri="{BB962C8B-B14F-4D97-AF65-F5344CB8AC3E}">
+        <p14:creationId xmlns:p14="http://schemas.microsoft.com/office/powerpoint/2010/main" val="1918161048"/>
+      </p:ext>
+    </p:extLst>
+  </p:cSld>
+  <p:clrMapOvr>
+    <a:masterClrMapping/>
+  </p:clrMapOvr>
+</p:notes>
+</file>
+
+<file path=ppt/notesSlides/notesSlide23.xml><?xml version="1.0" encoding="utf-8"?>
+<p:notes xmlns:a="http://schemas.openxmlformats.org/drawingml/2006/main" xmlns:r="http://schemas.openxmlformats.org/officeDocument/2006/relationships" xmlns:p="http://schemas.openxmlformats.org/presentationml/2006/main">
+  <p:cSld>
+    <p:spTree>
+      <p:nvGrpSpPr>
+        <p:cNvPr id="1" name=""/>
+        <p:cNvGrpSpPr/>
+        <p:nvPr/>
+      </p:nvGrpSpPr>
+      <p:grpSpPr>
+        <a:xfrm>
+          <a:off x="0" y="0"/>
+          <a:ext cx="0" cy="0"/>
+          <a:chOff x="0" y="0"/>
+          <a:chExt cx="0" cy="0"/>
+        </a:xfrm>
+      </p:grpSpPr>
+      <p:sp>
+        <p:nvSpPr>
+          <p:cNvPr id="2" name="슬라이드 이미지 개체 틀 1"/>
+          <p:cNvSpPr>
+            <a:spLocks noGrp="1" noRot="1" noChangeAspect="1"/>
+          </p:cNvSpPr>
+          <p:nvPr>
+            <p:ph type="sldImg"/>
+          </p:nvPr>
+        </p:nvSpPr>
+        <p:spPr/>
+      </p:sp>
+      <p:sp>
+        <p:nvSpPr>
+          <p:cNvPr id="3" name="슬라이드 노트 개체 틀 2"/>
+          <p:cNvSpPr>
+            <a:spLocks noGrp="1"/>
+          </p:cNvSpPr>
+          <p:nvPr>
+            <p:ph type="body" idx="1"/>
+          </p:nvPr>
+        </p:nvSpPr>
+        <p:spPr/>
+        <p:txBody>
+          <a:bodyPr/>
+          <a:lstStyle/>
+          <a:p>
+            <a:endParaRPr lang="ko-KR" altLang="en-US" dirty="0"/>
+          </a:p>
+        </p:txBody>
+      </p:sp>
+      <p:sp>
+        <p:nvSpPr>
+          <p:cNvPr id="4" name="슬라이드 번호 개체 틀 3"/>
+          <p:cNvSpPr>
+            <a:spLocks noGrp="1"/>
+          </p:cNvSpPr>
+          <p:nvPr>
+            <p:ph type="sldNum" sz="quarter" idx="5"/>
+          </p:nvPr>
+        </p:nvSpPr>
+        <p:spPr/>
+        <p:txBody>
+          <a:bodyPr/>
+          <a:lstStyle/>
+          <a:p>
+            <a:fld id="{C9A8A83F-6C71-4CF4-8A88-DD5246BC8568}" type="slidenum">
+              <a:rPr lang="ko-KR" altLang="en-US" smtClean="0"/>
+              <a:t>23</a:t>
+            </a:fld>
+            <a:endParaRPr lang="ko-KR" altLang="en-US"/>
+          </a:p>
+        </p:txBody>
+      </p:sp>
+    </p:spTree>
+    <p:extLst>
+      <p:ext uri="{BB962C8B-B14F-4D97-AF65-F5344CB8AC3E}">
+        <p14:creationId xmlns:p14="http://schemas.microsoft.com/office/powerpoint/2010/main" val="2133443336"/>
+      </p:ext>
+    </p:extLst>
+  </p:cSld>
+  <p:clrMapOvr>
+    <a:masterClrMapping/>
+  </p:clrMapOvr>
+</p:notes>
+</file>
+
+<file path=ppt/notesSlides/notesSlide24.xml><?xml version="1.0" encoding="utf-8"?>
+<p:notes xmlns:a="http://schemas.openxmlformats.org/drawingml/2006/main" xmlns:r="http://schemas.openxmlformats.org/officeDocument/2006/relationships" xmlns:p="http://schemas.openxmlformats.org/presentationml/2006/main">
+  <p:cSld>
+    <p:spTree>
+      <p:nvGrpSpPr>
+        <p:cNvPr id="1" name=""/>
+        <p:cNvGrpSpPr/>
+        <p:nvPr/>
+      </p:nvGrpSpPr>
+      <p:grpSpPr>
+        <a:xfrm>
+          <a:off x="0" y="0"/>
+          <a:ext cx="0" cy="0"/>
+          <a:chOff x="0" y="0"/>
+          <a:chExt cx="0" cy="0"/>
+        </a:xfrm>
+      </p:grpSpPr>
+      <p:sp>
+        <p:nvSpPr>
+          <p:cNvPr id="2" name="슬라이드 이미지 개체 틀 1"/>
+          <p:cNvSpPr>
+            <a:spLocks noGrp="1" noRot="1" noChangeAspect="1"/>
+          </p:cNvSpPr>
+          <p:nvPr>
+            <p:ph type="sldImg"/>
+          </p:nvPr>
+        </p:nvSpPr>
+        <p:spPr/>
+      </p:sp>
+      <p:sp>
+        <p:nvSpPr>
+          <p:cNvPr id="3" name="슬라이드 노트 개체 틀 2"/>
+          <p:cNvSpPr>
+            <a:spLocks noGrp="1"/>
+          </p:cNvSpPr>
+          <p:nvPr>
+            <p:ph type="body" idx="1"/>
+          </p:nvPr>
+        </p:nvSpPr>
+        <p:spPr/>
+        <p:txBody>
+          <a:bodyPr/>
+          <a:lstStyle/>
+          <a:p>
+            <a:endParaRPr lang="ko-KR" altLang="en-US" dirty="0"/>
+          </a:p>
+        </p:txBody>
+      </p:sp>
+      <p:sp>
+        <p:nvSpPr>
+          <p:cNvPr id="4" name="슬라이드 번호 개체 틀 3"/>
+          <p:cNvSpPr>
+            <a:spLocks noGrp="1"/>
+          </p:cNvSpPr>
+          <p:nvPr>
+            <p:ph type="sldNum" sz="quarter" idx="5"/>
+          </p:nvPr>
+        </p:nvSpPr>
+        <p:spPr/>
+        <p:txBody>
+          <a:bodyPr/>
+          <a:lstStyle/>
+          <a:p>
+            <a:fld id="{C9A8A83F-6C71-4CF4-8A88-DD5246BC8568}" type="slidenum">
+              <a:rPr lang="ko-KR" altLang="en-US" smtClean="0"/>
+              <a:t>24</a:t>
+            </a:fld>
+            <a:endParaRPr lang="ko-KR" altLang="en-US"/>
+          </a:p>
+        </p:txBody>
+      </p:sp>
+    </p:spTree>
+    <p:extLst>
+      <p:ext uri="{BB962C8B-B14F-4D97-AF65-F5344CB8AC3E}">
+        <p14:creationId xmlns:p14="http://schemas.microsoft.com/office/powerpoint/2010/main" val="3524096133"/>
+      </p:ext>
+    </p:extLst>
+  </p:cSld>
+  <p:clrMapOvr>
+    <a:masterClrMapping/>
+  </p:clrMapOvr>
+</p:notes>
+</file>
+
 <file path=ppt/notesSlides/notesSlide3.xml><?xml version="1.0" encoding="utf-8"?>
 <p:notes xmlns:a="http://schemas.openxmlformats.org/drawingml/2006/main" xmlns:r="http://schemas.openxmlformats.org/officeDocument/2006/relationships" xmlns:p="http://schemas.openxmlformats.org/presentationml/2006/main">
   <p:cSld>
@@ -2494,7 +2919,7 @@
     </p:spTree>
     <p:extLst>
       <p:ext uri="{BB962C8B-B14F-4D97-AF65-F5344CB8AC3E}">
-        <p14:creationId xmlns:p14="http://schemas.microsoft.com/office/powerpoint/2010/main" val="2785158192"/>
+        <p14:creationId xmlns:p14="http://schemas.microsoft.com/office/powerpoint/2010/main" val="207462723"/>
       </p:ext>
     </p:extLst>
   </p:cSld>
@@ -2578,7 +3003,7 @@
     </p:spTree>
     <p:extLst>
       <p:ext uri="{BB962C8B-B14F-4D97-AF65-F5344CB8AC3E}">
-        <p14:creationId xmlns:p14="http://schemas.microsoft.com/office/powerpoint/2010/main" val="88719806"/>
+        <p14:creationId xmlns:p14="http://schemas.microsoft.com/office/powerpoint/2010/main" val="1225193544"/>
       </p:ext>
     </p:extLst>
   </p:cSld>
@@ -2662,7 +3087,7 @@
     </p:spTree>
     <p:extLst>
       <p:ext uri="{BB962C8B-B14F-4D97-AF65-F5344CB8AC3E}">
-        <p14:creationId xmlns:p14="http://schemas.microsoft.com/office/powerpoint/2010/main" val="1016861408"/>
+        <p14:creationId xmlns:p14="http://schemas.microsoft.com/office/powerpoint/2010/main" val="2785158192"/>
       </p:ext>
     </p:extLst>
   </p:cSld>
@@ -2746,7 +3171,7 @@
     </p:spTree>
     <p:extLst>
       <p:ext uri="{BB962C8B-B14F-4D97-AF65-F5344CB8AC3E}">
-        <p14:creationId xmlns:p14="http://schemas.microsoft.com/office/powerpoint/2010/main" val="1387038870"/>
+        <p14:creationId xmlns:p14="http://schemas.microsoft.com/office/powerpoint/2010/main" val="88719806"/>
       </p:ext>
     </p:extLst>
   </p:cSld>
@@ -2830,7 +3255,7 @@
     </p:spTree>
     <p:extLst>
       <p:ext uri="{BB962C8B-B14F-4D97-AF65-F5344CB8AC3E}">
-        <p14:creationId xmlns:p14="http://schemas.microsoft.com/office/powerpoint/2010/main" val="3615307172"/>
+        <p14:creationId xmlns:p14="http://schemas.microsoft.com/office/powerpoint/2010/main" val="1016861408"/>
       </p:ext>
     </p:extLst>
   </p:cSld>
@@ -2914,7 +3339,7 @@
     </p:spTree>
     <p:extLst>
       <p:ext uri="{BB962C8B-B14F-4D97-AF65-F5344CB8AC3E}">
-        <p14:creationId xmlns:p14="http://schemas.microsoft.com/office/powerpoint/2010/main" val="3783185254"/>
+        <p14:creationId xmlns:p14="http://schemas.microsoft.com/office/powerpoint/2010/main" val="1387038870"/>
       </p:ext>
     </p:extLst>
   </p:cSld>
@@ -2998,7 +3423,7 @@
     </p:spTree>
     <p:extLst>
       <p:ext uri="{BB962C8B-B14F-4D97-AF65-F5344CB8AC3E}">
-        <p14:creationId xmlns:p14="http://schemas.microsoft.com/office/powerpoint/2010/main" val="3017198923"/>
+        <p14:creationId xmlns:p14="http://schemas.microsoft.com/office/powerpoint/2010/main" val="3615307172"/>
       </p:ext>
     </p:extLst>
   </p:cSld>
@@ -3155,7 +3580,7 @@
           <a:p>
             <a:fld id="{207C1FA0-6623-4AC3-9FC5-5BC29051396A}" type="datetimeFigureOut">
               <a:rPr lang="ko-KR" altLang="en-US" smtClean="0"/>
-              <a:t>2020-01-28</a:t>
+              <a:t>2020-01-30</a:t>
             </a:fld>
             <a:endParaRPr lang="ko-KR" altLang="en-US"/>
           </a:p>
@@ -3353,7 +3778,7 @@
           <a:p>
             <a:fld id="{207C1FA0-6623-4AC3-9FC5-5BC29051396A}" type="datetimeFigureOut">
               <a:rPr lang="ko-KR" altLang="en-US" smtClean="0"/>
-              <a:t>2020-01-28</a:t>
+              <a:t>2020-01-30</a:t>
             </a:fld>
             <a:endParaRPr lang="ko-KR" altLang="en-US"/>
           </a:p>
@@ -3561,7 +3986,7 @@
           <a:p>
             <a:fld id="{207C1FA0-6623-4AC3-9FC5-5BC29051396A}" type="datetimeFigureOut">
               <a:rPr lang="ko-KR" altLang="en-US" smtClean="0"/>
-              <a:t>2020-01-28</a:t>
+              <a:t>2020-01-30</a:t>
             </a:fld>
             <a:endParaRPr lang="ko-KR" altLang="en-US"/>
           </a:p>
@@ -3759,7 +4184,7 @@
           <a:p>
             <a:fld id="{207C1FA0-6623-4AC3-9FC5-5BC29051396A}" type="datetimeFigureOut">
               <a:rPr lang="ko-KR" altLang="en-US" smtClean="0"/>
-              <a:t>2020-01-28</a:t>
+              <a:t>2020-01-30</a:t>
             </a:fld>
             <a:endParaRPr lang="ko-KR" altLang="en-US"/>
           </a:p>
@@ -4034,7 +4459,7 @@
           <a:p>
             <a:fld id="{207C1FA0-6623-4AC3-9FC5-5BC29051396A}" type="datetimeFigureOut">
               <a:rPr lang="ko-KR" altLang="en-US" smtClean="0"/>
-              <a:t>2020-01-28</a:t>
+              <a:t>2020-01-30</a:t>
             </a:fld>
             <a:endParaRPr lang="ko-KR" altLang="en-US"/>
           </a:p>
@@ -4299,7 +4724,7 @@
           <a:p>
             <a:fld id="{207C1FA0-6623-4AC3-9FC5-5BC29051396A}" type="datetimeFigureOut">
               <a:rPr lang="ko-KR" altLang="en-US" smtClean="0"/>
-              <a:t>2020-01-28</a:t>
+              <a:t>2020-01-30</a:t>
             </a:fld>
             <a:endParaRPr lang="ko-KR" altLang="en-US"/>
           </a:p>
@@ -4711,7 +5136,7 @@
           <a:p>
             <a:fld id="{207C1FA0-6623-4AC3-9FC5-5BC29051396A}" type="datetimeFigureOut">
               <a:rPr lang="ko-KR" altLang="en-US" smtClean="0"/>
-              <a:t>2020-01-28</a:t>
+              <a:t>2020-01-30</a:t>
             </a:fld>
             <a:endParaRPr lang="ko-KR" altLang="en-US"/>
           </a:p>
@@ -4852,7 +5277,7 @@
           <a:p>
             <a:fld id="{207C1FA0-6623-4AC3-9FC5-5BC29051396A}" type="datetimeFigureOut">
               <a:rPr lang="ko-KR" altLang="en-US" smtClean="0"/>
-              <a:t>2020-01-28</a:t>
+              <a:t>2020-01-30</a:t>
             </a:fld>
             <a:endParaRPr lang="ko-KR" altLang="en-US"/>
           </a:p>
@@ -4965,7 +5390,7 @@
           <a:p>
             <a:fld id="{207C1FA0-6623-4AC3-9FC5-5BC29051396A}" type="datetimeFigureOut">
               <a:rPr lang="ko-KR" altLang="en-US" smtClean="0"/>
-              <a:t>2020-01-28</a:t>
+              <a:t>2020-01-30</a:t>
             </a:fld>
             <a:endParaRPr lang="ko-KR" altLang="en-US"/>
           </a:p>
@@ -5276,7 +5701,7 @@
           <a:p>
             <a:fld id="{207C1FA0-6623-4AC3-9FC5-5BC29051396A}" type="datetimeFigureOut">
               <a:rPr lang="ko-KR" altLang="en-US" smtClean="0"/>
-              <a:t>2020-01-28</a:t>
+              <a:t>2020-01-30</a:t>
             </a:fld>
             <a:endParaRPr lang="ko-KR" altLang="en-US"/>
           </a:p>
@@ -5564,7 +5989,7 @@
           <a:p>
             <a:fld id="{207C1FA0-6623-4AC3-9FC5-5BC29051396A}" type="datetimeFigureOut">
               <a:rPr lang="ko-KR" altLang="en-US" smtClean="0"/>
-              <a:t>2020-01-28</a:t>
+              <a:t>2020-01-30</a:t>
             </a:fld>
             <a:endParaRPr lang="ko-KR" altLang="en-US"/>
           </a:p>
@@ -5805,7 +6230,7 @@
           <a:p>
             <a:fld id="{207C1FA0-6623-4AC3-9FC5-5BC29051396A}" type="datetimeFigureOut">
               <a:rPr lang="ko-KR" altLang="en-US" smtClean="0"/>
-              <a:t>2020-01-28</a:t>
+              <a:t>2020-01-30</a:t>
             </a:fld>
             <a:endParaRPr lang="ko-KR" altLang="en-US"/>
           </a:p>
@@ -7244,7 +7669,1219 @@
                 <a:ea typeface="210 맨발의청춘 B" panose="02020603020101020101" pitchFamily="18" charset="-127"/>
                 <a:cs typeface="Aharoni" panose="02010803020104030203" pitchFamily="2" charset="-79"/>
               </a:rPr>
-              <a:t>1. </a:t>
+              <a:t>2. </a:t>
+            </a:r>
+            <a:r>
+              <a:rPr lang="ko-KR" altLang="en-US" sz="4000">
+                <a:solidFill>
+                  <a:schemeClr val="accent1">
+                    <a:lumMod val="75000"/>
+                  </a:schemeClr>
+                </a:solidFill>
+                <a:latin typeface="210 맨발의청춘 B" panose="02020603020101020101" pitchFamily="18" charset="-127"/>
+                <a:ea typeface="210 맨발의청춘 B" panose="02020603020101020101" pitchFamily="18" charset="-127"/>
+                <a:cs typeface="Aharoni" panose="02010803020104030203" pitchFamily="2" charset="-79"/>
+              </a:rPr>
+              <a:t>크롤링 </a:t>
+            </a:r>
+            <a:r>
+              <a:rPr lang="en-US" altLang="ko-KR" sz="4000">
+                <a:solidFill>
+                  <a:schemeClr val="accent1">
+                    <a:lumMod val="75000"/>
+                  </a:schemeClr>
+                </a:solidFill>
+                <a:latin typeface="210 맨발의청춘 B" panose="02020603020101020101" pitchFamily="18" charset="-127"/>
+                <a:ea typeface="210 맨발의청춘 B" panose="02020603020101020101" pitchFamily="18" charset="-127"/>
+                <a:cs typeface="Aharoni" panose="02010803020104030203" pitchFamily="2" charset="-79"/>
+              </a:rPr>
+              <a:t>Class diagram</a:t>
+            </a:r>
+            <a:endParaRPr lang="en-US" altLang="ko-KR" sz="4000" dirty="0">
+              <a:solidFill>
+                <a:schemeClr val="accent1">
+                  <a:lumMod val="75000"/>
+                </a:schemeClr>
+              </a:solidFill>
+              <a:latin typeface="210 맨발의청춘 B" panose="02020603020101020101" pitchFamily="18" charset="-127"/>
+              <a:ea typeface="210 맨발의청춘 B" panose="02020603020101020101" pitchFamily="18" charset="-127"/>
+              <a:cs typeface="Aharoni" panose="02010803020104030203" pitchFamily="2" charset="-79"/>
+            </a:endParaRPr>
+          </a:p>
+        </p:txBody>
+      </p:sp>
+      <p:grpSp>
+        <p:nvGrpSpPr>
+          <p:cNvPr id="11" name="그룹 10">
+            <a:extLst>
+              <a:ext uri="{FF2B5EF4-FFF2-40B4-BE49-F238E27FC236}">
+                <a16:creationId xmlns:a16="http://schemas.microsoft.com/office/drawing/2014/main" id="{A7B74CC4-44AB-4C22-AC9C-64016CA7DE51}"/>
+              </a:ext>
+            </a:extLst>
+          </p:cNvPr>
+          <p:cNvGrpSpPr/>
+          <p:nvPr/>
+        </p:nvGrpSpPr>
+        <p:grpSpPr>
+          <a:xfrm>
+            <a:off x="1488156" y="1719976"/>
+            <a:ext cx="9210675" cy="4391533"/>
+            <a:chOff x="1490662" y="1371091"/>
+            <a:chExt cx="9210675" cy="4391533"/>
+          </a:xfrm>
+        </p:grpSpPr>
+        <p:pic>
+          <p:nvPicPr>
+            <p:cNvPr id="4" name="그림 3" descr="화면, 검은색, 앉아있는, 모니터이(가) 표시된 사진&#10;&#10;자동 생성된 설명">
+              <a:extLst>
+                <a:ext uri="{FF2B5EF4-FFF2-40B4-BE49-F238E27FC236}">
+                  <a16:creationId xmlns:a16="http://schemas.microsoft.com/office/drawing/2014/main" id="{915C7372-312A-475C-91EF-5A065E5CACD4}"/>
+                </a:ext>
+              </a:extLst>
+            </p:cNvPr>
+            <p:cNvPicPr>
+              <a:picLocks noChangeAspect="1"/>
+            </p:cNvPicPr>
+            <p:nvPr/>
+          </p:nvPicPr>
+          <p:blipFill>
+            <a:blip r:embed="rId3">
+              <a:extLst>
+                <a:ext uri="{28A0092B-C50C-407E-A947-70E740481C1C}">
+                  <a14:useLocalDpi xmlns:a14="http://schemas.microsoft.com/office/drawing/2010/main" val="0"/>
+                </a:ext>
+              </a:extLst>
+            </a:blip>
+            <a:stretch>
+              <a:fillRect/>
+            </a:stretch>
+          </p:blipFill>
+          <p:spPr>
+            <a:xfrm>
+              <a:off x="1490662" y="1371091"/>
+              <a:ext cx="9210675" cy="4391533"/>
+            </a:xfrm>
+            <a:prstGeom prst="rect">
+              <a:avLst/>
+            </a:prstGeom>
+          </p:spPr>
+        </p:pic>
+        <p:cxnSp>
+          <p:nvCxnSpPr>
+            <p:cNvPr id="12" name="직선 연결선 11">
+              <a:extLst>
+                <a:ext uri="{FF2B5EF4-FFF2-40B4-BE49-F238E27FC236}">
+                  <a16:creationId xmlns:a16="http://schemas.microsoft.com/office/drawing/2014/main" id="{EB98329B-7EBF-4D18-BB72-77316177CC31}"/>
+                </a:ext>
+              </a:extLst>
+            </p:cNvPr>
+            <p:cNvCxnSpPr>
+              <a:cxnSpLocks/>
+            </p:cNvCxnSpPr>
+            <p:nvPr/>
+          </p:nvCxnSpPr>
+          <p:spPr>
+            <a:xfrm>
+              <a:off x="5256604" y="2673753"/>
+              <a:ext cx="4871244" cy="0"/>
+            </a:xfrm>
+            <a:prstGeom prst="line">
+              <a:avLst/>
+            </a:prstGeom>
+            <a:ln>
+              <a:solidFill>
+                <a:srgbClr val="FF0000"/>
+              </a:solidFill>
+            </a:ln>
+          </p:spPr>
+          <p:style>
+            <a:lnRef idx="3">
+              <a:schemeClr val="accent2"/>
+            </a:lnRef>
+            <a:fillRef idx="0">
+              <a:schemeClr val="accent2"/>
+            </a:fillRef>
+            <a:effectRef idx="2">
+              <a:schemeClr val="accent2"/>
+            </a:effectRef>
+            <a:fontRef idx="minor">
+              <a:schemeClr val="tx1"/>
+            </a:fontRef>
+          </p:style>
+        </p:cxnSp>
+      </p:grpSp>
+    </p:spTree>
+    <p:extLst>
+      <p:ext uri="{BB962C8B-B14F-4D97-AF65-F5344CB8AC3E}">
+        <p14:creationId xmlns:p14="http://schemas.microsoft.com/office/powerpoint/2010/main" val="3858709054"/>
+      </p:ext>
+    </p:extLst>
+  </p:cSld>
+  <p:clrMapOvr>
+    <a:masterClrMapping/>
+  </p:clrMapOvr>
+</p:sld>
+</file>
+
+<file path=ppt/slides/slide11.xml><?xml version="1.0" encoding="utf-8"?>
+<p:sld xmlns:a="http://schemas.openxmlformats.org/drawingml/2006/main" xmlns:r="http://schemas.openxmlformats.org/officeDocument/2006/relationships" xmlns:p="http://schemas.openxmlformats.org/presentationml/2006/main">
+  <p:cSld>
+    <p:spTree>
+      <p:nvGrpSpPr>
+        <p:cNvPr id="1" name=""/>
+        <p:cNvGrpSpPr/>
+        <p:nvPr/>
+      </p:nvGrpSpPr>
+      <p:grpSpPr>
+        <a:xfrm>
+          <a:off x="0" y="0"/>
+          <a:ext cx="0" cy="0"/>
+          <a:chOff x="0" y="0"/>
+          <a:chExt cx="0" cy="0"/>
+        </a:xfrm>
+      </p:grpSpPr>
+      <p:sp>
+        <p:nvSpPr>
+          <p:cNvPr id="2" name="직사각형 1"/>
+          <p:cNvSpPr/>
+          <p:nvPr/>
+        </p:nvSpPr>
+        <p:spPr>
+          <a:xfrm>
+            <a:off x="-1" y="0"/>
+            <a:ext cx="12192000" cy="6858000"/>
+          </a:xfrm>
+          <a:prstGeom prst="rect">
+            <a:avLst/>
+          </a:prstGeom>
+          <a:solidFill>
+            <a:srgbClr val="AFD9E9"/>
+          </a:solidFill>
+          <a:ln>
+            <a:solidFill>
+              <a:srgbClr val="AFD9E9"/>
+            </a:solidFill>
+          </a:ln>
+        </p:spPr>
+        <p:style>
+          <a:lnRef idx="2">
+            <a:schemeClr val="accent1">
+              <a:shade val="50000"/>
+            </a:schemeClr>
+          </a:lnRef>
+          <a:fillRef idx="1">
+            <a:schemeClr val="accent1"/>
+          </a:fillRef>
+          <a:effectRef idx="0">
+            <a:schemeClr val="accent1"/>
+          </a:effectRef>
+          <a:fontRef idx="minor">
+            <a:schemeClr val="lt1"/>
+          </a:fontRef>
+        </p:style>
+        <p:txBody>
+          <a:bodyPr rtlCol="0" anchor="ctr"/>
+          <a:lstStyle/>
+          <a:p>
+            <a:pPr algn="ctr"/>
+            <a:endParaRPr lang="ko-KR" altLang="en-US"/>
+          </a:p>
+        </p:txBody>
+      </p:sp>
+      <p:sp>
+        <p:nvSpPr>
+          <p:cNvPr id="5" name="평행 사변형 4"/>
+          <p:cNvSpPr/>
+          <p:nvPr/>
+        </p:nvSpPr>
+        <p:spPr>
+          <a:xfrm flipH="1">
+            <a:off x="-2506" y="0"/>
+            <a:ext cx="12192000" cy="6858000"/>
+          </a:xfrm>
+          <a:prstGeom prst="parallelogram">
+            <a:avLst/>
+          </a:prstGeom>
+          <a:solidFill>
+            <a:srgbClr val="9CCFE4"/>
+          </a:solidFill>
+          <a:ln>
+            <a:noFill/>
+          </a:ln>
+        </p:spPr>
+        <p:style>
+          <a:lnRef idx="2">
+            <a:schemeClr val="accent1">
+              <a:shade val="50000"/>
+            </a:schemeClr>
+          </a:lnRef>
+          <a:fillRef idx="1">
+            <a:schemeClr val="accent1"/>
+          </a:fillRef>
+          <a:effectRef idx="0">
+            <a:schemeClr val="accent1"/>
+          </a:effectRef>
+          <a:fontRef idx="minor">
+            <a:schemeClr val="lt1"/>
+          </a:fontRef>
+        </p:style>
+        <p:txBody>
+          <a:bodyPr rtlCol="0" anchor="ctr"/>
+          <a:lstStyle/>
+          <a:p>
+            <a:pPr algn="ctr"/>
+            <a:endParaRPr lang="ko-KR" altLang="en-US">
+              <a:solidFill>
+                <a:prstClr val="white"/>
+              </a:solidFill>
+            </a:endParaRPr>
+          </a:p>
+        </p:txBody>
+      </p:sp>
+      <p:sp>
+        <p:nvSpPr>
+          <p:cNvPr id="6" name="직각 삼각형 5"/>
+          <p:cNvSpPr/>
+          <p:nvPr/>
+        </p:nvSpPr>
+        <p:spPr>
+          <a:xfrm flipH="1">
+            <a:off x="1956816" y="4736592"/>
+            <a:ext cx="10235184" cy="2121408"/>
+          </a:xfrm>
+          <a:prstGeom prst="rtTriangle">
+            <a:avLst/>
+          </a:prstGeom>
+          <a:solidFill>
+            <a:srgbClr val="84BDD1"/>
+          </a:solidFill>
+          <a:ln>
+            <a:noFill/>
+          </a:ln>
+        </p:spPr>
+        <p:style>
+          <a:lnRef idx="2">
+            <a:schemeClr val="accent1">
+              <a:shade val="50000"/>
+            </a:schemeClr>
+          </a:lnRef>
+          <a:fillRef idx="1">
+            <a:schemeClr val="accent1"/>
+          </a:fillRef>
+          <a:effectRef idx="0">
+            <a:schemeClr val="accent1"/>
+          </a:effectRef>
+          <a:fontRef idx="minor">
+            <a:schemeClr val="lt1"/>
+          </a:fontRef>
+        </p:style>
+        <p:txBody>
+          <a:bodyPr rtlCol="0" anchor="ctr"/>
+          <a:lstStyle/>
+          <a:p>
+            <a:pPr algn="ctr"/>
+            <a:endParaRPr lang="ko-KR" altLang="en-US" dirty="0">
+              <a:solidFill>
+                <a:prstClr val="white"/>
+              </a:solidFill>
+            </a:endParaRPr>
+          </a:p>
+        </p:txBody>
+      </p:sp>
+      <p:sp>
+        <p:nvSpPr>
+          <p:cNvPr id="8" name="직사각형 7"/>
+          <p:cNvSpPr/>
+          <p:nvPr/>
+        </p:nvSpPr>
+        <p:spPr>
+          <a:xfrm>
+            <a:off x="577138" y="397607"/>
+            <a:ext cx="11037723" cy="6062786"/>
+          </a:xfrm>
+          <a:prstGeom prst="rect">
+            <a:avLst/>
+          </a:prstGeom>
+          <a:solidFill>
+            <a:schemeClr val="bg1"/>
+          </a:solidFill>
+          <a:ln>
+            <a:noFill/>
+          </a:ln>
+        </p:spPr>
+        <p:style>
+          <a:lnRef idx="2">
+            <a:schemeClr val="accent1">
+              <a:shade val="50000"/>
+            </a:schemeClr>
+          </a:lnRef>
+          <a:fillRef idx="1">
+            <a:schemeClr val="accent1"/>
+          </a:fillRef>
+          <a:effectRef idx="0">
+            <a:schemeClr val="accent1"/>
+          </a:effectRef>
+          <a:fontRef idx="minor">
+            <a:schemeClr val="lt1"/>
+          </a:fontRef>
+        </p:style>
+        <p:txBody>
+          <a:bodyPr rtlCol="0" anchor="ctr"/>
+          <a:lstStyle/>
+          <a:p>
+            <a:pPr algn="ctr"/>
+            <a:endParaRPr lang="ko-KR" altLang="en-US" dirty="0">
+              <a:solidFill>
+                <a:prstClr val="white"/>
+              </a:solidFill>
+            </a:endParaRPr>
+          </a:p>
+        </p:txBody>
+      </p:sp>
+      <p:sp>
+        <p:nvSpPr>
+          <p:cNvPr id="18" name="자유형 17"/>
+          <p:cNvSpPr/>
+          <p:nvPr/>
+        </p:nvSpPr>
+        <p:spPr>
+          <a:xfrm>
+            <a:off x="574633" y="397607"/>
+            <a:ext cx="941999" cy="942018"/>
+          </a:xfrm>
+          <a:custGeom>
+            <a:avLst/>
+            <a:gdLst>
+              <a:gd name="connsiteX0" fmla="*/ 0 w 941999"/>
+              <a:gd name="connsiteY0" fmla="*/ 0 h 942018"/>
+              <a:gd name="connsiteX1" fmla="*/ 941999 w 941999"/>
+              <a:gd name="connsiteY1" fmla="*/ 0 h 942018"/>
+              <a:gd name="connsiteX2" fmla="*/ 845703 w 941999"/>
+              <a:gd name="connsiteY2" fmla="*/ 4863 h 942018"/>
+              <a:gd name="connsiteX3" fmla="*/ 0 w 941999"/>
+              <a:gd name="connsiteY3" fmla="*/ 942018 h 942018"/>
+              <a:gd name="connsiteX4" fmla="*/ 0 w 941999"/>
+              <a:gd name="connsiteY4" fmla="*/ 0 h 942018"/>
+            </a:gdLst>
+            <a:ahLst/>
+            <a:cxnLst>
+              <a:cxn ang="0">
+                <a:pos x="connsiteX0" y="connsiteY0"/>
+              </a:cxn>
+              <a:cxn ang="0">
+                <a:pos x="connsiteX1" y="connsiteY1"/>
+              </a:cxn>
+              <a:cxn ang="0">
+                <a:pos x="connsiteX2" y="connsiteY2"/>
+              </a:cxn>
+              <a:cxn ang="0">
+                <a:pos x="connsiteX3" y="connsiteY3"/>
+              </a:cxn>
+              <a:cxn ang="0">
+                <a:pos x="connsiteX4" y="connsiteY4"/>
+              </a:cxn>
+            </a:cxnLst>
+            <a:rect l="l" t="t" r="r" b="b"/>
+            <a:pathLst>
+              <a:path w="941999" h="942018">
+                <a:moveTo>
+                  <a:pt x="0" y="0"/>
+                </a:moveTo>
+                <a:lnTo>
+                  <a:pt x="941999" y="0"/>
+                </a:lnTo>
+                <a:lnTo>
+                  <a:pt x="845703" y="4863"/>
+                </a:lnTo>
+                <a:cubicBezTo>
+                  <a:pt x="370684" y="53103"/>
+                  <a:pt x="0" y="454272"/>
+                  <a:pt x="0" y="942018"/>
+                </a:cubicBezTo>
+                <a:lnTo>
+                  <a:pt x="0" y="0"/>
+                </a:lnTo>
+                <a:close/>
+              </a:path>
+            </a:pathLst>
+          </a:custGeom>
+          <a:solidFill>
+            <a:srgbClr val="F1DBEE"/>
+          </a:solidFill>
+          <a:ln>
+            <a:noFill/>
+          </a:ln>
+        </p:spPr>
+        <p:style>
+          <a:lnRef idx="2">
+            <a:schemeClr val="accent1">
+              <a:shade val="50000"/>
+            </a:schemeClr>
+          </a:lnRef>
+          <a:fillRef idx="1">
+            <a:schemeClr val="accent1"/>
+          </a:fillRef>
+          <a:effectRef idx="0">
+            <a:schemeClr val="accent1"/>
+          </a:effectRef>
+          <a:fontRef idx="minor">
+            <a:schemeClr val="lt1"/>
+          </a:fontRef>
+        </p:style>
+        <p:txBody>
+          <a:bodyPr rtlCol="0" anchor="ctr"/>
+          <a:lstStyle/>
+          <a:p>
+            <a:pPr algn="ctr"/>
+            <a:endParaRPr lang="ko-KR" altLang="en-US">
+              <a:solidFill>
+                <a:prstClr val="white"/>
+              </a:solidFill>
+            </a:endParaRPr>
+          </a:p>
+        </p:txBody>
+      </p:sp>
+      <p:sp>
+        <p:nvSpPr>
+          <p:cNvPr id="16" name="자유형 17">
+            <a:extLst>
+              <a:ext uri="{FF2B5EF4-FFF2-40B4-BE49-F238E27FC236}">
+                <a16:creationId xmlns:a16="http://schemas.microsoft.com/office/drawing/2014/main" id="{02363597-6E23-47D7-B49D-4EB59139CA99}"/>
+              </a:ext>
+            </a:extLst>
+          </p:cNvPr>
+          <p:cNvSpPr/>
+          <p:nvPr/>
+        </p:nvSpPr>
+        <p:spPr>
+          <a:xfrm rot="10800000">
+            <a:off x="10672862" y="5518375"/>
+            <a:ext cx="941999" cy="942018"/>
+          </a:xfrm>
+          <a:custGeom>
+            <a:avLst/>
+            <a:gdLst>
+              <a:gd name="connsiteX0" fmla="*/ 0 w 941999"/>
+              <a:gd name="connsiteY0" fmla="*/ 0 h 942018"/>
+              <a:gd name="connsiteX1" fmla="*/ 941999 w 941999"/>
+              <a:gd name="connsiteY1" fmla="*/ 0 h 942018"/>
+              <a:gd name="connsiteX2" fmla="*/ 845703 w 941999"/>
+              <a:gd name="connsiteY2" fmla="*/ 4863 h 942018"/>
+              <a:gd name="connsiteX3" fmla="*/ 0 w 941999"/>
+              <a:gd name="connsiteY3" fmla="*/ 942018 h 942018"/>
+              <a:gd name="connsiteX4" fmla="*/ 0 w 941999"/>
+              <a:gd name="connsiteY4" fmla="*/ 0 h 942018"/>
+            </a:gdLst>
+            <a:ahLst/>
+            <a:cxnLst>
+              <a:cxn ang="0">
+                <a:pos x="connsiteX0" y="connsiteY0"/>
+              </a:cxn>
+              <a:cxn ang="0">
+                <a:pos x="connsiteX1" y="connsiteY1"/>
+              </a:cxn>
+              <a:cxn ang="0">
+                <a:pos x="connsiteX2" y="connsiteY2"/>
+              </a:cxn>
+              <a:cxn ang="0">
+                <a:pos x="connsiteX3" y="connsiteY3"/>
+              </a:cxn>
+              <a:cxn ang="0">
+                <a:pos x="connsiteX4" y="connsiteY4"/>
+              </a:cxn>
+            </a:cxnLst>
+            <a:rect l="l" t="t" r="r" b="b"/>
+            <a:pathLst>
+              <a:path w="941999" h="942018">
+                <a:moveTo>
+                  <a:pt x="0" y="0"/>
+                </a:moveTo>
+                <a:lnTo>
+                  <a:pt x="941999" y="0"/>
+                </a:lnTo>
+                <a:lnTo>
+                  <a:pt x="845703" y="4863"/>
+                </a:lnTo>
+                <a:cubicBezTo>
+                  <a:pt x="370684" y="53103"/>
+                  <a:pt x="0" y="454272"/>
+                  <a:pt x="0" y="942018"/>
+                </a:cubicBezTo>
+                <a:lnTo>
+                  <a:pt x="0" y="0"/>
+                </a:lnTo>
+                <a:close/>
+              </a:path>
+            </a:pathLst>
+          </a:custGeom>
+          <a:solidFill>
+            <a:srgbClr val="F1DBEE"/>
+          </a:solidFill>
+          <a:ln>
+            <a:noFill/>
+          </a:ln>
+        </p:spPr>
+        <p:style>
+          <a:lnRef idx="2">
+            <a:schemeClr val="accent1">
+              <a:shade val="50000"/>
+            </a:schemeClr>
+          </a:lnRef>
+          <a:fillRef idx="1">
+            <a:schemeClr val="accent1"/>
+          </a:fillRef>
+          <a:effectRef idx="0">
+            <a:schemeClr val="accent1"/>
+          </a:effectRef>
+          <a:fontRef idx="minor">
+            <a:schemeClr val="lt1"/>
+          </a:fontRef>
+        </p:style>
+        <p:txBody>
+          <a:bodyPr rtlCol="0" anchor="ctr"/>
+          <a:lstStyle/>
+          <a:p>
+            <a:pPr algn="ctr"/>
+            <a:endParaRPr lang="ko-KR" altLang="en-US">
+              <a:solidFill>
+                <a:prstClr val="white"/>
+              </a:solidFill>
+            </a:endParaRPr>
+          </a:p>
+        </p:txBody>
+      </p:sp>
+      <p:sp>
+        <p:nvSpPr>
+          <p:cNvPr id="21" name="직사각형 20">
+            <a:extLst>
+              <a:ext uri="{FF2B5EF4-FFF2-40B4-BE49-F238E27FC236}">
+                <a16:creationId xmlns:a16="http://schemas.microsoft.com/office/drawing/2014/main" id="{A406BFA2-D3CD-432E-82D9-8C7181F8F351}"/>
+              </a:ext>
+            </a:extLst>
+          </p:cNvPr>
+          <p:cNvSpPr/>
+          <p:nvPr/>
+        </p:nvSpPr>
+        <p:spPr>
+          <a:xfrm>
+            <a:off x="763705" y="712382"/>
+            <a:ext cx="5926462" cy="658710"/>
+          </a:xfrm>
+          <a:prstGeom prst="rect">
+            <a:avLst/>
+          </a:prstGeom>
+          <a:noFill/>
+          <a:ln>
+            <a:noFill/>
+          </a:ln>
+        </p:spPr>
+        <p:style>
+          <a:lnRef idx="2">
+            <a:schemeClr val="accent1">
+              <a:shade val="50000"/>
+            </a:schemeClr>
+          </a:lnRef>
+          <a:fillRef idx="1">
+            <a:schemeClr val="accent1"/>
+          </a:fillRef>
+          <a:effectRef idx="0">
+            <a:schemeClr val="accent1"/>
+          </a:effectRef>
+          <a:fontRef idx="minor">
+            <a:schemeClr val="lt1"/>
+          </a:fontRef>
+        </p:style>
+        <p:txBody>
+          <a:bodyPr lIns="0" tIns="0" rIns="0" bIns="0" rtlCol="0" anchor="ctr"/>
+          <a:lstStyle/>
+          <a:p>
+            <a:pPr algn="ctr"/>
+            <a:r>
+              <a:rPr lang="en-US" altLang="ko-KR" sz="4000">
+                <a:solidFill>
+                  <a:schemeClr val="accent1">
+                    <a:lumMod val="75000"/>
+                  </a:schemeClr>
+                </a:solidFill>
+                <a:latin typeface="210 맨발의청춘 B" panose="02020603020101020101" pitchFamily="18" charset="-127"/>
+                <a:ea typeface="210 맨발의청춘 B" panose="02020603020101020101" pitchFamily="18" charset="-127"/>
+                <a:cs typeface="Aharoni" panose="02010803020104030203" pitchFamily="2" charset="-79"/>
+              </a:rPr>
+              <a:t>2. </a:t>
+            </a:r>
+            <a:r>
+              <a:rPr lang="ko-KR" altLang="en-US" sz="4000">
+                <a:solidFill>
+                  <a:schemeClr val="accent1">
+                    <a:lumMod val="75000"/>
+                  </a:schemeClr>
+                </a:solidFill>
+                <a:latin typeface="210 맨발의청춘 B" panose="02020603020101020101" pitchFamily="18" charset="-127"/>
+                <a:ea typeface="210 맨발의청춘 B" panose="02020603020101020101" pitchFamily="18" charset="-127"/>
+                <a:cs typeface="Aharoni" panose="02010803020104030203" pitchFamily="2" charset="-79"/>
+              </a:rPr>
+              <a:t>크롤링 </a:t>
+            </a:r>
+            <a:r>
+              <a:rPr lang="en-US" altLang="ko-KR" sz="4000">
+                <a:solidFill>
+                  <a:schemeClr val="accent1">
+                    <a:lumMod val="75000"/>
+                  </a:schemeClr>
+                </a:solidFill>
+                <a:latin typeface="210 맨발의청춘 B" panose="02020603020101020101" pitchFamily="18" charset="-127"/>
+                <a:ea typeface="210 맨발의청춘 B" panose="02020603020101020101" pitchFamily="18" charset="-127"/>
+                <a:cs typeface="Aharoni" panose="02010803020104030203" pitchFamily="2" charset="-79"/>
+              </a:rPr>
+              <a:t>Class diagram</a:t>
+            </a:r>
+            <a:endParaRPr lang="en-US" altLang="ko-KR" sz="4000" dirty="0">
+              <a:solidFill>
+                <a:schemeClr val="accent1">
+                  <a:lumMod val="75000"/>
+                </a:schemeClr>
+              </a:solidFill>
+              <a:latin typeface="210 맨발의청춘 B" panose="02020603020101020101" pitchFamily="18" charset="-127"/>
+              <a:ea typeface="210 맨발의청춘 B" panose="02020603020101020101" pitchFamily="18" charset="-127"/>
+              <a:cs typeface="Aharoni" panose="02010803020104030203" pitchFamily="2" charset="-79"/>
+            </a:endParaRPr>
+          </a:p>
+        </p:txBody>
+      </p:sp>
+      <p:pic>
+        <p:nvPicPr>
+          <p:cNvPr id="4" name="그림 3" descr="텍스트, 앉아있는, 테이블, 검은색이(가) 표시된 사진&#10;&#10;자동 생성된 설명">
+            <a:extLst>
+              <a:ext uri="{FF2B5EF4-FFF2-40B4-BE49-F238E27FC236}">
+                <a16:creationId xmlns:a16="http://schemas.microsoft.com/office/drawing/2014/main" id="{89601785-CE2C-4DE1-B5F2-BEBF91B367BA}"/>
+              </a:ext>
+            </a:extLst>
+          </p:cNvPr>
+          <p:cNvPicPr>
+            <a:picLocks noChangeAspect="1"/>
+          </p:cNvPicPr>
+          <p:nvPr/>
+        </p:nvPicPr>
+        <p:blipFill>
+          <a:blip r:embed="rId3">
+            <a:extLst>
+              <a:ext uri="{28A0092B-C50C-407E-A947-70E740481C1C}">
+                <a14:useLocalDpi xmlns:a14="http://schemas.microsoft.com/office/drawing/2010/main" val="0"/>
+              </a:ext>
+            </a:extLst>
+          </a:blip>
+          <a:stretch>
+            <a:fillRect/>
+          </a:stretch>
+        </p:blipFill>
+        <p:spPr>
+          <a:xfrm>
+            <a:off x="1488156" y="1737232"/>
+            <a:ext cx="9210675" cy="4181983"/>
+          </a:xfrm>
+          <a:prstGeom prst="rect">
+            <a:avLst/>
+          </a:prstGeom>
+        </p:spPr>
+      </p:pic>
+    </p:spTree>
+    <p:extLst>
+      <p:ext uri="{BB962C8B-B14F-4D97-AF65-F5344CB8AC3E}">
+        <p14:creationId xmlns:p14="http://schemas.microsoft.com/office/powerpoint/2010/main" val="819815436"/>
+      </p:ext>
+    </p:extLst>
+  </p:cSld>
+  <p:clrMapOvr>
+    <a:masterClrMapping/>
+  </p:clrMapOvr>
+</p:sld>
+</file>
+
+<file path=ppt/slides/slide12.xml><?xml version="1.0" encoding="utf-8"?>
+<p:sld xmlns:a="http://schemas.openxmlformats.org/drawingml/2006/main" xmlns:r="http://schemas.openxmlformats.org/officeDocument/2006/relationships" xmlns:p="http://schemas.openxmlformats.org/presentationml/2006/main">
+  <p:cSld>
+    <p:spTree>
+      <p:nvGrpSpPr>
+        <p:cNvPr id="1" name=""/>
+        <p:cNvGrpSpPr/>
+        <p:nvPr/>
+      </p:nvGrpSpPr>
+      <p:grpSpPr>
+        <a:xfrm>
+          <a:off x="0" y="0"/>
+          <a:ext cx="0" cy="0"/>
+          <a:chOff x="0" y="0"/>
+          <a:chExt cx="0" cy="0"/>
+        </a:xfrm>
+      </p:grpSpPr>
+      <p:sp>
+        <p:nvSpPr>
+          <p:cNvPr id="2" name="직사각형 1"/>
+          <p:cNvSpPr/>
+          <p:nvPr/>
+        </p:nvSpPr>
+        <p:spPr>
+          <a:xfrm>
+            <a:off x="-1" y="0"/>
+            <a:ext cx="12192000" cy="6858000"/>
+          </a:xfrm>
+          <a:prstGeom prst="rect">
+            <a:avLst/>
+          </a:prstGeom>
+          <a:solidFill>
+            <a:srgbClr val="AFD9E9"/>
+          </a:solidFill>
+          <a:ln>
+            <a:solidFill>
+              <a:srgbClr val="AFD9E9"/>
+            </a:solidFill>
+          </a:ln>
+        </p:spPr>
+        <p:style>
+          <a:lnRef idx="2">
+            <a:schemeClr val="accent1">
+              <a:shade val="50000"/>
+            </a:schemeClr>
+          </a:lnRef>
+          <a:fillRef idx="1">
+            <a:schemeClr val="accent1"/>
+          </a:fillRef>
+          <a:effectRef idx="0">
+            <a:schemeClr val="accent1"/>
+          </a:effectRef>
+          <a:fontRef idx="minor">
+            <a:schemeClr val="lt1"/>
+          </a:fontRef>
+        </p:style>
+        <p:txBody>
+          <a:bodyPr rtlCol="0" anchor="ctr"/>
+          <a:lstStyle/>
+          <a:p>
+            <a:pPr algn="ctr"/>
+            <a:endParaRPr lang="ko-KR" altLang="en-US"/>
+          </a:p>
+        </p:txBody>
+      </p:sp>
+      <p:sp>
+        <p:nvSpPr>
+          <p:cNvPr id="5" name="평행 사변형 4"/>
+          <p:cNvSpPr/>
+          <p:nvPr/>
+        </p:nvSpPr>
+        <p:spPr>
+          <a:xfrm flipH="1">
+            <a:off x="-2506" y="0"/>
+            <a:ext cx="12192000" cy="6858000"/>
+          </a:xfrm>
+          <a:prstGeom prst="parallelogram">
+            <a:avLst/>
+          </a:prstGeom>
+          <a:solidFill>
+            <a:srgbClr val="9CCFE4"/>
+          </a:solidFill>
+          <a:ln>
+            <a:noFill/>
+          </a:ln>
+        </p:spPr>
+        <p:style>
+          <a:lnRef idx="2">
+            <a:schemeClr val="accent1">
+              <a:shade val="50000"/>
+            </a:schemeClr>
+          </a:lnRef>
+          <a:fillRef idx="1">
+            <a:schemeClr val="accent1"/>
+          </a:fillRef>
+          <a:effectRef idx="0">
+            <a:schemeClr val="accent1"/>
+          </a:effectRef>
+          <a:fontRef idx="minor">
+            <a:schemeClr val="lt1"/>
+          </a:fontRef>
+        </p:style>
+        <p:txBody>
+          <a:bodyPr rtlCol="0" anchor="ctr"/>
+          <a:lstStyle/>
+          <a:p>
+            <a:pPr algn="ctr"/>
+            <a:endParaRPr lang="ko-KR" altLang="en-US">
+              <a:solidFill>
+                <a:prstClr val="white"/>
+              </a:solidFill>
+            </a:endParaRPr>
+          </a:p>
+        </p:txBody>
+      </p:sp>
+      <p:sp>
+        <p:nvSpPr>
+          <p:cNvPr id="6" name="직각 삼각형 5"/>
+          <p:cNvSpPr/>
+          <p:nvPr/>
+        </p:nvSpPr>
+        <p:spPr>
+          <a:xfrm flipH="1">
+            <a:off x="1956816" y="4736592"/>
+            <a:ext cx="10235184" cy="2121408"/>
+          </a:xfrm>
+          <a:prstGeom prst="rtTriangle">
+            <a:avLst/>
+          </a:prstGeom>
+          <a:solidFill>
+            <a:srgbClr val="84BDD1"/>
+          </a:solidFill>
+          <a:ln>
+            <a:noFill/>
+          </a:ln>
+        </p:spPr>
+        <p:style>
+          <a:lnRef idx="2">
+            <a:schemeClr val="accent1">
+              <a:shade val="50000"/>
+            </a:schemeClr>
+          </a:lnRef>
+          <a:fillRef idx="1">
+            <a:schemeClr val="accent1"/>
+          </a:fillRef>
+          <a:effectRef idx="0">
+            <a:schemeClr val="accent1"/>
+          </a:effectRef>
+          <a:fontRef idx="minor">
+            <a:schemeClr val="lt1"/>
+          </a:fontRef>
+        </p:style>
+        <p:txBody>
+          <a:bodyPr rtlCol="0" anchor="ctr"/>
+          <a:lstStyle/>
+          <a:p>
+            <a:pPr algn="ctr"/>
+            <a:endParaRPr lang="ko-KR" altLang="en-US" dirty="0">
+              <a:solidFill>
+                <a:prstClr val="white"/>
+              </a:solidFill>
+            </a:endParaRPr>
+          </a:p>
+        </p:txBody>
+      </p:sp>
+      <p:sp>
+        <p:nvSpPr>
+          <p:cNvPr id="8" name="직사각형 7"/>
+          <p:cNvSpPr/>
+          <p:nvPr/>
+        </p:nvSpPr>
+        <p:spPr>
+          <a:xfrm>
+            <a:off x="577138" y="397607"/>
+            <a:ext cx="11037723" cy="6062786"/>
+          </a:xfrm>
+          <a:prstGeom prst="rect">
+            <a:avLst/>
+          </a:prstGeom>
+          <a:solidFill>
+            <a:schemeClr val="bg1"/>
+          </a:solidFill>
+          <a:ln>
+            <a:noFill/>
+          </a:ln>
+        </p:spPr>
+        <p:style>
+          <a:lnRef idx="2">
+            <a:schemeClr val="accent1">
+              <a:shade val="50000"/>
+            </a:schemeClr>
+          </a:lnRef>
+          <a:fillRef idx="1">
+            <a:schemeClr val="accent1"/>
+          </a:fillRef>
+          <a:effectRef idx="0">
+            <a:schemeClr val="accent1"/>
+          </a:effectRef>
+          <a:fontRef idx="minor">
+            <a:schemeClr val="lt1"/>
+          </a:fontRef>
+        </p:style>
+        <p:txBody>
+          <a:bodyPr rtlCol="0" anchor="ctr"/>
+          <a:lstStyle/>
+          <a:p>
+            <a:pPr algn="ctr"/>
+            <a:endParaRPr lang="ko-KR" altLang="en-US" dirty="0">
+              <a:solidFill>
+                <a:prstClr val="white"/>
+              </a:solidFill>
+            </a:endParaRPr>
+          </a:p>
+        </p:txBody>
+      </p:sp>
+      <p:sp>
+        <p:nvSpPr>
+          <p:cNvPr id="18" name="자유형 17"/>
+          <p:cNvSpPr/>
+          <p:nvPr/>
+        </p:nvSpPr>
+        <p:spPr>
+          <a:xfrm>
+            <a:off x="574633" y="397607"/>
+            <a:ext cx="941999" cy="942018"/>
+          </a:xfrm>
+          <a:custGeom>
+            <a:avLst/>
+            <a:gdLst>
+              <a:gd name="connsiteX0" fmla="*/ 0 w 941999"/>
+              <a:gd name="connsiteY0" fmla="*/ 0 h 942018"/>
+              <a:gd name="connsiteX1" fmla="*/ 941999 w 941999"/>
+              <a:gd name="connsiteY1" fmla="*/ 0 h 942018"/>
+              <a:gd name="connsiteX2" fmla="*/ 845703 w 941999"/>
+              <a:gd name="connsiteY2" fmla="*/ 4863 h 942018"/>
+              <a:gd name="connsiteX3" fmla="*/ 0 w 941999"/>
+              <a:gd name="connsiteY3" fmla="*/ 942018 h 942018"/>
+              <a:gd name="connsiteX4" fmla="*/ 0 w 941999"/>
+              <a:gd name="connsiteY4" fmla="*/ 0 h 942018"/>
+            </a:gdLst>
+            <a:ahLst/>
+            <a:cxnLst>
+              <a:cxn ang="0">
+                <a:pos x="connsiteX0" y="connsiteY0"/>
+              </a:cxn>
+              <a:cxn ang="0">
+                <a:pos x="connsiteX1" y="connsiteY1"/>
+              </a:cxn>
+              <a:cxn ang="0">
+                <a:pos x="connsiteX2" y="connsiteY2"/>
+              </a:cxn>
+              <a:cxn ang="0">
+                <a:pos x="connsiteX3" y="connsiteY3"/>
+              </a:cxn>
+              <a:cxn ang="0">
+                <a:pos x="connsiteX4" y="connsiteY4"/>
+              </a:cxn>
+            </a:cxnLst>
+            <a:rect l="l" t="t" r="r" b="b"/>
+            <a:pathLst>
+              <a:path w="941999" h="942018">
+                <a:moveTo>
+                  <a:pt x="0" y="0"/>
+                </a:moveTo>
+                <a:lnTo>
+                  <a:pt x="941999" y="0"/>
+                </a:lnTo>
+                <a:lnTo>
+                  <a:pt x="845703" y="4863"/>
+                </a:lnTo>
+                <a:cubicBezTo>
+                  <a:pt x="370684" y="53103"/>
+                  <a:pt x="0" y="454272"/>
+                  <a:pt x="0" y="942018"/>
+                </a:cubicBezTo>
+                <a:lnTo>
+                  <a:pt x="0" y="0"/>
+                </a:lnTo>
+                <a:close/>
+              </a:path>
+            </a:pathLst>
+          </a:custGeom>
+          <a:solidFill>
+            <a:srgbClr val="F1DBEE"/>
+          </a:solidFill>
+          <a:ln>
+            <a:noFill/>
+          </a:ln>
+        </p:spPr>
+        <p:style>
+          <a:lnRef idx="2">
+            <a:schemeClr val="accent1">
+              <a:shade val="50000"/>
+            </a:schemeClr>
+          </a:lnRef>
+          <a:fillRef idx="1">
+            <a:schemeClr val="accent1"/>
+          </a:fillRef>
+          <a:effectRef idx="0">
+            <a:schemeClr val="accent1"/>
+          </a:effectRef>
+          <a:fontRef idx="minor">
+            <a:schemeClr val="lt1"/>
+          </a:fontRef>
+        </p:style>
+        <p:txBody>
+          <a:bodyPr rtlCol="0" anchor="ctr"/>
+          <a:lstStyle/>
+          <a:p>
+            <a:pPr algn="ctr"/>
+            <a:endParaRPr lang="ko-KR" altLang="en-US">
+              <a:solidFill>
+                <a:prstClr val="white"/>
+              </a:solidFill>
+            </a:endParaRPr>
+          </a:p>
+        </p:txBody>
+      </p:sp>
+      <p:sp>
+        <p:nvSpPr>
+          <p:cNvPr id="16" name="자유형 17">
+            <a:extLst>
+              <a:ext uri="{FF2B5EF4-FFF2-40B4-BE49-F238E27FC236}">
+                <a16:creationId xmlns:a16="http://schemas.microsoft.com/office/drawing/2014/main" id="{02363597-6E23-47D7-B49D-4EB59139CA99}"/>
+              </a:ext>
+            </a:extLst>
+          </p:cNvPr>
+          <p:cNvSpPr/>
+          <p:nvPr/>
+        </p:nvSpPr>
+        <p:spPr>
+          <a:xfrm rot="10800000">
+            <a:off x="10672862" y="5518375"/>
+            <a:ext cx="941999" cy="942018"/>
+          </a:xfrm>
+          <a:custGeom>
+            <a:avLst/>
+            <a:gdLst>
+              <a:gd name="connsiteX0" fmla="*/ 0 w 941999"/>
+              <a:gd name="connsiteY0" fmla="*/ 0 h 942018"/>
+              <a:gd name="connsiteX1" fmla="*/ 941999 w 941999"/>
+              <a:gd name="connsiteY1" fmla="*/ 0 h 942018"/>
+              <a:gd name="connsiteX2" fmla="*/ 845703 w 941999"/>
+              <a:gd name="connsiteY2" fmla="*/ 4863 h 942018"/>
+              <a:gd name="connsiteX3" fmla="*/ 0 w 941999"/>
+              <a:gd name="connsiteY3" fmla="*/ 942018 h 942018"/>
+              <a:gd name="connsiteX4" fmla="*/ 0 w 941999"/>
+              <a:gd name="connsiteY4" fmla="*/ 0 h 942018"/>
+            </a:gdLst>
+            <a:ahLst/>
+            <a:cxnLst>
+              <a:cxn ang="0">
+                <a:pos x="connsiteX0" y="connsiteY0"/>
+              </a:cxn>
+              <a:cxn ang="0">
+                <a:pos x="connsiteX1" y="connsiteY1"/>
+              </a:cxn>
+              <a:cxn ang="0">
+                <a:pos x="connsiteX2" y="connsiteY2"/>
+              </a:cxn>
+              <a:cxn ang="0">
+                <a:pos x="connsiteX3" y="connsiteY3"/>
+              </a:cxn>
+              <a:cxn ang="0">
+                <a:pos x="connsiteX4" y="connsiteY4"/>
+              </a:cxn>
+            </a:cxnLst>
+            <a:rect l="l" t="t" r="r" b="b"/>
+            <a:pathLst>
+              <a:path w="941999" h="942018">
+                <a:moveTo>
+                  <a:pt x="0" y="0"/>
+                </a:moveTo>
+                <a:lnTo>
+                  <a:pt x="941999" y="0"/>
+                </a:lnTo>
+                <a:lnTo>
+                  <a:pt x="845703" y="4863"/>
+                </a:lnTo>
+                <a:cubicBezTo>
+                  <a:pt x="370684" y="53103"/>
+                  <a:pt x="0" y="454272"/>
+                  <a:pt x="0" y="942018"/>
+                </a:cubicBezTo>
+                <a:lnTo>
+                  <a:pt x="0" y="0"/>
+                </a:lnTo>
+                <a:close/>
+              </a:path>
+            </a:pathLst>
+          </a:custGeom>
+          <a:solidFill>
+            <a:srgbClr val="F1DBEE"/>
+          </a:solidFill>
+          <a:ln>
+            <a:noFill/>
+          </a:ln>
+        </p:spPr>
+        <p:style>
+          <a:lnRef idx="2">
+            <a:schemeClr val="accent1">
+              <a:shade val="50000"/>
+            </a:schemeClr>
+          </a:lnRef>
+          <a:fillRef idx="1">
+            <a:schemeClr val="accent1"/>
+          </a:fillRef>
+          <a:effectRef idx="0">
+            <a:schemeClr val="accent1"/>
+          </a:effectRef>
+          <a:fontRef idx="minor">
+            <a:schemeClr val="lt1"/>
+          </a:fontRef>
+        </p:style>
+        <p:txBody>
+          <a:bodyPr rtlCol="0" anchor="ctr"/>
+          <a:lstStyle/>
+          <a:p>
+            <a:pPr algn="ctr"/>
+            <a:endParaRPr lang="ko-KR" altLang="en-US">
+              <a:solidFill>
+                <a:prstClr val="white"/>
+              </a:solidFill>
+            </a:endParaRPr>
+          </a:p>
+        </p:txBody>
+      </p:sp>
+      <p:sp>
+        <p:nvSpPr>
+          <p:cNvPr id="21" name="직사각형 20">
+            <a:extLst>
+              <a:ext uri="{FF2B5EF4-FFF2-40B4-BE49-F238E27FC236}">
+                <a16:creationId xmlns:a16="http://schemas.microsoft.com/office/drawing/2014/main" id="{A406BFA2-D3CD-432E-82D9-8C7181F8F351}"/>
+              </a:ext>
+            </a:extLst>
+          </p:cNvPr>
+          <p:cNvSpPr/>
+          <p:nvPr/>
+        </p:nvSpPr>
+        <p:spPr>
+          <a:xfrm>
+            <a:off x="763705" y="712382"/>
+            <a:ext cx="5926462" cy="658710"/>
+          </a:xfrm>
+          <a:prstGeom prst="rect">
+            <a:avLst/>
+          </a:prstGeom>
+          <a:noFill/>
+          <a:ln>
+            <a:noFill/>
+          </a:ln>
+        </p:spPr>
+        <p:style>
+          <a:lnRef idx="2">
+            <a:schemeClr val="accent1">
+              <a:shade val="50000"/>
+            </a:schemeClr>
+          </a:lnRef>
+          <a:fillRef idx="1">
+            <a:schemeClr val="accent1"/>
+          </a:fillRef>
+          <a:effectRef idx="0">
+            <a:schemeClr val="accent1"/>
+          </a:effectRef>
+          <a:fontRef idx="minor">
+            <a:schemeClr val="lt1"/>
+          </a:fontRef>
+        </p:style>
+        <p:txBody>
+          <a:bodyPr lIns="0" tIns="0" rIns="0" bIns="0" rtlCol="0" anchor="ctr"/>
+          <a:lstStyle/>
+          <a:p>
+            <a:pPr algn="ctr"/>
+            <a:r>
+              <a:rPr lang="en-US" altLang="ko-KR" sz="4000">
+                <a:solidFill>
+                  <a:schemeClr val="accent1">
+                    <a:lumMod val="75000"/>
+                  </a:schemeClr>
+                </a:solidFill>
+                <a:latin typeface="210 맨발의청춘 B" panose="02020603020101020101" pitchFamily="18" charset="-127"/>
+                <a:ea typeface="210 맨발의청춘 B" panose="02020603020101020101" pitchFamily="18" charset="-127"/>
+                <a:cs typeface="Aharoni" panose="02010803020104030203" pitchFamily="2" charset="-79"/>
+              </a:rPr>
+              <a:t>2. </a:t>
             </a:r>
             <a:r>
               <a:rPr lang="ko-KR" altLang="en-US" sz="4000">
@@ -7334,7 +8971,7 @@
 </p:sld>
 </file>
 
-<file path=ppt/slides/slide11.xml><?xml version="1.0" encoding="utf-8"?>
+<file path=ppt/slides/slide13.xml><?xml version="1.0" encoding="utf-8"?>
 <p:sld xmlns:a="http://schemas.openxmlformats.org/drawingml/2006/main" xmlns:r="http://schemas.openxmlformats.org/officeDocument/2006/relationships" xmlns:p="http://schemas.openxmlformats.org/presentationml/2006/main">
   <p:cSld>
     <p:spTree>
@@ -7818,7 +9455,7 @@
                 <a:ea typeface="210 맨발의청춘 B" panose="02020603020101020101" pitchFamily="18" charset="-127"/>
                 <a:cs typeface="Aharoni" panose="02010803020104030203" pitchFamily="2" charset="-79"/>
               </a:rPr>
-              <a:t>1. </a:t>
+              <a:t>2. </a:t>
             </a:r>
             <a:r>
               <a:rPr lang="ko-KR" altLang="en-US" sz="4000">
@@ -8424,7 +10061,7 @@
 </p:sld>
 </file>
 
-<file path=ppt/slides/slide12.xml><?xml version="1.0" encoding="utf-8"?>
+<file path=ppt/slides/slide14.xml><?xml version="1.0" encoding="utf-8"?>
 <p:sld xmlns:a="http://schemas.openxmlformats.org/drawingml/2006/main" xmlns:r="http://schemas.openxmlformats.org/officeDocument/2006/relationships" xmlns:p="http://schemas.openxmlformats.org/presentationml/2006/main">
   <p:cSld>
     <p:spTree>
@@ -8908,7 +10545,7 @@
                 <a:ea typeface="210 맨발의청춘 B" panose="02020603020101020101" pitchFamily="18" charset="-127"/>
                 <a:cs typeface="Aharoni" panose="02010803020104030203" pitchFamily="2" charset="-79"/>
               </a:rPr>
-              <a:t>1. </a:t>
+              <a:t>2. </a:t>
             </a:r>
             <a:r>
               <a:rPr lang="ko-KR" altLang="en-US" sz="4000">
@@ -8998,7 +10635,7 @@
 </p:sld>
 </file>
 
-<file path=ppt/slides/slide13.xml><?xml version="1.0" encoding="utf-8"?>
+<file path=ppt/slides/slide15.xml><?xml version="1.0" encoding="utf-8"?>
 <p:sld xmlns:a="http://schemas.openxmlformats.org/drawingml/2006/main" xmlns:r="http://schemas.openxmlformats.org/officeDocument/2006/relationships" xmlns:p="http://schemas.openxmlformats.org/presentationml/2006/main">
   <p:cSld>
     <p:spTree>
@@ -9482,7 +11119,7 @@
                 <a:ea typeface="210 맨발의청춘 B" panose="02020603020101020101" pitchFamily="18" charset="-127"/>
                 <a:cs typeface="Aharoni" panose="02010803020104030203" pitchFamily="2" charset="-79"/>
               </a:rPr>
-              <a:t>1. </a:t>
+              <a:t>2. </a:t>
             </a:r>
             <a:r>
               <a:rPr lang="ko-KR" altLang="en-US" sz="4000">
@@ -9572,7 +11209,7 @@
 </p:sld>
 </file>
 
-<file path=ppt/slides/slide14.xml><?xml version="1.0" encoding="utf-8"?>
+<file path=ppt/slides/slide16.xml><?xml version="1.0" encoding="utf-8"?>
 <p:sld xmlns:a="http://schemas.openxmlformats.org/drawingml/2006/main" xmlns:r="http://schemas.openxmlformats.org/officeDocument/2006/relationships" xmlns:p="http://schemas.openxmlformats.org/presentationml/2006/main">
   <p:cSld>
     <p:spTree>
@@ -10056,7 +11693,7 @@
                 <a:ea typeface="210 맨발의청춘 B" panose="02020603020101020101" pitchFamily="18" charset="-127"/>
                 <a:cs typeface="Aharoni" panose="02010803020104030203" pitchFamily="2" charset="-79"/>
               </a:rPr>
-              <a:t>1. </a:t>
+              <a:t>2. </a:t>
             </a:r>
             <a:r>
               <a:rPr lang="ko-KR" altLang="en-US" sz="4000">
@@ -10146,7 +11783,7 @@
 </p:sld>
 </file>
 
-<file path=ppt/slides/slide15.xml><?xml version="1.0" encoding="utf-8"?>
+<file path=ppt/slides/slide17.xml><?xml version="1.0" encoding="utf-8"?>
 <p:sld xmlns:a="http://schemas.openxmlformats.org/drawingml/2006/main" xmlns:r="http://schemas.openxmlformats.org/officeDocument/2006/relationships" xmlns:p="http://schemas.openxmlformats.org/presentationml/2006/main">
   <p:cSld>
     <p:spTree>
@@ -10630,7 +12267,7 @@
                 <a:ea typeface="210 맨발의청춘 B" panose="02020603020101020101" pitchFamily="18" charset="-127"/>
                 <a:cs typeface="Aharoni" panose="02010803020104030203" pitchFamily="2" charset="-79"/>
               </a:rPr>
-              <a:t>1. </a:t>
+              <a:t>2. </a:t>
             </a:r>
             <a:r>
               <a:rPr lang="ko-KR" altLang="en-US" sz="4000">
@@ -10720,7 +12357,7 @@
 </p:sld>
 </file>
 
-<file path=ppt/slides/slide16.xml><?xml version="1.0" encoding="utf-8"?>
+<file path=ppt/slides/slide18.xml><?xml version="1.0" encoding="utf-8"?>
 <p:sld xmlns:a="http://schemas.openxmlformats.org/drawingml/2006/main" xmlns:r="http://schemas.openxmlformats.org/officeDocument/2006/relationships" xmlns:p="http://schemas.openxmlformats.org/presentationml/2006/main">
   <p:cSld>
     <p:spTree>
@@ -11204,7 +12841,7 @@
                 <a:ea typeface="210 맨발의청춘 B" panose="02020603020101020101" pitchFamily="18" charset="-127"/>
                 <a:cs typeface="Aharoni" panose="02010803020104030203" pitchFamily="2" charset="-79"/>
               </a:rPr>
-              <a:t>1. </a:t>
+              <a:t>2. </a:t>
             </a:r>
             <a:r>
               <a:rPr lang="ko-KR" altLang="en-US" sz="4000">
@@ -11764,7 +13401,7 @@
 </p:sld>
 </file>
 
-<file path=ppt/slides/slide17.xml><?xml version="1.0" encoding="utf-8"?>
+<file path=ppt/slides/slide19.xml><?xml version="1.0" encoding="utf-8"?>
 <p:sld xmlns:a="http://schemas.openxmlformats.org/drawingml/2006/main" xmlns:r="http://schemas.openxmlformats.org/officeDocument/2006/relationships" xmlns:p="http://schemas.openxmlformats.org/presentationml/2006/main">
   <p:cSld>
     <p:spTree>
@@ -12248,7 +13885,7 @@
                 <a:ea typeface="210 맨발의청춘 B" panose="02020603020101020101" pitchFamily="18" charset="-127"/>
                 <a:cs typeface="Aharoni" panose="02010803020104030203" pitchFamily="2" charset="-79"/>
               </a:rPr>
-              <a:t>1. </a:t>
+              <a:t>2. </a:t>
             </a:r>
             <a:r>
               <a:rPr lang="ko-KR" altLang="en-US" sz="4000">
@@ -12317,8 +13954,8 @@
         </p:blipFill>
         <p:spPr>
           <a:xfrm>
-            <a:off x="3102644" y="1685867"/>
-            <a:ext cx="5981700" cy="3886200"/>
+            <a:off x="2692935" y="1596365"/>
+            <a:ext cx="6806130" cy="4421817"/>
           </a:xfrm>
           <a:prstGeom prst="rect">
             <a:avLst/>
@@ -12338,7 +13975,7 @@
 </p:sld>
 </file>
 
-<file path=ppt/slides/slide18.xml><?xml version="1.0" encoding="utf-8"?>
+<file path=ppt/slides/slide2.xml><?xml version="1.0" encoding="utf-8"?>
 <p:sld xmlns:a="http://schemas.openxmlformats.org/drawingml/2006/main" xmlns:r="http://schemas.openxmlformats.org/officeDocument/2006/relationships" xmlns:p="http://schemas.openxmlformats.org/presentationml/2006/main">
   <p:cSld>
     <p:spTree>
@@ -12658,6 +14295,62 @@
       </p:sp>
       <p:sp>
         <p:nvSpPr>
+          <p:cNvPr id="20" name="직사각형 19"/>
+          <p:cNvSpPr/>
+          <p:nvPr/>
+        </p:nvSpPr>
+        <p:spPr>
+          <a:xfrm>
+            <a:off x="756735" y="640225"/>
+            <a:ext cx="2669062" cy="1097007"/>
+          </a:xfrm>
+          <a:prstGeom prst="rect">
+            <a:avLst/>
+          </a:prstGeom>
+          <a:noFill/>
+          <a:ln>
+            <a:noFill/>
+          </a:ln>
+        </p:spPr>
+        <p:style>
+          <a:lnRef idx="2">
+            <a:schemeClr val="accent1">
+              <a:shade val="50000"/>
+            </a:schemeClr>
+          </a:lnRef>
+          <a:fillRef idx="1">
+            <a:schemeClr val="accent1"/>
+          </a:fillRef>
+          <a:effectRef idx="0">
+            <a:schemeClr val="accent1"/>
+          </a:effectRef>
+          <a:fontRef idx="minor">
+            <a:schemeClr val="lt1"/>
+          </a:fontRef>
+        </p:style>
+        <p:txBody>
+          <a:bodyPr lIns="0" tIns="0" rIns="0" bIns="0" rtlCol="0" anchor="ctr"/>
+          <a:lstStyle/>
+          <a:p>
+            <a:pPr algn="ctr"/>
+            <a:r>
+              <a:rPr lang="en-US" altLang="ko-KR" sz="6000" dirty="0">
+                <a:solidFill>
+                  <a:schemeClr val="accent1">
+                    <a:lumMod val="75000"/>
+                  </a:schemeClr>
+                </a:solidFill>
+                <a:latin typeface="210 맨발의청춘 B" panose="02020603020101020101" pitchFamily="18" charset="-127"/>
+                <a:ea typeface="210 맨발의청춘 B" panose="02020603020101020101" pitchFamily="18" charset="-127"/>
+                <a:cs typeface="Aharoni" panose="02010803020104030203" pitchFamily="2" charset="-79"/>
+              </a:rPr>
+              <a:t>INDEX</a:t>
+            </a:r>
+          </a:p>
+        </p:txBody>
+      </p:sp>
+      <p:sp>
+        <p:nvSpPr>
           <p:cNvPr id="16" name="자유형 17">
             <a:extLst>
               <a:ext uri="{FF2B5EF4-FFF2-40B4-BE49-F238E27FC236}">
@@ -12767,6 +14460,565 @@
       </p:sp>
       <p:sp>
         <p:nvSpPr>
+          <p:cNvPr id="10" name="TextBox 9">
+            <a:extLst>
+              <a:ext uri="{FF2B5EF4-FFF2-40B4-BE49-F238E27FC236}">
+                <a16:creationId xmlns:a16="http://schemas.microsoft.com/office/drawing/2014/main" id="{7915FE62-605F-4889-AF87-E9A175C0B1FE}"/>
+              </a:ext>
+            </a:extLst>
+          </p:cNvPr>
+          <p:cNvSpPr txBox="1"/>
+          <p:nvPr/>
+        </p:nvSpPr>
+        <p:spPr>
+          <a:xfrm>
+            <a:off x="3906036" y="2121408"/>
+            <a:ext cx="4431021" cy="2080570"/>
+          </a:xfrm>
+          <a:prstGeom prst="rect">
+            <a:avLst/>
+          </a:prstGeom>
+          <a:noFill/>
+        </p:spPr>
+        <p:txBody>
+          <a:bodyPr wrap="none" rtlCol="0">
+            <a:spAutoFit/>
+          </a:bodyPr>
+          <a:lstStyle/>
+          <a:p>
+            <a:pPr marL="514350" indent="-514350">
+              <a:lnSpc>
+                <a:spcPct val="150000"/>
+              </a:lnSpc>
+              <a:buAutoNum type="arabicPeriod"/>
+            </a:pPr>
+            <a:r>
+              <a:rPr lang="ko-KR" altLang="en-US" sz="3000">
+                <a:solidFill>
+                  <a:schemeClr val="accent1">
+                    <a:lumMod val="50000"/>
+                  </a:schemeClr>
+                </a:solidFill>
+                <a:latin typeface="210 맨발의청춘 L" panose="02020603020101020101" pitchFamily="18" charset="-127"/>
+                <a:ea typeface="210 맨발의청춘 L" panose="02020603020101020101" pitchFamily="18" charset="-127"/>
+              </a:rPr>
+              <a:t>소통 및 협업</a:t>
+            </a:r>
+            <a:endParaRPr lang="en-US" altLang="ko-KR" sz="3000">
+              <a:solidFill>
+                <a:schemeClr val="accent1">
+                  <a:lumMod val="50000"/>
+                </a:schemeClr>
+              </a:solidFill>
+              <a:latin typeface="210 맨발의청춘 L" panose="02020603020101020101" pitchFamily="18" charset="-127"/>
+              <a:ea typeface="210 맨발의청춘 L" panose="02020603020101020101" pitchFamily="18" charset="-127"/>
+            </a:endParaRPr>
+          </a:p>
+          <a:p>
+            <a:pPr marL="514350" indent="-514350">
+              <a:lnSpc>
+                <a:spcPct val="150000"/>
+              </a:lnSpc>
+              <a:buAutoNum type="arabicPeriod"/>
+            </a:pPr>
+            <a:r>
+              <a:rPr lang="ko-KR" altLang="en-US" sz="3000">
+                <a:solidFill>
+                  <a:schemeClr val="accent1">
+                    <a:lumMod val="50000"/>
+                  </a:schemeClr>
+                </a:solidFill>
+                <a:latin typeface="210 맨발의청춘 L" panose="02020603020101020101" pitchFamily="18" charset="-127"/>
+                <a:ea typeface="210 맨발의청춘 L" panose="02020603020101020101" pitchFamily="18" charset="-127"/>
+              </a:rPr>
+              <a:t>크롤링 </a:t>
+            </a:r>
+            <a:r>
+              <a:rPr lang="en-US" altLang="ko-KR" sz="3000">
+                <a:solidFill>
+                  <a:schemeClr val="accent1">
+                    <a:lumMod val="50000"/>
+                  </a:schemeClr>
+                </a:solidFill>
+                <a:latin typeface="210 맨발의청춘 L" panose="02020603020101020101" pitchFamily="18" charset="-127"/>
+                <a:ea typeface="210 맨발의청춘 L" panose="02020603020101020101" pitchFamily="18" charset="-127"/>
+              </a:rPr>
+              <a:t>Class diagram</a:t>
+            </a:r>
+          </a:p>
+          <a:p>
+            <a:pPr marL="514350" indent="-514350">
+              <a:lnSpc>
+                <a:spcPct val="150000"/>
+              </a:lnSpc>
+              <a:buAutoNum type="arabicPeriod"/>
+            </a:pPr>
+            <a:r>
+              <a:rPr lang="ko-KR" altLang="en-US" sz="3000">
+                <a:solidFill>
+                  <a:schemeClr val="accent1">
+                    <a:lumMod val="50000"/>
+                  </a:schemeClr>
+                </a:solidFill>
+                <a:latin typeface="210 맨발의청춘 L" panose="02020603020101020101" pitchFamily="18" charset="-127"/>
+                <a:ea typeface="210 맨발의청춘 L" panose="02020603020101020101" pitchFamily="18" charset="-127"/>
+              </a:rPr>
+              <a:t>결과물</a:t>
+            </a:r>
+            <a:endParaRPr lang="en-US" altLang="ko-KR" sz="3000">
+              <a:solidFill>
+                <a:schemeClr val="accent1">
+                  <a:lumMod val="50000"/>
+                </a:schemeClr>
+              </a:solidFill>
+              <a:latin typeface="210 맨발의청춘 L" panose="02020603020101020101" pitchFamily="18" charset="-127"/>
+              <a:ea typeface="210 맨발의청춘 L" panose="02020603020101020101" pitchFamily="18" charset="-127"/>
+            </a:endParaRPr>
+          </a:p>
+        </p:txBody>
+      </p:sp>
+    </p:spTree>
+    <p:extLst>
+      <p:ext uri="{BB962C8B-B14F-4D97-AF65-F5344CB8AC3E}">
+        <p14:creationId xmlns:p14="http://schemas.microsoft.com/office/powerpoint/2010/main" val="648303183"/>
+      </p:ext>
+    </p:extLst>
+  </p:cSld>
+  <p:clrMapOvr>
+    <a:masterClrMapping/>
+  </p:clrMapOvr>
+</p:sld>
+</file>
+
+<file path=ppt/slides/slide20.xml><?xml version="1.0" encoding="utf-8"?>
+<p:sld xmlns:a="http://schemas.openxmlformats.org/drawingml/2006/main" xmlns:r="http://schemas.openxmlformats.org/officeDocument/2006/relationships" xmlns:p="http://schemas.openxmlformats.org/presentationml/2006/main">
+  <p:cSld>
+    <p:spTree>
+      <p:nvGrpSpPr>
+        <p:cNvPr id="1" name=""/>
+        <p:cNvGrpSpPr/>
+        <p:nvPr/>
+      </p:nvGrpSpPr>
+      <p:grpSpPr>
+        <a:xfrm>
+          <a:off x="0" y="0"/>
+          <a:ext cx="0" cy="0"/>
+          <a:chOff x="0" y="0"/>
+          <a:chExt cx="0" cy="0"/>
+        </a:xfrm>
+      </p:grpSpPr>
+      <p:sp>
+        <p:nvSpPr>
+          <p:cNvPr id="2" name="직사각형 1"/>
+          <p:cNvSpPr/>
+          <p:nvPr/>
+        </p:nvSpPr>
+        <p:spPr>
+          <a:xfrm>
+            <a:off x="-1" y="0"/>
+            <a:ext cx="12192000" cy="6858000"/>
+          </a:xfrm>
+          <a:prstGeom prst="rect">
+            <a:avLst/>
+          </a:prstGeom>
+          <a:solidFill>
+            <a:srgbClr val="AFD9E9"/>
+          </a:solidFill>
+          <a:ln>
+            <a:solidFill>
+              <a:srgbClr val="AFD9E9"/>
+            </a:solidFill>
+          </a:ln>
+        </p:spPr>
+        <p:style>
+          <a:lnRef idx="2">
+            <a:schemeClr val="accent1">
+              <a:shade val="50000"/>
+            </a:schemeClr>
+          </a:lnRef>
+          <a:fillRef idx="1">
+            <a:schemeClr val="accent1"/>
+          </a:fillRef>
+          <a:effectRef idx="0">
+            <a:schemeClr val="accent1"/>
+          </a:effectRef>
+          <a:fontRef idx="minor">
+            <a:schemeClr val="lt1"/>
+          </a:fontRef>
+        </p:style>
+        <p:txBody>
+          <a:bodyPr rtlCol="0" anchor="ctr"/>
+          <a:lstStyle/>
+          <a:p>
+            <a:pPr algn="ctr"/>
+            <a:endParaRPr lang="ko-KR" altLang="en-US"/>
+          </a:p>
+        </p:txBody>
+      </p:sp>
+      <p:sp>
+        <p:nvSpPr>
+          <p:cNvPr id="5" name="평행 사변형 4"/>
+          <p:cNvSpPr/>
+          <p:nvPr/>
+        </p:nvSpPr>
+        <p:spPr>
+          <a:xfrm flipH="1">
+            <a:off x="-2506" y="0"/>
+            <a:ext cx="12192000" cy="6858000"/>
+          </a:xfrm>
+          <a:prstGeom prst="parallelogram">
+            <a:avLst/>
+          </a:prstGeom>
+          <a:solidFill>
+            <a:srgbClr val="9CCFE4"/>
+          </a:solidFill>
+          <a:ln>
+            <a:noFill/>
+          </a:ln>
+        </p:spPr>
+        <p:style>
+          <a:lnRef idx="2">
+            <a:schemeClr val="accent1">
+              <a:shade val="50000"/>
+            </a:schemeClr>
+          </a:lnRef>
+          <a:fillRef idx="1">
+            <a:schemeClr val="accent1"/>
+          </a:fillRef>
+          <a:effectRef idx="0">
+            <a:schemeClr val="accent1"/>
+          </a:effectRef>
+          <a:fontRef idx="minor">
+            <a:schemeClr val="lt1"/>
+          </a:fontRef>
+        </p:style>
+        <p:txBody>
+          <a:bodyPr rtlCol="0" anchor="ctr"/>
+          <a:lstStyle/>
+          <a:p>
+            <a:pPr algn="ctr"/>
+            <a:endParaRPr lang="ko-KR" altLang="en-US">
+              <a:solidFill>
+                <a:prstClr val="white"/>
+              </a:solidFill>
+            </a:endParaRPr>
+          </a:p>
+        </p:txBody>
+      </p:sp>
+      <p:sp>
+        <p:nvSpPr>
+          <p:cNvPr id="6" name="직각 삼각형 5"/>
+          <p:cNvSpPr/>
+          <p:nvPr/>
+        </p:nvSpPr>
+        <p:spPr>
+          <a:xfrm flipH="1">
+            <a:off x="1956816" y="4736592"/>
+            <a:ext cx="10235184" cy="2121408"/>
+          </a:xfrm>
+          <a:prstGeom prst="rtTriangle">
+            <a:avLst/>
+          </a:prstGeom>
+          <a:solidFill>
+            <a:srgbClr val="84BDD1"/>
+          </a:solidFill>
+          <a:ln>
+            <a:noFill/>
+          </a:ln>
+        </p:spPr>
+        <p:style>
+          <a:lnRef idx="2">
+            <a:schemeClr val="accent1">
+              <a:shade val="50000"/>
+            </a:schemeClr>
+          </a:lnRef>
+          <a:fillRef idx="1">
+            <a:schemeClr val="accent1"/>
+          </a:fillRef>
+          <a:effectRef idx="0">
+            <a:schemeClr val="accent1"/>
+          </a:effectRef>
+          <a:fontRef idx="minor">
+            <a:schemeClr val="lt1"/>
+          </a:fontRef>
+        </p:style>
+        <p:txBody>
+          <a:bodyPr rtlCol="0" anchor="ctr"/>
+          <a:lstStyle/>
+          <a:p>
+            <a:pPr algn="ctr"/>
+            <a:endParaRPr lang="ko-KR" altLang="en-US" dirty="0">
+              <a:solidFill>
+                <a:prstClr val="white"/>
+              </a:solidFill>
+            </a:endParaRPr>
+          </a:p>
+        </p:txBody>
+      </p:sp>
+      <p:sp>
+        <p:nvSpPr>
+          <p:cNvPr id="8" name="직사각형 7"/>
+          <p:cNvSpPr/>
+          <p:nvPr/>
+        </p:nvSpPr>
+        <p:spPr>
+          <a:xfrm>
+            <a:off x="577138" y="397607"/>
+            <a:ext cx="11037723" cy="6062786"/>
+          </a:xfrm>
+          <a:prstGeom prst="rect">
+            <a:avLst/>
+          </a:prstGeom>
+          <a:solidFill>
+            <a:schemeClr val="bg1"/>
+          </a:solidFill>
+          <a:ln>
+            <a:noFill/>
+          </a:ln>
+        </p:spPr>
+        <p:style>
+          <a:lnRef idx="2">
+            <a:schemeClr val="accent1">
+              <a:shade val="50000"/>
+            </a:schemeClr>
+          </a:lnRef>
+          <a:fillRef idx="1">
+            <a:schemeClr val="accent1"/>
+          </a:fillRef>
+          <a:effectRef idx="0">
+            <a:schemeClr val="accent1"/>
+          </a:effectRef>
+          <a:fontRef idx="minor">
+            <a:schemeClr val="lt1"/>
+          </a:fontRef>
+        </p:style>
+        <p:txBody>
+          <a:bodyPr rtlCol="0" anchor="ctr"/>
+          <a:lstStyle/>
+          <a:p>
+            <a:pPr algn="ctr"/>
+            <a:endParaRPr lang="ko-KR" altLang="en-US" dirty="0">
+              <a:solidFill>
+                <a:prstClr val="white"/>
+              </a:solidFill>
+            </a:endParaRPr>
+          </a:p>
+        </p:txBody>
+      </p:sp>
+      <p:sp>
+        <p:nvSpPr>
+          <p:cNvPr id="18" name="자유형 17"/>
+          <p:cNvSpPr/>
+          <p:nvPr/>
+        </p:nvSpPr>
+        <p:spPr>
+          <a:xfrm>
+            <a:off x="574633" y="397607"/>
+            <a:ext cx="941999" cy="942018"/>
+          </a:xfrm>
+          <a:custGeom>
+            <a:avLst/>
+            <a:gdLst>
+              <a:gd name="connsiteX0" fmla="*/ 0 w 941999"/>
+              <a:gd name="connsiteY0" fmla="*/ 0 h 942018"/>
+              <a:gd name="connsiteX1" fmla="*/ 941999 w 941999"/>
+              <a:gd name="connsiteY1" fmla="*/ 0 h 942018"/>
+              <a:gd name="connsiteX2" fmla="*/ 845703 w 941999"/>
+              <a:gd name="connsiteY2" fmla="*/ 4863 h 942018"/>
+              <a:gd name="connsiteX3" fmla="*/ 0 w 941999"/>
+              <a:gd name="connsiteY3" fmla="*/ 942018 h 942018"/>
+              <a:gd name="connsiteX4" fmla="*/ 0 w 941999"/>
+              <a:gd name="connsiteY4" fmla="*/ 0 h 942018"/>
+            </a:gdLst>
+            <a:ahLst/>
+            <a:cxnLst>
+              <a:cxn ang="0">
+                <a:pos x="connsiteX0" y="connsiteY0"/>
+              </a:cxn>
+              <a:cxn ang="0">
+                <a:pos x="connsiteX1" y="connsiteY1"/>
+              </a:cxn>
+              <a:cxn ang="0">
+                <a:pos x="connsiteX2" y="connsiteY2"/>
+              </a:cxn>
+              <a:cxn ang="0">
+                <a:pos x="connsiteX3" y="connsiteY3"/>
+              </a:cxn>
+              <a:cxn ang="0">
+                <a:pos x="connsiteX4" y="connsiteY4"/>
+              </a:cxn>
+            </a:cxnLst>
+            <a:rect l="l" t="t" r="r" b="b"/>
+            <a:pathLst>
+              <a:path w="941999" h="942018">
+                <a:moveTo>
+                  <a:pt x="0" y="0"/>
+                </a:moveTo>
+                <a:lnTo>
+                  <a:pt x="941999" y="0"/>
+                </a:lnTo>
+                <a:lnTo>
+                  <a:pt x="845703" y="4863"/>
+                </a:lnTo>
+                <a:cubicBezTo>
+                  <a:pt x="370684" y="53103"/>
+                  <a:pt x="0" y="454272"/>
+                  <a:pt x="0" y="942018"/>
+                </a:cubicBezTo>
+                <a:lnTo>
+                  <a:pt x="0" y="0"/>
+                </a:lnTo>
+                <a:close/>
+              </a:path>
+            </a:pathLst>
+          </a:custGeom>
+          <a:solidFill>
+            <a:srgbClr val="F1DBEE"/>
+          </a:solidFill>
+          <a:ln>
+            <a:noFill/>
+          </a:ln>
+        </p:spPr>
+        <p:style>
+          <a:lnRef idx="2">
+            <a:schemeClr val="accent1">
+              <a:shade val="50000"/>
+            </a:schemeClr>
+          </a:lnRef>
+          <a:fillRef idx="1">
+            <a:schemeClr val="accent1"/>
+          </a:fillRef>
+          <a:effectRef idx="0">
+            <a:schemeClr val="accent1"/>
+          </a:effectRef>
+          <a:fontRef idx="minor">
+            <a:schemeClr val="lt1"/>
+          </a:fontRef>
+        </p:style>
+        <p:txBody>
+          <a:bodyPr rtlCol="0" anchor="ctr"/>
+          <a:lstStyle/>
+          <a:p>
+            <a:pPr algn="ctr"/>
+            <a:endParaRPr lang="ko-KR" altLang="en-US">
+              <a:solidFill>
+                <a:prstClr val="white"/>
+              </a:solidFill>
+            </a:endParaRPr>
+          </a:p>
+        </p:txBody>
+      </p:sp>
+      <p:sp>
+        <p:nvSpPr>
+          <p:cNvPr id="16" name="자유형 17">
+            <a:extLst>
+              <a:ext uri="{FF2B5EF4-FFF2-40B4-BE49-F238E27FC236}">
+                <a16:creationId xmlns:a16="http://schemas.microsoft.com/office/drawing/2014/main" id="{02363597-6E23-47D7-B49D-4EB59139CA99}"/>
+              </a:ext>
+            </a:extLst>
+          </p:cNvPr>
+          <p:cNvSpPr/>
+          <p:nvPr/>
+        </p:nvSpPr>
+        <p:spPr>
+          <a:xfrm rot="10800000">
+            <a:off x="10672862" y="5518375"/>
+            <a:ext cx="941999" cy="942018"/>
+          </a:xfrm>
+          <a:custGeom>
+            <a:avLst/>
+            <a:gdLst>
+              <a:gd name="connsiteX0" fmla="*/ 0 w 941999"/>
+              <a:gd name="connsiteY0" fmla="*/ 0 h 942018"/>
+              <a:gd name="connsiteX1" fmla="*/ 941999 w 941999"/>
+              <a:gd name="connsiteY1" fmla="*/ 0 h 942018"/>
+              <a:gd name="connsiteX2" fmla="*/ 845703 w 941999"/>
+              <a:gd name="connsiteY2" fmla="*/ 4863 h 942018"/>
+              <a:gd name="connsiteX3" fmla="*/ 0 w 941999"/>
+              <a:gd name="connsiteY3" fmla="*/ 942018 h 942018"/>
+              <a:gd name="connsiteX4" fmla="*/ 0 w 941999"/>
+              <a:gd name="connsiteY4" fmla="*/ 0 h 942018"/>
+            </a:gdLst>
+            <a:ahLst/>
+            <a:cxnLst>
+              <a:cxn ang="0">
+                <a:pos x="connsiteX0" y="connsiteY0"/>
+              </a:cxn>
+              <a:cxn ang="0">
+                <a:pos x="connsiteX1" y="connsiteY1"/>
+              </a:cxn>
+              <a:cxn ang="0">
+                <a:pos x="connsiteX2" y="connsiteY2"/>
+              </a:cxn>
+              <a:cxn ang="0">
+                <a:pos x="connsiteX3" y="connsiteY3"/>
+              </a:cxn>
+              <a:cxn ang="0">
+                <a:pos x="connsiteX4" y="connsiteY4"/>
+              </a:cxn>
+            </a:cxnLst>
+            <a:rect l="l" t="t" r="r" b="b"/>
+            <a:pathLst>
+              <a:path w="941999" h="942018">
+                <a:moveTo>
+                  <a:pt x="0" y="0"/>
+                </a:moveTo>
+                <a:lnTo>
+                  <a:pt x="941999" y="0"/>
+                </a:lnTo>
+                <a:lnTo>
+                  <a:pt x="845703" y="4863"/>
+                </a:lnTo>
+                <a:cubicBezTo>
+                  <a:pt x="370684" y="53103"/>
+                  <a:pt x="0" y="454272"/>
+                  <a:pt x="0" y="942018"/>
+                </a:cubicBezTo>
+                <a:lnTo>
+                  <a:pt x="0" y="0"/>
+                </a:lnTo>
+                <a:close/>
+              </a:path>
+            </a:pathLst>
+          </a:custGeom>
+          <a:solidFill>
+            <a:srgbClr val="F1DBEE"/>
+          </a:solidFill>
+          <a:ln>
+            <a:noFill/>
+          </a:ln>
+        </p:spPr>
+        <p:style>
+          <a:lnRef idx="2">
+            <a:schemeClr val="accent1">
+              <a:shade val="50000"/>
+            </a:schemeClr>
+          </a:lnRef>
+          <a:fillRef idx="1">
+            <a:schemeClr val="accent1"/>
+          </a:fillRef>
+          <a:effectRef idx="0">
+            <a:schemeClr val="accent1"/>
+          </a:effectRef>
+          <a:fontRef idx="minor">
+            <a:schemeClr val="lt1"/>
+          </a:fontRef>
+        </p:style>
+        <p:txBody>
+          <a:bodyPr rtlCol="0" anchor="ctr"/>
+          <a:lstStyle/>
+          <a:p>
+            <a:pPr algn="ctr"/>
+            <a:endParaRPr lang="ko-KR" altLang="en-US">
+              <a:solidFill>
+                <a:prstClr val="white"/>
+              </a:solidFill>
+            </a:endParaRPr>
+          </a:p>
+        </p:txBody>
+      </p:sp>
+      <p:sp>
+        <p:nvSpPr>
           <p:cNvPr id="21" name="직사각형 20">
             <a:extLst>
               <a:ext uri="{FF2B5EF4-FFF2-40B4-BE49-F238E27FC236}">
@@ -12822,7 +15074,7 @@
                 <a:ea typeface="210 맨발의청춘 B" panose="02020603020101020101" pitchFamily="18" charset="-127"/>
                 <a:cs typeface="Aharoni" panose="02010803020104030203" pitchFamily="2" charset="-79"/>
               </a:rPr>
-              <a:t>1. </a:t>
+              <a:t>2. </a:t>
             </a:r>
             <a:r>
               <a:rPr lang="ko-KR" altLang="en-US" sz="4000">
@@ -12991,7 +15243,1728 @@
 </p:sld>
 </file>
 
-<file path=ppt/slides/slide19.xml><?xml version="1.0" encoding="utf-8"?>
+<file path=ppt/slides/slide21.xml><?xml version="1.0" encoding="utf-8"?>
+<p:sld xmlns:a="http://schemas.openxmlformats.org/drawingml/2006/main" xmlns:r="http://schemas.openxmlformats.org/officeDocument/2006/relationships" xmlns:p="http://schemas.openxmlformats.org/presentationml/2006/main">
+  <p:cSld>
+    <p:spTree>
+      <p:nvGrpSpPr>
+        <p:cNvPr id="1" name=""/>
+        <p:cNvGrpSpPr/>
+        <p:nvPr/>
+      </p:nvGrpSpPr>
+      <p:grpSpPr>
+        <a:xfrm>
+          <a:off x="0" y="0"/>
+          <a:ext cx="0" cy="0"/>
+          <a:chOff x="0" y="0"/>
+          <a:chExt cx="0" cy="0"/>
+        </a:xfrm>
+      </p:grpSpPr>
+      <p:sp>
+        <p:nvSpPr>
+          <p:cNvPr id="2" name="직사각형 1"/>
+          <p:cNvSpPr/>
+          <p:nvPr/>
+        </p:nvSpPr>
+        <p:spPr>
+          <a:xfrm>
+            <a:off x="-1" y="0"/>
+            <a:ext cx="12192000" cy="6858000"/>
+          </a:xfrm>
+          <a:prstGeom prst="rect">
+            <a:avLst/>
+          </a:prstGeom>
+          <a:solidFill>
+            <a:srgbClr val="AFD9E9"/>
+          </a:solidFill>
+          <a:ln>
+            <a:solidFill>
+              <a:srgbClr val="AFD9E9"/>
+            </a:solidFill>
+          </a:ln>
+        </p:spPr>
+        <p:style>
+          <a:lnRef idx="2">
+            <a:schemeClr val="accent1">
+              <a:shade val="50000"/>
+            </a:schemeClr>
+          </a:lnRef>
+          <a:fillRef idx="1">
+            <a:schemeClr val="accent1"/>
+          </a:fillRef>
+          <a:effectRef idx="0">
+            <a:schemeClr val="accent1"/>
+          </a:effectRef>
+          <a:fontRef idx="minor">
+            <a:schemeClr val="lt1"/>
+          </a:fontRef>
+        </p:style>
+        <p:txBody>
+          <a:bodyPr rtlCol="0" anchor="ctr"/>
+          <a:lstStyle/>
+          <a:p>
+            <a:pPr algn="ctr"/>
+            <a:endParaRPr lang="ko-KR" altLang="en-US"/>
+          </a:p>
+        </p:txBody>
+      </p:sp>
+      <p:sp>
+        <p:nvSpPr>
+          <p:cNvPr id="5" name="평행 사변형 4"/>
+          <p:cNvSpPr/>
+          <p:nvPr/>
+        </p:nvSpPr>
+        <p:spPr>
+          <a:xfrm flipH="1">
+            <a:off x="-2506" y="0"/>
+            <a:ext cx="12192000" cy="6858000"/>
+          </a:xfrm>
+          <a:prstGeom prst="parallelogram">
+            <a:avLst/>
+          </a:prstGeom>
+          <a:solidFill>
+            <a:srgbClr val="9CCFE4"/>
+          </a:solidFill>
+          <a:ln>
+            <a:noFill/>
+          </a:ln>
+        </p:spPr>
+        <p:style>
+          <a:lnRef idx="2">
+            <a:schemeClr val="accent1">
+              <a:shade val="50000"/>
+            </a:schemeClr>
+          </a:lnRef>
+          <a:fillRef idx="1">
+            <a:schemeClr val="accent1"/>
+          </a:fillRef>
+          <a:effectRef idx="0">
+            <a:schemeClr val="accent1"/>
+          </a:effectRef>
+          <a:fontRef idx="minor">
+            <a:schemeClr val="lt1"/>
+          </a:fontRef>
+        </p:style>
+        <p:txBody>
+          <a:bodyPr rtlCol="0" anchor="ctr"/>
+          <a:lstStyle/>
+          <a:p>
+            <a:pPr algn="ctr"/>
+            <a:endParaRPr lang="ko-KR" altLang="en-US">
+              <a:solidFill>
+                <a:prstClr val="white"/>
+              </a:solidFill>
+            </a:endParaRPr>
+          </a:p>
+        </p:txBody>
+      </p:sp>
+      <p:sp>
+        <p:nvSpPr>
+          <p:cNvPr id="6" name="직각 삼각형 5"/>
+          <p:cNvSpPr/>
+          <p:nvPr/>
+        </p:nvSpPr>
+        <p:spPr>
+          <a:xfrm flipH="1">
+            <a:off x="1956816" y="4736592"/>
+            <a:ext cx="10235184" cy="2121408"/>
+          </a:xfrm>
+          <a:prstGeom prst="rtTriangle">
+            <a:avLst/>
+          </a:prstGeom>
+          <a:solidFill>
+            <a:srgbClr val="84BDD1"/>
+          </a:solidFill>
+          <a:ln>
+            <a:noFill/>
+          </a:ln>
+        </p:spPr>
+        <p:style>
+          <a:lnRef idx="2">
+            <a:schemeClr val="accent1">
+              <a:shade val="50000"/>
+            </a:schemeClr>
+          </a:lnRef>
+          <a:fillRef idx="1">
+            <a:schemeClr val="accent1"/>
+          </a:fillRef>
+          <a:effectRef idx="0">
+            <a:schemeClr val="accent1"/>
+          </a:effectRef>
+          <a:fontRef idx="minor">
+            <a:schemeClr val="lt1"/>
+          </a:fontRef>
+        </p:style>
+        <p:txBody>
+          <a:bodyPr rtlCol="0" anchor="ctr"/>
+          <a:lstStyle/>
+          <a:p>
+            <a:pPr algn="ctr"/>
+            <a:endParaRPr lang="ko-KR" altLang="en-US" dirty="0">
+              <a:solidFill>
+                <a:prstClr val="white"/>
+              </a:solidFill>
+            </a:endParaRPr>
+          </a:p>
+        </p:txBody>
+      </p:sp>
+      <p:sp>
+        <p:nvSpPr>
+          <p:cNvPr id="8" name="직사각형 7"/>
+          <p:cNvSpPr/>
+          <p:nvPr/>
+        </p:nvSpPr>
+        <p:spPr>
+          <a:xfrm>
+            <a:off x="577138" y="397607"/>
+            <a:ext cx="11037723" cy="6062786"/>
+          </a:xfrm>
+          <a:prstGeom prst="rect">
+            <a:avLst/>
+          </a:prstGeom>
+          <a:solidFill>
+            <a:schemeClr val="bg1"/>
+          </a:solidFill>
+          <a:ln>
+            <a:noFill/>
+          </a:ln>
+        </p:spPr>
+        <p:style>
+          <a:lnRef idx="2">
+            <a:schemeClr val="accent1">
+              <a:shade val="50000"/>
+            </a:schemeClr>
+          </a:lnRef>
+          <a:fillRef idx="1">
+            <a:schemeClr val="accent1"/>
+          </a:fillRef>
+          <a:effectRef idx="0">
+            <a:schemeClr val="accent1"/>
+          </a:effectRef>
+          <a:fontRef idx="minor">
+            <a:schemeClr val="lt1"/>
+          </a:fontRef>
+        </p:style>
+        <p:txBody>
+          <a:bodyPr rtlCol="0" anchor="ctr"/>
+          <a:lstStyle/>
+          <a:p>
+            <a:pPr algn="ctr"/>
+            <a:endParaRPr lang="ko-KR" altLang="en-US" dirty="0">
+              <a:solidFill>
+                <a:prstClr val="white"/>
+              </a:solidFill>
+            </a:endParaRPr>
+          </a:p>
+        </p:txBody>
+      </p:sp>
+      <p:sp>
+        <p:nvSpPr>
+          <p:cNvPr id="18" name="자유형 17"/>
+          <p:cNvSpPr/>
+          <p:nvPr/>
+        </p:nvSpPr>
+        <p:spPr>
+          <a:xfrm>
+            <a:off x="574633" y="397607"/>
+            <a:ext cx="941999" cy="942018"/>
+          </a:xfrm>
+          <a:custGeom>
+            <a:avLst/>
+            <a:gdLst>
+              <a:gd name="connsiteX0" fmla="*/ 0 w 941999"/>
+              <a:gd name="connsiteY0" fmla="*/ 0 h 942018"/>
+              <a:gd name="connsiteX1" fmla="*/ 941999 w 941999"/>
+              <a:gd name="connsiteY1" fmla="*/ 0 h 942018"/>
+              <a:gd name="connsiteX2" fmla="*/ 845703 w 941999"/>
+              <a:gd name="connsiteY2" fmla="*/ 4863 h 942018"/>
+              <a:gd name="connsiteX3" fmla="*/ 0 w 941999"/>
+              <a:gd name="connsiteY3" fmla="*/ 942018 h 942018"/>
+              <a:gd name="connsiteX4" fmla="*/ 0 w 941999"/>
+              <a:gd name="connsiteY4" fmla="*/ 0 h 942018"/>
+            </a:gdLst>
+            <a:ahLst/>
+            <a:cxnLst>
+              <a:cxn ang="0">
+                <a:pos x="connsiteX0" y="connsiteY0"/>
+              </a:cxn>
+              <a:cxn ang="0">
+                <a:pos x="connsiteX1" y="connsiteY1"/>
+              </a:cxn>
+              <a:cxn ang="0">
+                <a:pos x="connsiteX2" y="connsiteY2"/>
+              </a:cxn>
+              <a:cxn ang="0">
+                <a:pos x="connsiteX3" y="connsiteY3"/>
+              </a:cxn>
+              <a:cxn ang="0">
+                <a:pos x="connsiteX4" y="connsiteY4"/>
+              </a:cxn>
+            </a:cxnLst>
+            <a:rect l="l" t="t" r="r" b="b"/>
+            <a:pathLst>
+              <a:path w="941999" h="942018">
+                <a:moveTo>
+                  <a:pt x="0" y="0"/>
+                </a:moveTo>
+                <a:lnTo>
+                  <a:pt x="941999" y="0"/>
+                </a:lnTo>
+                <a:lnTo>
+                  <a:pt x="845703" y="4863"/>
+                </a:lnTo>
+                <a:cubicBezTo>
+                  <a:pt x="370684" y="53103"/>
+                  <a:pt x="0" y="454272"/>
+                  <a:pt x="0" y="942018"/>
+                </a:cubicBezTo>
+                <a:lnTo>
+                  <a:pt x="0" y="0"/>
+                </a:lnTo>
+                <a:close/>
+              </a:path>
+            </a:pathLst>
+          </a:custGeom>
+          <a:solidFill>
+            <a:srgbClr val="F1DBEE"/>
+          </a:solidFill>
+          <a:ln>
+            <a:noFill/>
+          </a:ln>
+        </p:spPr>
+        <p:style>
+          <a:lnRef idx="2">
+            <a:schemeClr val="accent1">
+              <a:shade val="50000"/>
+            </a:schemeClr>
+          </a:lnRef>
+          <a:fillRef idx="1">
+            <a:schemeClr val="accent1"/>
+          </a:fillRef>
+          <a:effectRef idx="0">
+            <a:schemeClr val="accent1"/>
+          </a:effectRef>
+          <a:fontRef idx="minor">
+            <a:schemeClr val="lt1"/>
+          </a:fontRef>
+        </p:style>
+        <p:txBody>
+          <a:bodyPr rtlCol="0" anchor="ctr"/>
+          <a:lstStyle/>
+          <a:p>
+            <a:pPr algn="ctr"/>
+            <a:endParaRPr lang="ko-KR" altLang="en-US">
+              <a:solidFill>
+                <a:prstClr val="white"/>
+              </a:solidFill>
+            </a:endParaRPr>
+          </a:p>
+        </p:txBody>
+      </p:sp>
+      <p:sp>
+        <p:nvSpPr>
+          <p:cNvPr id="16" name="자유형 17">
+            <a:extLst>
+              <a:ext uri="{FF2B5EF4-FFF2-40B4-BE49-F238E27FC236}">
+                <a16:creationId xmlns:a16="http://schemas.microsoft.com/office/drawing/2014/main" id="{02363597-6E23-47D7-B49D-4EB59139CA99}"/>
+              </a:ext>
+            </a:extLst>
+          </p:cNvPr>
+          <p:cNvSpPr/>
+          <p:nvPr/>
+        </p:nvSpPr>
+        <p:spPr>
+          <a:xfrm rot="10800000">
+            <a:off x="10672862" y="5518375"/>
+            <a:ext cx="941999" cy="942018"/>
+          </a:xfrm>
+          <a:custGeom>
+            <a:avLst/>
+            <a:gdLst>
+              <a:gd name="connsiteX0" fmla="*/ 0 w 941999"/>
+              <a:gd name="connsiteY0" fmla="*/ 0 h 942018"/>
+              <a:gd name="connsiteX1" fmla="*/ 941999 w 941999"/>
+              <a:gd name="connsiteY1" fmla="*/ 0 h 942018"/>
+              <a:gd name="connsiteX2" fmla="*/ 845703 w 941999"/>
+              <a:gd name="connsiteY2" fmla="*/ 4863 h 942018"/>
+              <a:gd name="connsiteX3" fmla="*/ 0 w 941999"/>
+              <a:gd name="connsiteY3" fmla="*/ 942018 h 942018"/>
+              <a:gd name="connsiteX4" fmla="*/ 0 w 941999"/>
+              <a:gd name="connsiteY4" fmla="*/ 0 h 942018"/>
+            </a:gdLst>
+            <a:ahLst/>
+            <a:cxnLst>
+              <a:cxn ang="0">
+                <a:pos x="connsiteX0" y="connsiteY0"/>
+              </a:cxn>
+              <a:cxn ang="0">
+                <a:pos x="connsiteX1" y="connsiteY1"/>
+              </a:cxn>
+              <a:cxn ang="0">
+                <a:pos x="connsiteX2" y="connsiteY2"/>
+              </a:cxn>
+              <a:cxn ang="0">
+                <a:pos x="connsiteX3" y="connsiteY3"/>
+              </a:cxn>
+              <a:cxn ang="0">
+                <a:pos x="connsiteX4" y="connsiteY4"/>
+              </a:cxn>
+            </a:cxnLst>
+            <a:rect l="l" t="t" r="r" b="b"/>
+            <a:pathLst>
+              <a:path w="941999" h="942018">
+                <a:moveTo>
+                  <a:pt x="0" y="0"/>
+                </a:moveTo>
+                <a:lnTo>
+                  <a:pt x="941999" y="0"/>
+                </a:lnTo>
+                <a:lnTo>
+                  <a:pt x="845703" y="4863"/>
+                </a:lnTo>
+                <a:cubicBezTo>
+                  <a:pt x="370684" y="53103"/>
+                  <a:pt x="0" y="454272"/>
+                  <a:pt x="0" y="942018"/>
+                </a:cubicBezTo>
+                <a:lnTo>
+                  <a:pt x="0" y="0"/>
+                </a:lnTo>
+                <a:close/>
+              </a:path>
+            </a:pathLst>
+          </a:custGeom>
+          <a:solidFill>
+            <a:srgbClr val="F1DBEE"/>
+          </a:solidFill>
+          <a:ln>
+            <a:noFill/>
+          </a:ln>
+        </p:spPr>
+        <p:style>
+          <a:lnRef idx="2">
+            <a:schemeClr val="accent1">
+              <a:shade val="50000"/>
+            </a:schemeClr>
+          </a:lnRef>
+          <a:fillRef idx="1">
+            <a:schemeClr val="accent1"/>
+          </a:fillRef>
+          <a:effectRef idx="0">
+            <a:schemeClr val="accent1"/>
+          </a:effectRef>
+          <a:fontRef idx="minor">
+            <a:schemeClr val="lt1"/>
+          </a:fontRef>
+        </p:style>
+        <p:txBody>
+          <a:bodyPr rtlCol="0" anchor="ctr"/>
+          <a:lstStyle/>
+          <a:p>
+            <a:pPr algn="ctr"/>
+            <a:endParaRPr lang="ko-KR" altLang="en-US">
+              <a:solidFill>
+                <a:prstClr val="white"/>
+              </a:solidFill>
+            </a:endParaRPr>
+          </a:p>
+        </p:txBody>
+      </p:sp>
+      <p:sp>
+        <p:nvSpPr>
+          <p:cNvPr id="21" name="직사각형 20">
+            <a:extLst>
+              <a:ext uri="{FF2B5EF4-FFF2-40B4-BE49-F238E27FC236}">
+                <a16:creationId xmlns:a16="http://schemas.microsoft.com/office/drawing/2014/main" id="{A406BFA2-D3CD-432E-82D9-8C7181F8F351}"/>
+              </a:ext>
+            </a:extLst>
+          </p:cNvPr>
+          <p:cNvSpPr/>
+          <p:nvPr/>
+        </p:nvSpPr>
+        <p:spPr>
+          <a:xfrm>
+            <a:off x="763705" y="712382"/>
+            <a:ext cx="5926462" cy="658710"/>
+          </a:xfrm>
+          <a:prstGeom prst="rect">
+            <a:avLst/>
+          </a:prstGeom>
+          <a:noFill/>
+          <a:ln>
+            <a:noFill/>
+          </a:ln>
+        </p:spPr>
+        <p:style>
+          <a:lnRef idx="2">
+            <a:schemeClr val="accent1">
+              <a:shade val="50000"/>
+            </a:schemeClr>
+          </a:lnRef>
+          <a:fillRef idx="1">
+            <a:schemeClr val="accent1"/>
+          </a:fillRef>
+          <a:effectRef idx="0">
+            <a:schemeClr val="accent1"/>
+          </a:effectRef>
+          <a:fontRef idx="minor">
+            <a:schemeClr val="lt1"/>
+          </a:fontRef>
+        </p:style>
+        <p:txBody>
+          <a:bodyPr lIns="0" tIns="0" rIns="0" bIns="0" rtlCol="0" anchor="ctr"/>
+          <a:lstStyle/>
+          <a:p>
+            <a:pPr algn="ctr"/>
+            <a:r>
+              <a:rPr lang="en-US" altLang="ko-KR" sz="4000">
+                <a:solidFill>
+                  <a:schemeClr val="accent1">
+                    <a:lumMod val="75000"/>
+                  </a:schemeClr>
+                </a:solidFill>
+                <a:latin typeface="210 맨발의청춘 B" panose="02020603020101020101" pitchFamily="18" charset="-127"/>
+                <a:ea typeface="210 맨발의청춘 B" panose="02020603020101020101" pitchFamily="18" charset="-127"/>
+                <a:cs typeface="Aharoni" panose="02010803020104030203" pitchFamily="2" charset="-79"/>
+              </a:rPr>
+              <a:t>3. </a:t>
+            </a:r>
+            <a:r>
+              <a:rPr lang="ko-KR" altLang="en-US" sz="4000">
+                <a:solidFill>
+                  <a:schemeClr val="accent1">
+                    <a:lumMod val="75000"/>
+                  </a:schemeClr>
+                </a:solidFill>
+                <a:latin typeface="210 맨발의청춘 B" panose="02020603020101020101" pitchFamily="18" charset="-127"/>
+                <a:ea typeface="210 맨발의청춘 B" panose="02020603020101020101" pitchFamily="18" charset="-127"/>
+                <a:cs typeface="Aharoni" panose="02010803020104030203" pitchFamily="2" charset="-79"/>
+              </a:rPr>
+              <a:t>결과물</a:t>
+            </a:r>
+            <a:endParaRPr lang="en-US" altLang="ko-KR" sz="4000" dirty="0">
+              <a:solidFill>
+                <a:schemeClr val="accent1">
+                  <a:lumMod val="75000"/>
+                </a:schemeClr>
+              </a:solidFill>
+              <a:latin typeface="210 맨발의청춘 B" panose="02020603020101020101" pitchFamily="18" charset="-127"/>
+              <a:ea typeface="210 맨발의청춘 B" panose="02020603020101020101" pitchFamily="18" charset="-127"/>
+              <a:cs typeface="Aharoni" panose="02010803020104030203" pitchFamily="2" charset="-79"/>
+            </a:endParaRPr>
+          </a:p>
+        </p:txBody>
+      </p:sp>
+      <p:sp>
+        <p:nvSpPr>
+          <p:cNvPr id="3" name="TextBox 2">
+            <a:extLst>
+              <a:ext uri="{FF2B5EF4-FFF2-40B4-BE49-F238E27FC236}">
+                <a16:creationId xmlns:a16="http://schemas.microsoft.com/office/drawing/2014/main" id="{BCF27861-19DF-415B-B3DE-B7A0C60D4F7E}"/>
+              </a:ext>
+            </a:extLst>
+          </p:cNvPr>
+          <p:cNvSpPr txBox="1"/>
+          <p:nvPr/>
+        </p:nvSpPr>
+        <p:spPr>
+          <a:xfrm>
+            <a:off x="3102015" y="3429000"/>
+            <a:ext cx="5532699" cy="477054"/>
+          </a:xfrm>
+          <a:prstGeom prst="rect">
+            <a:avLst/>
+          </a:prstGeom>
+          <a:noFill/>
+        </p:spPr>
+        <p:txBody>
+          <a:bodyPr wrap="square" rtlCol="0">
+            <a:spAutoFit/>
+          </a:bodyPr>
+          <a:lstStyle/>
+          <a:p>
+            <a:pPr algn="ctr"/>
+            <a:r>
+              <a:rPr lang="ko-KR" altLang="en-US" sz="2500">
+                <a:solidFill>
+                  <a:schemeClr val="accent1">
+                    <a:lumMod val="75000"/>
+                  </a:schemeClr>
+                </a:solidFill>
+                <a:latin typeface="210 맨발의청춘 B" panose="02020603020101020101" pitchFamily="18" charset="-127"/>
+                <a:ea typeface="210 맨발의청춘 B" panose="02020603020101020101" pitchFamily="18" charset="-127"/>
+                <a:cs typeface="Aharoni" panose="02010803020104030203" pitchFamily="2" charset="-79"/>
+              </a:rPr>
+              <a:t>시연영상</a:t>
+            </a:r>
+            <a:endParaRPr lang="en-US" altLang="ko-KR" sz="2500" dirty="0">
+              <a:solidFill>
+                <a:schemeClr val="accent1">
+                  <a:lumMod val="75000"/>
+                </a:schemeClr>
+              </a:solidFill>
+              <a:latin typeface="210 맨발의청춘 B" panose="02020603020101020101" pitchFamily="18" charset="-127"/>
+              <a:ea typeface="210 맨발의청춘 B" panose="02020603020101020101" pitchFamily="18" charset="-127"/>
+              <a:cs typeface="Aharoni" panose="02010803020104030203" pitchFamily="2" charset="-79"/>
+            </a:endParaRPr>
+          </a:p>
+        </p:txBody>
+      </p:sp>
+    </p:spTree>
+    <p:extLst>
+      <p:ext uri="{BB962C8B-B14F-4D97-AF65-F5344CB8AC3E}">
+        <p14:creationId xmlns:p14="http://schemas.microsoft.com/office/powerpoint/2010/main" val="4109950412"/>
+      </p:ext>
+    </p:extLst>
+  </p:cSld>
+  <p:clrMapOvr>
+    <a:masterClrMapping/>
+  </p:clrMapOvr>
+</p:sld>
+</file>
+
+<file path=ppt/slides/slide22.xml><?xml version="1.0" encoding="utf-8"?>
+<p:sld xmlns:a="http://schemas.openxmlformats.org/drawingml/2006/main" xmlns:r="http://schemas.openxmlformats.org/officeDocument/2006/relationships" xmlns:p="http://schemas.openxmlformats.org/presentationml/2006/main">
+  <p:cSld>
+    <p:spTree>
+      <p:nvGrpSpPr>
+        <p:cNvPr id="1" name=""/>
+        <p:cNvGrpSpPr/>
+        <p:nvPr/>
+      </p:nvGrpSpPr>
+      <p:grpSpPr>
+        <a:xfrm>
+          <a:off x="0" y="0"/>
+          <a:ext cx="0" cy="0"/>
+          <a:chOff x="0" y="0"/>
+          <a:chExt cx="0" cy="0"/>
+        </a:xfrm>
+      </p:grpSpPr>
+      <p:sp>
+        <p:nvSpPr>
+          <p:cNvPr id="2" name="직사각형 1"/>
+          <p:cNvSpPr/>
+          <p:nvPr/>
+        </p:nvSpPr>
+        <p:spPr>
+          <a:xfrm>
+            <a:off x="-1" y="0"/>
+            <a:ext cx="12192000" cy="6858000"/>
+          </a:xfrm>
+          <a:prstGeom prst="rect">
+            <a:avLst/>
+          </a:prstGeom>
+          <a:solidFill>
+            <a:srgbClr val="AFD9E9"/>
+          </a:solidFill>
+          <a:ln>
+            <a:solidFill>
+              <a:srgbClr val="AFD9E9"/>
+            </a:solidFill>
+          </a:ln>
+        </p:spPr>
+        <p:style>
+          <a:lnRef idx="2">
+            <a:schemeClr val="accent1">
+              <a:shade val="50000"/>
+            </a:schemeClr>
+          </a:lnRef>
+          <a:fillRef idx="1">
+            <a:schemeClr val="accent1"/>
+          </a:fillRef>
+          <a:effectRef idx="0">
+            <a:schemeClr val="accent1"/>
+          </a:effectRef>
+          <a:fontRef idx="minor">
+            <a:schemeClr val="lt1"/>
+          </a:fontRef>
+        </p:style>
+        <p:txBody>
+          <a:bodyPr rtlCol="0" anchor="ctr"/>
+          <a:lstStyle/>
+          <a:p>
+            <a:pPr algn="ctr"/>
+            <a:endParaRPr lang="ko-KR" altLang="en-US"/>
+          </a:p>
+        </p:txBody>
+      </p:sp>
+      <p:sp>
+        <p:nvSpPr>
+          <p:cNvPr id="5" name="평행 사변형 4"/>
+          <p:cNvSpPr/>
+          <p:nvPr/>
+        </p:nvSpPr>
+        <p:spPr>
+          <a:xfrm flipH="1">
+            <a:off x="-2506" y="0"/>
+            <a:ext cx="12192000" cy="6858000"/>
+          </a:xfrm>
+          <a:prstGeom prst="parallelogram">
+            <a:avLst/>
+          </a:prstGeom>
+          <a:solidFill>
+            <a:srgbClr val="9CCFE4"/>
+          </a:solidFill>
+          <a:ln>
+            <a:noFill/>
+          </a:ln>
+        </p:spPr>
+        <p:style>
+          <a:lnRef idx="2">
+            <a:schemeClr val="accent1">
+              <a:shade val="50000"/>
+            </a:schemeClr>
+          </a:lnRef>
+          <a:fillRef idx="1">
+            <a:schemeClr val="accent1"/>
+          </a:fillRef>
+          <a:effectRef idx="0">
+            <a:schemeClr val="accent1"/>
+          </a:effectRef>
+          <a:fontRef idx="minor">
+            <a:schemeClr val="lt1"/>
+          </a:fontRef>
+        </p:style>
+        <p:txBody>
+          <a:bodyPr rtlCol="0" anchor="ctr"/>
+          <a:lstStyle/>
+          <a:p>
+            <a:pPr algn="ctr"/>
+            <a:endParaRPr lang="ko-KR" altLang="en-US">
+              <a:solidFill>
+                <a:prstClr val="white"/>
+              </a:solidFill>
+            </a:endParaRPr>
+          </a:p>
+        </p:txBody>
+      </p:sp>
+      <p:sp>
+        <p:nvSpPr>
+          <p:cNvPr id="6" name="직각 삼각형 5"/>
+          <p:cNvSpPr/>
+          <p:nvPr/>
+        </p:nvSpPr>
+        <p:spPr>
+          <a:xfrm flipH="1">
+            <a:off x="1956816" y="4736592"/>
+            <a:ext cx="10235184" cy="2121408"/>
+          </a:xfrm>
+          <a:prstGeom prst="rtTriangle">
+            <a:avLst/>
+          </a:prstGeom>
+          <a:solidFill>
+            <a:srgbClr val="84BDD1"/>
+          </a:solidFill>
+          <a:ln>
+            <a:noFill/>
+          </a:ln>
+        </p:spPr>
+        <p:style>
+          <a:lnRef idx="2">
+            <a:schemeClr val="accent1">
+              <a:shade val="50000"/>
+            </a:schemeClr>
+          </a:lnRef>
+          <a:fillRef idx="1">
+            <a:schemeClr val="accent1"/>
+          </a:fillRef>
+          <a:effectRef idx="0">
+            <a:schemeClr val="accent1"/>
+          </a:effectRef>
+          <a:fontRef idx="minor">
+            <a:schemeClr val="lt1"/>
+          </a:fontRef>
+        </p:style>
+        <p:txBody>
+          <a:bodyPr rtlCol="0" anchor="ctr"/>
+          <a:lstStyle/>
+          <a:p>
+            <a:pPr algn="ctr"/>
+            <a:endParaRPr lang="ko-KR" altLang="en-US" dirty="0">
+              <a:solidFill>
+                <a:prstClr val="white"/>
+              </a:solidFill>
+            </a:endParaRPr>
+          </a:p>
+        </p:txBody>
+      </p:sp>
+      <p:sp>
+        <p:nvSpPr>
+          <p:cNvPr id="8" name="직사각형 7"/>
+          <p:cNvSpPr/>
+          <p:nvPr/>
+        </p:nvSpPr>
+        <p:spPr>
+          <a:xfrm>
+            <a:off x="577138" y="397607"/>
+            <a:ext cx="11037723" cy="6062786"/>
+          </a:xfrm>
+          <a:prstGeom prst="rect">
+            <a:avLst/>
+          </a:prstGeom>
+          <a:solidFill>
+            <a:schemeClr val="bg1"/>
+          </a:solidFill>
+          <a:ln>
+            <a:noFill/>
+          </a:ln>
+        </p:spPr>
+        <p:style>
+          <a:lnRef idx="2">
+            <a:schemeClr val="accent1">
+              <a:shade val="50000"/>
+            </a:schemeClr>
+          </a:lnRef>
+          <a:fillRef idx="1">
+            <a:schemeClr val="accent1"/>
+          </a:fillRef>
+          <a:effectRef idx="0">
+            <a:schemeClr val="accent1"/>
+          </a:effectRef>
+          <a:fontRef idx="minor">
+            <a:schemeClr val="lt1"/>
+          </a:fontRef>
+        </p:style>
+        <p:txBody>
+          <a:bodyPr rtlCol="0" anchor="ctr"/>
+          <a:lstStyle/>
+          <a:p>
+            <a:pPr algn="ctr"/>
+            <a:endParaRPr lang="ko-KR" altLang="en-US" dirty="0">
+              <a:solidFill>
+                <a:prstClr val="white"/>
+              </a:solidFill>
+            </a:endParaRPr>
+          </a:p>
+        </p:txBody>
+      </p:sp>
+      <p:sp>
+        <p:nvSpPr>
+          <p:cNvPr id="18" name="자유형 17"/>
+          <p:cNvSpPr/>
+          <p:nvPr/>
+        </p:nvSpPr>
+        <p:spPr>
+          <a:xfrm>
+            <a:off x="574633" y="397607"/>
+            <a:ext cx="941999" cy="942018"/>
+          </a:xfrm>
+          <a:custGeom>
+            <a:avLst/>
+            <a:gdLst>
+              <a:gd name="connsiteX0" fmla="*/ 0 w 941999"/>
+              <a:gd name="connsiteY0" fmla="*/ 0 h 942018"/>
+              <a:gd name="connsiteX1" fmla="*/ 941999 w 941999"/>
+              <a:gd name="connsiteY1" fmla="*/ 0 h 942018"/>
+              <a:gd name="connsiteX2" fmla="*/ 845703 w 941999"/>
+              <a:gd name="connsiteY2" fmla="*/ 4863 h 942018"/>
+              <a:gd name="connsiteX3" fmla="*/ 0 w 941999"/>
+              <a:gd name="connsiteY3" fmla="*/ 942018 h 942018"/>
+              <a:gd name="connsiteX4" fmla="*/ 0 w 941999"/>
+              <a:gd name="connsiteY4" fmla="*/ 0 h 942018"/>
+            </a:gdLst>
+            <a:ahLst/>
+            <a:cxnLst>
+              <a:cxn ang="0">
+                <a:pos x="connsiteX0" y="connsiteY0"/>
+              </a:cxn>
+              <a:cxn ang="0">
+                <a:pos x="connsiteX1" y="connsiteY1"/>
+              </a:cxn>
+              <a:cxn ang="0">
+                <a:pos x="connsiteX2" y="connsiteY2"/>
+              </a:cxn>
+              <a:cxn ang="0">
+                <a:pos x="connsiteX3" y="connsiteY3"/>
+              </a:cxn>
+              <a:cxn ang="0">
+                <a:pos x="connsiteX4" y="connsiteY4"/>
+              </a:cxn>
+            </a:cxnLst>
+            <a:rect l="l" t="t" r="r" b="b"/>
+            <a:pathLst>
+              <a:path w="941999" h="942018">
+                <a:moveTo>
+                  <a:pt x="0" y="0"/>
+                </a:moveTo>
+                <a:lnTo>
+                  <a:pt x="941999" y="0"/>
+                </a:lnTo>
+                <a:lnTo>
+                  <a:pt x="845703" y="4863"/>
+                </a:lnTo>
+                <a:cubicBezTo>
+                  <a:pt x="370684" y="53103"/>
+                  <a:pt x="0" y="454272"/>
+                  <a:pt x="0" y="942018"/>
+                </a:cubicBezTo>
+                <a:lnTo>
+                  <a:pt x="0" y="0"/>
+                </a:lnTo>
+                <a:close/>
+              </a:path>
+            </a:pathLst>
+          </a:custGeom>
+          <a:solidFill>
+            <a:srgbClr val="F1DBEE"/>
+          </a:solidFill>
+          <a:ln>
+            <a:noFill/>
+          </a:ln>
+        </p:spPr>
+        <p:style>
+          <a:lnRef idx="2">
+            <a:schemeClr val="accent1">
+              <a:shade val="50000"/>
+            </a:schemeClr>
+          </a:lnRef>
+          <a:fillRef idx="1">
+            <a:schemeClr val="accent1"/>
+          </a:fillRef>
+          <a:effectRef idx="0">
+            <a:schemeClr val="accent1"/>
+          </a:effectRef>
+          <a:fontRef idx="minor">
+            <a:schemeClr val="lt1"/>
+          </a:fontRef>
+        </p:style>
+        <p:txBody>
+          <a:bodyPr rtlCol="0" anchor="ctr"/>
+          <a:lstStyle/>
+          <a:p>
+            <a:pPr algn="ctr"/>
+            <a:endParaRPr lang="ko-KR" altLang="en-US">
+              <a:solidFill>
+                <a:prstClr val="white"/>
+              </a:solidFill>
+            </a:endParaRPr>
+          </a:p>
+        </p:txBody>
+      </p:sp>
+      <p:sp>
+        <p:nvSpPr>
+          <p:cNvPr id="16" name="자유형 17">
+            <a:extLst>
+              <a:ext uri="{FF2B5EF4-FFF2-40B4-BE49-F238E27FC236}">
+                <a16:creationId xmlns:a16="http://schemas.microsoft.com/office/drawing/2014/main" id="{02363597-6E23-47D7-B49D-4EB59139CA99}"/>
+              </a:ext>
+            </a:extLst>
+          </p:cNvPr>
+          <p:cNvSpPr/>
+          <p:nvPr/>
+        </p:nvSpPr>
+        <p:spPr>
+          <a:xfrm rot="10800000">
+            <a:off x="10672862" y="5518375"/>
+            <a:ext cx="941999" cy="942018"/>
+          </a:xfrm>
+          <a:custGeom>
+            <a:avLst/>
+            <a:gdLst>
+              <a:gd name="connsiteX0" fmla="*/ 0 w 941999"/>
+              <a:gd name="connsiteY0" fmla="*/ 0 h 942018"/>
+              <a:gd name="connsiteX1" fmla="*/ 941999 w 941999"/>
+              <a:gd name="connsiteY1" fmla="*/ 0 h 942018"/>
+              <a:gd name="connsiteX2" fmla="*/ 845703 w 941999"/>
+              <a:gd name="connsiteY2" fmla="*/ 4863 h 942018"/>
+              <a:gd name="connsiteX3" fmla="*/ 0 w 941999"/>
+              <a:gd name="connsiteY3" fmla="*/ 942018 h 942018"/>
+              <a:gd name="connsiteX4" fmla="*/ 0 w 941999"/>
+              <a:gd name="connsiteY4" fmla="*/ 0 h 942018"/>
+            </a:gdLst>
+            <a:ahLst/>
+            <a:cxnLst>
+              <a:cxn ang="0">
+                <a:pos x="connsiteX0" y="connsiteY0"/>
+              </a:cxn>
+              <a:cxn ang="0">
+                <a:pos x="connsiteX1" y="connsiteY1"/>
+              </a:cxn>
+              <a:cxn ang="0">
+                <a:pos x="connsiteX2" y="connsiteY2"/>
+              </a:cxn>
+              <a:cxn ang="0">
+                <a:pos x="connsiteX3" y="connsiteY3"/>
+              </a:cxn>
+              <a:cxn ang="0">
+                <a:pos x="connsiteX4" y="connsiteY4"/>
+              </a:cxn>
+            </a:cxnLst>
+            <a:rect l="l" t="t" r="r" b="b"/>
+            <a:pathLst>
+              <a:path w="941999" h="942018">
+                <a:moveTo>
+                  <a:pt x="0" y="0"/>
+                </a:moveTo>
+                <a:lnTo>
+                  <a:pt x="941999" y="0"/>
+                </a:lnTo>
+                <a:lnTo>
+                  <a:pt x="845703" y="4863"/>
+                </a:lnTo>
+                <a:cubicBezTo>
+                  <a:pt x="370684" y="53103"/>
+                  <a:pt x="0" y="454272"/>
+                  <a:pt x="0" y="942018"/>
+                </a:cubicBezTo>
+                <a:lnTo>
+                  <a:pt x="0" y="0"/>
+                </a:lnTo>
+                <a:close/>
+              </a:path>
+            </a:pathLst>
+          </a:custGeom>
+          <a:solidFill>
+            <a:srgbClr val="F1DBEE"/>
+          </a:solidFill>
+          <a:ln>
+            <a:noFill/>
+          </a:ln>
+        </p:spPr>
+        <p:style>
+          <a:lnRef idx="2">
+            <a:schemeClr val="accent1">
+              <a:shade val="50000"/>
+            </a:schemeClr>
+          </a:lnRef>
+          <a:fillRef idx="1">
+            <a:schemeClr val="accent1"/>
+          </a:fillRef>
+          <a:effectRef idx="0">
+            <a:schemeClr val="accent1"/>
+          </a:effectRef>
+          <a:fontRef idx="minor">
+            <a:schemeClr val="lt1"/>
+          </a:fontRef>
+        </p:style>
+        <p:txBody>
+          <a:bodyPr rtlCol="0" anchor="ctr"/>
+          <a:lstStyle/>
+          <a:p>
+            <a:pPr algn="ctr"/>
+            <a:endParaRPr lang="ko-KR" altLang="en-US">
+              <a:solidFill>
+                <a:prstClr val="white"/>
+              </a:solidFill>
+            </a:endParaRPr>
+          </a:p>
+        </p:txBody>
+      </p:sp>
+      <p:sp>
+        <p:nvSpPr>
+          <p:cNvPr id="21" name="직사각형 20">
+            <a:extLst>
+              <a:ext uri="{FF2B5EF4-FFF2-40B4-BE49-F238E27FC236}">
+                <a16:creationId xmlns:a16="http://schemas.microsoft.com/office/drawing/2014/main" id="{A406BFA2-D3CD-432E-82D9-8C7181F8F351}"/>
+              </a:ext>
+            </a:extLst>
+          </p:cNvPr>
+          <p:cNvSpPr/>
+          <p:nvPr/>
+        </p:nvSpPr>
+        <p:spPr>
+          <a:xfrm>
+            <a:off x="763705" y="712382"/>
+            <a:ext cx="5926462" cy="658710"/>
+          </a:xfrm>
+          <a:prstGeom prst="rect">
+            <a:avLst/>
+          </a:prstGeom>
+          <a:noFill/>
+          <a:ln>
+            <a:noFill/>
+          </a:ln>
+        </p:spPr>
+        <p:style>
+          <a:lnRef idx="2">
+            <a:schemeClr val="accent1">
+              <a:shade val="50000"/>
+            </a:schemeClr>
+          </a:lnRef>
+          <a:fillRef idx="1">
+            <a:schemeClr val="accent1"/>
+          </a:fillRef>
+          <a:effectRef idx="0">
+            <a:schemeClr val="accent1"/>
+          </a:effectRef>
+          <a:fontRef idx="minor">
+            <a:schemeClr val="lt1"/>
+          </a:fontRef>
+        </p:style>
+        <p:txBody>
+          <a:bodyPr lIns="0" tIns="0" rIns="0" bIns="0" rtlCol="0" anchor="ctr"/>
+          <a:lstStyle/>
+          <a:p>
+            <a:pPr algn="ctr"/>
+            <a:r>
+              <a:rPr lang="en-US" altLang="ko-KR" sz="4000">
+                <a:solidFill>
+                  <a:schemeClr val="accent1">
+                    <a:lumMod val="75000"/>
+                  </a:schemeClr>
+                </a:solidFill>
+                <a:latin typeface="210 맨발의청춘 B" panose="02020603020101020101" pitchFamily="18" charset="-127"/>
+                <a:ea typeface="210 맨발의청춘 B" panose="02020603020101020101" pitchFamily="18" charset="-127"/>
+                <a:cs typeface="Aharoni" panose="02010803020104030203" pitchFamily="2" charset="-79"/>
+              </a:rPr>
+              <a:t>3. </a:t>
+            </a:r>
+            <a:r>
+              <a:rPr lang="ko-KR" altLang="en-US" sz="4000">
+                <a:solidFill>
+                  <a:schemeClr val="accent1">
+                    <a:lumMod val="75000"/>
+                  </a:schemeClr>
+                </a:solidFill>
+                <a:latin typeface="210 맨발의청춘 B" panose="02020603020101020101" pitchFamily="18" charset="-127"/>
+                <a:ea typeface="210 맨발의청춘 B" panose="02020603020101020101" pitchFamily="18" charset="-127"/>
+                <a:cs typeface="Aharoni" panose="02010803020104030203" pitchFamily="2" charset="-79"/>
+              </a:rPr>
+              <a:t>결과물</a:t>
+            </a:r>
+            <a:endParaRPr lang="en-US" altLang="ko-KR" sz="4000" dirty="0">
+              <a:solidFill>
+                <a:schemeClr val="accent1">
+                  <a:lumMod val="75000"/>
+                </a:schemeClr>
+              </a:solidFill>
+              <a:latin typeface="210 맨발의청춘 B" panose="02020603020101020101" pitchFamily="18" charset="-127"/>
+              <a:ea typeface="210 맨발의청춘 B" panose="02020603020101020101" pitchFamily="18" charset="-127"/>
+              <a:cs typeface="Aharoni" panose="02010803020104030203" pitchFamily="2" charset="-79"/>
+            </a:endParaRPr>
+          </a:p>
+        </p:txBody>
+      </p:sp>
+      <p:pic>
+        <p:nvPicPr>
+          <p:cNvPr id="4" name="그림 3">
+            <a:extLst>
+              <a:ext uri="{FF2B5EF4-FFF2-40B4-BE49-F238E27FC236}">
+                <a16:creationId xmlns:a16="http://schemas.microsoft.com/office/drawing/2014/main" id="{05A94D9D-77CA-4061-97C4-C9BBB6CA3D0A}"/>
+              </a:ext>
+            </a:extLst>
+          </p:cNvPr>
+          <p:cNvPicPr>
+            <a:picLocks noChangeAspect="1"/>
+          </p:cNvPicPr>
+          <p:nvPr/>
+        </p:nvPicPr>
+        <p:blipFill>
+          <a:blip r:embed="rId3">
+            <a:extLst>
+              <a:ext uri="{28A0092B-C50C-407E-A947-70E740481C1C}">
+                <a14:useLocalDpi xmlns:a14="http://schemas.microsoft.com/office/drawing/2010/main" val="0"/>
+              </a:ext>
+            </a:extLst>
+          </a:blip>
+          <a:stretch>
+            <a:fillRect/>
+          </a:stretch>
+        </p:blipFill>
+        <p:spPr>
+          <a:xfrm>
+            <a:off x="2531144" y="1453501"/>
+            <a:ext cx="7124700" cy="4924483"/>
+          </a:xfrm>
+          <a:prstGeom prst="rect">
+            <a:avLst/>
+          </a:prstGeom>
+        </p:spPr>
+      </p:pic>
+    </p:spTree>
+    <p:extLst>
+      <p:ext uri="{BB962C8B-B14F-4D97-AF65-F5344CB8AC3E}">
+        <p14:creationId xmlns:p14="http://schemas.microsoft.com/office/powerpoint/2010/main" val="3899298085"/>
+      </p:ext>
+    </p:extLst>
+  </p:cSld>
+  <p:clrMapOvr>
+    <a:masterClrMapping/>
+  </p:clrMapOvr>
+</p:sld>
+</file>
+
+<file path=ppt/slides/slide23.xml><?xml version="1.0" encoding="utf-8"?>
+<p:sld xmlns:a="http://schemas.openxmlformats.org/drawingml/2006/main" xmlns:r="http://schemas.openxmlformats.org/officeDocument/2006/relationships" xmlns:p="http://schemas.openxmlformats.org/presentationml/2006/main">
+  <p:cSld>
+    <p:spTree>
+      <p:nvGrpSpPr>
+        <p:cNvPr id="1" name=""/>
+        <p:cNvGrpSpPr/>
+        <p:nvPr/>
+      </p:nvGrpSpPr>
+      <p:grpSpPr>
+        <a:xfrm>
+          <a:off x="0" y="0"/>
+          <a:ext cx="0" cy="0"/>
+          <a:chOff x="0" y="0"/>
+          <a:chExt cx="0" cy="0"/>
+        </a:xfrm>
+      </p:grpSpPr>
+      <p:sp>
+        <p:nvSpPr>
+          <p:cNvPr id="2" name="직사각형 1"/>
+          <p:cNvSpPr/>
+          <p:nvPr/>
+        </p:nvSpPr>
+        <p:spPr>
+          <a:xfrm>
+            <a:off x="-1" y="0"/>
+            <a:ext cx="12192000" cy="6858000"/>
+          </a:xfrm>
+          <a:prstGeom prst="rect">
+            <a:avLst/>
+          </a:prstGeom>
+          <a:solidFill>
+            <a:srgbClr val="AFD9E9"/>
+          </a:solidFill>
+          <a:ln>
+            <a:solidFill>
+              <a:srgbClr val="AFD9E9"/>
+            </a:solidFill>
+          </a:ln>
+        </p:spPr>
+        <p:style>
+          <a:lnRef idx="2">
+            <a:schemeClr val="accent1">
+              <a:shade val="50000"/>
+            </a:schemeClr>
+          </a:lnRef>
+          <a:fillRef idx="1">
+            <a:schemeClr val="accent1"/>
+          </a:fillRef>
+          <a:effectRef idx="0">
+            <a:schemeClr val="accent1"/>
+          </a:effectRef>
+          <a:fontRef idx="minor">
+            <a:schemeClr val="lt1"/>
+          </a:fontRef>
+        </p:style>
+        <p:txBody>
+          <a:bodyPr rtlCol="0" anchor="ctr"/>
+          <a:lstStyle/>
+          <a:p>
+            <a:pPr algn="ctr"/>
+            <a:endParaRPr lang="ko-KR" altLang="en-US"/>
+          </a:p>
+        </p:txBody>
+      </p:sp>
+      <p:sp>
+        <p:nvSpPr>
+          <p:cNvPr id="5" name="평행 사변형 4"/>
+          <p:cNvSpPr/>
+          <p:nvPr/>
+        </p:nvSpPr>
+        <p:spPr>
+          <a:xfrm flipH="1">
+            <a:off x="-2506" y="0"/>
+            <a:ext cx="12192000" cy="6858000"/>
+          </a:xfrm>
+          <a:prstGeom prst="parallelogram">
+            <a:avLst/>
+          </a:prstGeom>
+          <a:solidFill>
+            <a:srgbClr val="9CCFE4"/>
+          </a:solidFill>
+          <a:ln>
+            <a:noFill/>
+          </a:ln>
+        </p:spPr>
+        <p:style>
+          <a:lnRef idx="2">
+            <a:schemeClr val="accent1">
+              <a:shade val="50000"/>
+            </a:schemeClr>
+          </a:lnRef>
+          <a:fillRef idx="1">
+            <a:schemeClr val="accent1"/>
+          </a:fillRef>
+          <a:effectRef idx="0">
+            <a:schemeClr val="accent1"/>
+          </a:effectRef>
+          <a:fontRef idx="minor">
+            <a:schemeClr val="lt1"/>
+          </a:fontRef>
+        </p:style>
+        <p:txBody>
+          <a:bodyPr rtlCol="0" anchor="ctr"/>
+          <a:lstStyle/>
+          <a:p>
+            <a:pPr algn="ctr"/>
+            <a:endParaRPr lang="ko-KR" altLang="en-US">
+              <a:solidFill>
+                <a:prstClr val="white"/>
+              </a:solidFill>
+            </a:endParaRPr>
+          </a:p>
+        </p:txBody>
+      </p:sp>
+      <p:sp>
+        <p:nvSpPr>
+          <p:cNvPr id="6" name="직각 삼각형 5"/>
+          <p:cNvSpPr/>
+          <p:nvPr/>
+        </p:nvSpPr>
+        <p:spPr>
+          <a:xfrm flipH="1">
+            <a:off x="1956816" y="4736592"/>
+            <a:ext cx="10235184" cy="2121408"/>
+          </a:xfrm>
+          <a:prstGeom prst="rtTriangle">
+            <a:avLst/>
+          </a:prstGeom>
+          <a:solidFill>
+            <a:srgbClr val="84BDD1"/>
+          </a:solidFill>
+          <a:ln>
+            <a:noFill/>
+          </a:ln>
+        </p:spPr>
+        <p:style>
+          <a:lnRef idx="2">
+            <a:schemeClr val="accent1">
+              <a:shade val="50000"/>
+            </a:schemeClr>
+          </a:lnRef>
+          <a:fillRef idx="1">
+            <a:schemeClr val="accent1"/>
+          </a:fillRef>
+          <a:effectRef idx="0">
+            <a:schemeClr val="accent1"/>
+          </a:effectRef>
+          <a:fontRef idx="minor">
+            <a:schemeClr val="lt1"/>
+          </a:fontRef>
+        </p:style>
+        <p:txBody>
+          <a:bodyPr rtlCol="0" anchor="ctr"/>
+          <a:lstStyle/>
+          <a:p>
+            <a:pPr algn="ctr"/>
+            <a:endParaRPr lang="ko-KR" altLang="en-US" dirty="0">
+              <a:solidFill>
+                <a:prstClr val="white"/>
+              </a:solidFill>
+            </a:endParaRPr>
+          </a:p>
+        </p:txBody>
+      </p:sp>
+      <p:sp>
+        <p:nvSpPr>
+          <p:cNvPr id="8" name="직사각형 7"/>
+          <p:cNvSpPr/>
+          <p:nvPr/>
+        </p:nvSpPr>
+        <p:spPr>
+          <a:xfrm>
+            <a:off x="577138" y="397607"/>
+            <a:ext cx="11037723" cy="6062786"/>
+          </a:xfrm>
+          <a:prstGeom prst="rect">
+            <a:avLst/>
+          </a:prstGeom>
+          <a:solidFill>
+            <a:schemeClr val="bg1"/>
+          </a:solidFill>
+          <a:ln>
+            <a:noFill/>
+          </a:ln>
+        </p:spPr>
+        <p:style>
+          <a:lnRef idx="2">
+            <a:schemeClr val="accent1">
+              <a:shade val="50000"/>
+            </a:schemeClr>
+          </a:lnRef>
+          <a:fillRef idx="1">
+            <a:schemeClr val="accent1"/>
+          </a:fillRef>
+          <a:effectRef idx="0">
+            <a:schemeClr val="accent1"/>
+          </a:effectRef>
+          <a:fontRef idx="minor">
+            <a:schemeClr val="lt1"/>
+          </a:fontRef>
+        </p:style>
+        <p:txBody>
+          <a:bodyPr rtlCol="0" anchor="ctr"/>
+          <a:lstStyle/>
+          <a:p>
+            <a:pPr algn="ctr"/>
+            <a:endParaRPr lang="ko-KR" altLang="en-US" dirty="0">
+              <a:solidFill>
+                <a:prstClr val="white"/>
+              </a:solidFill>
+            </a:endParaRPr>
+          </a:p>
+        </p:txBody>
+      </p:sp>
+      <p:sp>
+        <p:nvSpPr>
+          <p:cNvPr id="18" name="자유형 17"/>
+          <p:cNvSpPr/>
+          <p:nvPr/>
+        </p:nvSpPr>
+        <p:spPr>
+          <a:xfrm>
+            <a:off x="574633" y="397607"/>
+            <a:ext cx="941999" cy="942018"/>
+          </a:xfrm>
+          <a:custGeom>
+            <a:avLst/>
+            <a:gdLst>
+              <a:gd name="connsiteX0" fmla="*/ 0 w 941999"/>
+              <a:gd name="connsiteY0" fmla="*/ 0 h 942018"/>
+              <a:gd name="connsiteX1" fmla="*/ 941999 w 941999"/>
+              <a:gd name="connsiteY1" fmla="*/ 0 h 942018"/>
+              <a:gd name="connsiteX2" fmla="*/ 845703 w 941999"/>
+              <a:gd name="connsiteY2" fmla="*/ 4863 h 942018"/>
+              <a:gd name="connsiteX3" fmla="*/ 0 w 941999"/>
+              <a:gd name="connsiteY3" fmla="*/ 942018 h 942018"/>
+              <a:gd name="connsiteX4" fmla="*/ 0 w 941999"/>
+              <a:gd name="connsiteY4" fmla="*/ 0 h 942018"/>
+            </a:gdLst>
+            <a:ahLst/>
+            <a:cxnLst>
+              <a:cxn ang="0">
+                <a:pos x="connsiteX0" y="connsiteY0"/>
+              </a:cxn>
+              <a:cxn ang="0">
+                <a:pos x="connsiteX1" y="connsiteY1"/>
+              </a:cxn>
+              <a:cxn ang="0">
+                <a:pos x="connsiteX2" y="connsiteY2"/>
+              </a:cxn>
+              <a:cxn ang="0">
+                <a:pos x="connsiteX3" y="connsiteY3"/>
+              </a:cxn>
+              <a:cxn ang="0">
+                <a:pos x="connsiteX4" y="connsiteY4"/>
+              </a:cxn>
+            </a:cxnLst>
+            <a:rect l="l" t="t" r="r" b="b"/>
+            <a:pathLst>
+              <a:path w="941999" h="942018">
+                <a:moveTo>
+                  <a:pt x="0" y="0"/>
+                </a:moveTo>
+                <a:lnTo>
+                  <a:pt x="941999" y="0"/>
+                </a:lnTo>
+                <a:lnTo>
+                  <a:pt x="845703" y="4863"/>
+                </a:lnTo>
+                <a:cubicBezTo>
+                  <a:pt x="370684" y="53103"/>
+                  <a:pt x="0" y="454272"/>
+                  <a:pt x="0" y="942018"/>
+                </a:cubicBezTo>
+                <a:lnTo>
+                  <a:pt x="0" y="0"/>
+                </a:lnTo>
+                <a:close/>
+              </a:path>
+            </a:pathLst>
+          </a:custGeom>
+          <a:solidFill>
+            <a:srgbClr val="F1DBEE"/>
+          </a:solidFill>
+          <a:ln>
+            <a:noFill/>
+          </a:ln>
+        </p:spPr>
+        <p:style>
+          <a:lnRef idx="2">
+            <a:schemeClr val="accent1">
+              <a:shade val="50000"/>
+            </a:schemeClr>
+          </a:lnRef>
+          <a:fillRef idx="1">
+            <a:schemeClr val="accent1"/>
+          </a:fillRef>
+          <a:effectRef idx="0">
+            <a:schemeClr val="accent1"/>
+          </a:effectRef>
+          <a:fontRef idx="minor">
+            <a:schemeClr val="lt1"/>
+          </a:fontRef>
+        </p:style>
+        <p:txBody>
+          <a:bodyPr rtlCol="0" anchor="ctr"/>
+          <a:lstStyle/>
+          <a:p>
+            <a:pPr algn="ctr"/>
+            <a:endParaRPr lang="ko-KR" altLang="en-US">
+              <a:solidFill>
+                <a:prstClr val="white"/>
+              </a:solidFill>
+            </a:endParaRPr>
+          </a:p>
+        </p:txBody>
+      </p:sp>
+      <p:sp>
+        <p:nvSpPr>
+          <p:cNvPr id="16" name="자유형 17">
+            <a:extLst>
+              <a:ext uri="{FF2B5EF4-FFF2-40B4-BE49-F238E27FC236}">
+                <a16:creationId xmlns:a16="http://schemas.microsoft.com/office/drawing/2014/main" id="{02363597-6E23-47D7-B49D-4EB59139CA99}"/>
+              </a:ext>
+            </a:extLst>
+          </p:cNvPr>
+          <p:cNvSpPr/>
+          <p:nvPr/>
+        </p:nvSpPr>
+        <p:spPr>
+          <a:xfrm rot="10800000">
+            <a:off x="10672862" y="5518375"/>
+            <a:ext cx="941999" cy="942018"/>
+          </a:xfrm>
+          <a:custGeom>
+            <a:avLst/>
+            <a:gdLst>
+              <a:gd name="connsiteX0" fmla="*/ 0 w 941999"/>
+              <a:gd name="connsiteY0" fmla="*/ 0 h 942018"/>
+              <a:gd name="connsiteX1" fmla="*/ 941999 w 941999"/>
+              <a:gd name="connsiteY1" fmla="*/ 0 h 942018"/>
+              <a:gd name="connsiteX2" fmla="*/ 845703 w 941999"/>
+              <a:gd name="connsiteY2" fmla="*/ 4863 h 942018"/>
+              <a:gd name="connsiteX3" fmla="*/ 0 w 941999"/>
+              <a:gd name="connsiteY3" fmla="*/ 942018 h 942018"/>
+              <a:gd name="connsiteX4" fmla="*/ 0 w 941999"/>
+              <a:gd name="connsiteY4" fmla="*/ 0 h 942018"/>
+            </a:gdLst>
+            <a:ahLst/>
+            <a:cxnLst>
+              <a:cxn ang="0">
+                <a:pos x="connsiteX0" y="connsiteY0"/>
+              </a:cxn>
+              <a:cxn ang="0">
+                <a:pos x="connsiteX1" y="connsiteY1"/>
+              </a:cxn>
+              <a:cxn ang="0">
+                <a:pos x="connsiteX2" y="connsiteY2"/>
+              </a:cxn>
+              <a:cxn ang="0">
+                <a:pos x="connsiteX3" y="connsiteY3"/>
+              </a:cxn>
+              <a:cxn ang="0">
+                <a:pos x="connsiteX4" y="connsiteY4"/>
+              </a:cxn>
+            </a:cxnLst>
+            <a:rect l="l" t="t" r="r" b="b"/>
+            <a:pathLst>
+              <a:path w="941999" h="942018">
+                <a:moveTo>
+                  <a:pt x="0" y="0"/>
+                </a:moveTo>
+                <a:lnTo>
+                  <a:pt x="941999" y="0"/>
+                </a:lnTo>
+                <a:lnTo>
+                  <a:pt x="845703" y="4863"/>
+                </a:lnTo>
+                <a:cubicBezTo>
+                  <a:pt x="370684" y="53103"/>
+                  <a:pt x="0" y="454272"/>
+                  <a:pt x="0" y="942018"/>
+                </a:cubicBezTo>
+                <a:lnTo>
+                  <a:pt x="0" y="0"/>
+                </a:lnTo>
+                <a:close/>
+              </a:path>
+            </a:pathLst>
+          </a:custGeom>
+          <a:solidFill>
+            <a:srgbClr val="F1DBEE"/>
+          </a:solidFill>
+          <a:ln>
+            <a:noFill/>
+          </a:ln>
+        </p:spPr>
+        <p:style>
+          <a:lnRef idx="2">
+            <a:schemeClr val="accent1">
+              <a:shade val="50000"/>
+            </a:schemeClr>
+          </a:lnRef>
+          <a:fillRef idx="1">
+            <a:schemeClr val="accent1"/>
+          </a:fillRef>
+          <a:effectRef idx="0">
+            <a:schemeClr val="accent1"/>
+          </a:effectRef>
+          <a:fontRef idx="minor">
+            <a:schemeClr val="lt1"/>
+          </a:fontRef>
+        </p:style>
+        <p:txBody>
+          <a:bodyPr rtlCol="0" anchor="ctr"/>
+          <a:lstStyle/>
+          <a:p>
+            <a:pPr algn="ctr"/>
+            <a:endParaRPr lang="ko-KR" altLang="en-US">
+              <a:solidFill>
+                <a:prstClr val="white"/>
+              </a:solidFill>
+            </a:endParaRPr>
+          </a:p>
+        </p:txBody>
+      </p:sp>
+      <p:sp>
+        <p:nvSpPr>
+          <p:cNvPr id="21" name="직사각형 20">
+            <a:extLst>
+              <a:ext uri="{FF2B5EF4-FFF2-40B4-BE49-F238E27FC236}">
+                <a16:creationId xmlns:a16="http://schemas.microsoft.com/office/drawing/2014/main" id="{A406BFA2-D3CD-432E-82D9-8C7181F8F351}"/>
+              </a:ext>
+            </a:extLst>
+          </p:cNvPr>
+          <p:cNvSpPr/>
+          <p:nvPr/>
+        </p:nvSpPr>
+        <p:spPr>
+          <a:xfrm>
+            <a:off x="763705" y="712382"/>
+            <a:ext cx="5926462" cy="658710"/>
+          </a:xfrm>
+          <a:prstGeom prst="rect">
+            <a:avLst/>
+          </a:prstGeom>
+          <a:noFill/>
+          <a:ln>
+            <a:noFill/>
+          </a:ln>
+        </p:spPr>
+        <p:style>
+          <a:lnRef idx="2">
+            <a:schemeClr val="accent1">
+              <a:shade val="50000"/>
+            </a:schemeClr>
+          </a:lnRef>
+          <a:fillRef idx="1">
+            <a:schemeClr val="accent1"/>
+          </a:fillRef>
+          <a:effectRef idx="0">
+            <a:schemeClr val="accent1"/>
+          </a:effectRef>
+          <a:fontRef idx="minor">
+            <a:schemeClr val="lt1"/>
+          </a:fontRef>
+        </p:style>
+        <p:txBody>
+          <a:bodyPr lIns="0" tIns="0" rIns="0" bIns="0" rtlCol="0" anchor="ctr"/>
+          <a:lstStyle/>
+          <a:p>
+            <a:pPr algn="ctr"/>
+            <a:r>
+              <a:rPr lang="en-US" altLang="ko-KR" sz="4000">
+                <a:solidFill>
+                  <a:schemeClr val="accent1">
+                    <a:lumMod val="75000"/>
+                  </a:schemeClr>
+                </a:solidFill>
+                <a:latin typeface="210 맨발의청춘 B" panose="02020603020101020101" pitchFamily="18" charset="-127"/>
+                <a:ea typeface="210 맨발의청춘 B" panose="02020603020101020101" pitchFamily="18" charset="-127"/>
+                <a:cs typeface="Aharoni" panose="02010803020104030203" pitchFamily="2" charset="-79"/>
+              </a:rPr>
+              <a:t>3. </a:t>
+            </a:r>
+            <a:r>
+              <a:rPr lang="ko-KR" altLang="en-US" sz="4000">
+                <a:solidFill>
+                  <a:schemeClr val="accent1">
+                    <a:lumMod val="75000"/>
+                  </a:schemeClr>
+                </a:solidFill>
+                <a:latin typeface="210 맨발의청춘 B" panose="02020603020101020101" pitchFamily="18" charset="-127"/>
+                <a:ea typeface="210 맨발의청춘 B" panose="02020603020101020101" pitchFamily="18" charset="-127"/>
+                <a:cs typeface="Aharoni" panose="02010803020104030203" pitchFamily="2" charset="-79"/>
+              </a:rPr>
+              <a:t>결과물</a:t>
+            </a:r>
+            <a:endParaRPr lang="en-US" altLang="ko-KR" sz="4000" dirty="0">
+              <a:solidFill>
+                <a:schemeClr val="accent1">
+                  <a:lumMod val="75000"/>
+                </a:schemeClr>
+              </a:solidFill>
+              <a:latin typeface="210 맨발의청춘 B" panose="02020603020101020101" pitchFamily="18" charset="-127"/>
+              <a:ea typeface="210 맨발의청춘 B" panose="02020603020101020101" pitchFamily="18" charset="-127"/>
+              <a:cs typeface="Aharoni" panose="02010803020104030203" pitchFamily="2" charset="-79"/>
+            </a:endParaRPr>
+          </a:p>
+        </p:txBody>
+      </p:sp>
+      <p:sp>
+        <p:nvSpPr>
+          <p:cNvPr id="3" name="TextBox 2">
+            <a:extLst>
+              <a:ext uri="{FF2B5EF4-FFF2-40B4-BE49-F238E27FC236}">
+                <a16:creationId xmlns:a16="http://schemas.microsoft.com/office/drawing/2014/main" id="{BCF27861-19DF-415B-B3DE-B7A0C60D4F7E}"/>
+              </a:ext>
+            </a:extLst>
+          </p:cNvPr>
+          <p:cNvSpPr txBox="1"/>
+          <p:nvPr/>
+        </p:nvSpPr>
+        <p:spPr>
+          <a:xfrm>
+            <a:off x="3102015" y="3429000"/>
+            <a:ext cx="5532699" cy="477054"/>
+          </a:xfrm>
+          <a:prstGeom prst="rect">
+            <a:avLst/>
+          </a:prstGeom>
+          <a:noFill/>
+        </p:spPr>
+        <p:txBody>
+          <a:bodyPr wrap="square" rtlCol="0">
+            <a:spAutoFit/>
+          </a:bodyPr>
+          <a:lstStyle/>
+          <a:p>
+            <a:pPr algn="ctr"/>
+            <a:r>
+              <a:rPr lang="ko-KR" altLang="en-US" sz="2500">
+                <a:solidFill>
+                  <a:schemeClr val="accent1">
+                    <a:lumMod val="75000"/>
+                  </a:schemeClr>
+                </a:solidFill>
+                <a:latin typeface="210 맨발의청춘 B" panose="02020603020101020101" pitchFamily="18" charset="-127"/>
+                <a:ea typeface="210 맨발의청춘 B" panose="02020603020101020101" pitchFamily="18" charset="-127"/>
+                <a:cs typeface="Aharoni" panose="02010803020104030203" pitchFamily="2" charset="-79"/>
+              </a:rPr>
+              <a:t>이미지</a:t>
+            </a:r>
+            <a:endParaRPr lang="en-US" altLang="ko-KR" sz="2500" dirty="0">
+              <a:solidFill>
+                <a:schemeClr val="accent1">
+                  <a:lumMod val="75000"/>
+                </a:schemeClr>
+              </a:solidFill>
+              <a:latin typeface="210 맨발의청춘 B" panose="02020603020101020101" pitchFamily="18" charset="-127"/>
+              <a:ea typeface="210 맨발의청춘 B" panose="02020603020101020101" pitchFamily="18" charset="-127"/>
+              <a:cs typeface="Aharoni" panose="02010803020104030203" pitchFamily="2" charset="-79"/>
+            </a:endParaRPr>
+          </a:p>
+        </p:txBody>
+      </p:sp>
+    </p:spTree>
+    <p:extLst>
+      <p:ext uri="{BB962C8B-B14F-4D97-AF65-F5344CB8AC3E}">
+        <p14:creationId xmlns:p14="http://schemas.microsoft.com/office/powerpoint/2010/main" val="1389524153"/>
+      </p:ext>
+    </p:extLst>
+  </p:cSld>
+  <p:clrMapOvr>
+    <a:masterClrMapping/>
+  </p:clrMapOvr>
+</p:sld>
+</file>
+
+<file path=ppt/slides/slide24.xml><?xml version="1.0" encoding="utf-8"?>
 <p:sld xmlns:a="http://schemas.openxmlformats.org/drawingml/2006/main" xmlns:r="http://schemas.openxmlformats.org/officeDocument/2006/relationships" xmlns:p="http://schemas.openxmlformats.org/presentationml/2006/main">
   <p:cSld>
     <p:spTree>
@@ -13570,7 +17543,7 @@
 </p:sld>
 </file>
 
-<file path=ppt/slides/slide2.xml><?xml version="1.0" encoding="utf-8"?>
+<file path=ppt/slides/slide3.xml><?xml version="1.0" encoding="utf-8"?>
 <p:sld xmlns:a="http://schemas.openxmlformats.org/drawingml/2006/main" xmlns:r="http://schemas.openxmlformats.org/officeDocument/2006/relationships" xmlns:p="http://schemas.openxmlformats.org/presentationml/2006/main">
   <p:cSld>
     <p:spTree>
@@ -13890,62 +17863,6 @@
       </p:sp>
       <p:sp>
         <p:nvSpPr>
-          <p:cNvPr id="20" name="직사각형 19"/>
-          <p:cNvSpPr/>
-          <p:nvPr/>
-        </p:nvSpPr>
-        <p:spPr>
-          <a:xfrm>
-            <a:off x="756735" y="640225"/>
-            <a:ext cx="2669062" cy="1097007"/>
-          </a:xfrm>
-          <a:prstGeom prst="rect">
-            <a:avLst/>
-          </a:prstGeom>
-          <a:noFill/>
-          <a:ln>
-            <a:noFill/>
-          </a:ln>
-        </p:spPr>
-        <p:style>
-          <a:lnRef idx="2">
-            <a:schemeClr val="accent1">
-              <a:shade val="50000"/>
-            </a:schemeClr>
-          </a:lnRef>
-          <a:fillRef idx="1">
-            <a:schemeClr val="accent1"/>
-          </a:fillRef>
-          <a:effectRef idx="0">
-            <a:schemeClr val="accent1"/>
-          </a:effectRef>
-          <a:fontRef idx="minor">
-            <a:schemeClr val="lt1"/>
-          </a:fontRef>
-        </p:style>
-        <p:txBody>
-          <a:bodyPr lIns="0" tIns="0" rIns="0" bIns="0" rtlCol="0" anchor="ctr"/>
-          <a:lstStyle/>
-          <a:p>
-            <a:pPr algn="ctr"/>
-            <a:r>
-              <a:rPr lang="en-US" altLang="ko-KR" sz="6000" dirty="0">
-                <a:solidFill>
-                  <a:schemeClr val="accent1">
-                    <a:lumMod val="75000"/>
-                  </a:schemeClr>
-                </a:solidFill>
-                <a:latin typeface="210 맨발의청춘 B" panose="02020603020101020101" pitchFamily="18" charset="-127"/>
-                <a:ea typeface="210 맨발의청춘 B" panose="02020603020101020101" pitchFamily="18" charset="-127"/>
-                <a:cs typeface="Aharoni" panose="02010803020104030203" pitchFamily="2" charset="-79"/>
-              </a:rPr>
-              <a:t>INDEX</a:t>
-            </a:r>
-          </a:p>
-        </p:txBody>
-      </p:sp>
-      <p:sp>
-        <p:nvSpPr>
           <p:cNvPr id="16" name="자유형 17">
             <a:extLst>
               <a:ext uri="{FF2B5EF4-FFF2-40B4-BE49-F238E27FC236}">
@@ -14055,86 +17972,128 @@
       </p:sp>
       <p:sp>
         <p:nvSpPr>
-          <p:cNvPr id="10" name="TextBox 9">
+          <p:cNvPr id="21" name="직사각형 20">
             <a:extLst>
               <a:ext uri="{FF2B5EF4-FFF2-40B4-BE49-F238E27FC236}">
-                <a16:creationId xmlns:a16="http://schemas.microsoft.com/office/drawing/2014/main" id="{7915FE62-605F-4889-AF87-E9A175C0B1FE}"/>
+                <a16:creationId xmlns:a16="http://schemas.microsoft.com/office/drawing/2014/main" id="{A406BFA2-D3CD-432E-82D9-8C7181F8F351}"/>
               </a:ext>
             </a:extLst>
           </p:cNvPr>
-          <p:cNvSpPr txBox="1"/>
+          <p:cNvSpPr/>
           <p:nvPr/>
         </p:nvSpPr>
         <p:spPr>
           <a:xfrm>
-            <a:off x="3906036" y="2121408"/>
-            <a:ext cx="4431021" cy="1388072"/>
+            <a:off x="1006771" y="712382"/>
+            <a:ext cx="3715698" cy="658710"/>
           </a:xfrm>
           <a:prstGeom prst="rect">
             <a:avLst/>
           </a:prstGeom>
           <a:noFill/>
+          <a:ln>
+            <a:noFill/>
+          </a:ln>
         </p:spPr>
-        <p:txBody>
-          <a:bodyPr wrap="none" rtlCol="0">
-            <a:spAutoFit/>
-          </a:bodyPr>
-          <a:lstStyle/>
-          <a:p>
-            <a:pPr marL="514350" indent="-514350">
-              <a:lnSpc>
-                <a:spcPct val="150000"/>
-              </a:lnSpc>
-              <a:buAutoNum type="arabicPeriod"/>
-            </a:pPr>
+        <p:style>
+          <a:lnRef idx="2">
+            <a:schemeClr val="accent1">
+              <a:shade val="50000"/>
+            </a:schemeClr>
+          </a:lnRef>
+          <a:fillRef idx="1">
+            <a:schemeClr val="accent1"/>
+          </a:fillRef>
+          <a:effectRef idx="0">
+            <a:schemeClr val="accent1"/>
+          </a:effectRef>
+          <a:fontRef idx="minor">
+            <a:schemeClr val="lt1"/>
+          </a:fontRef>
+        </p:style>
+        <p:txBody>
+          <a:bodyPr lIns="0" tIns="0" rIns="0" bIns="0" rtlCol="0" anchor="ctr"/>
+          <a:lstStyle/>
+          <a:p>
             <a:r>
-              <a:rPr lang="ko-KR" altLang="en-US" sz="3000">
+              <a:rPr lang="en-US" altLang="ko-KR" sz="4000">
                 <a:solidFill>
                   <a:schemeClr val="accent1">
-                    <a:lumMod val="50000"/>
+                    <a:lumMod val="75000"/>
                   </a:schemeClr>
                 </a:solidFill>
-                <a:latin typeface="210 맨발의청춘 L" panose="02020603020101020101" pitchFamily="18" charset="-127"/>
-                <a:ea typeface="210 맨발의청춘 L" panose="02020603020101020101" pitchFamily="18" charset="-127"/>
+                <a:latin typeface="210 맨발의청춘 B" panose="02020603020101020101" pitchFamily="18" charset="-127"/>
+                <a:ea typeface="210 맨발의청춘 B" panose="02020603020101020101" pitchFamily="18" charset="-127"/>
+                <a:cs typeface="Aharoni" panose="02010803020104030203" pitchFamily="2" charset="-79"/>
               </a:rPr>
-              <a:t>크롤링 </a:t>
+              <a:t>1. </a:t>
             </a:r>
             <a:r>
-              <a:rPr lang="en-US" altLang="ko-KR" sz="3000">
+              <a:rPr lang="ko-KR" altLang="en-US" sz="4000">
                 <a:solidFill>
                   <a:schemeClr val="accent1">
-                    <a:lumMod val="50000"/>
+                    <a:lumMod val="75000"/>
                   </a:schemeClr>
                 </a:solidFill>
-                <a:latin typeface="210 맨발의청춘 L" panose="02020603020101020101" pitchFamily="18" charset="-127"/>
-                <a:ea typeface="210 맨발의청춘 L" panose="02020603020101020101" pitchFamily="18" charset="-127"/>
+                <a:latin typeface="210 맨발의청춘 B" panose="02020603020101020101" pitchFamily="18" charset="-127"/>
+                <a:ea typeface="210 맨발의청춘 B" panose="02020603020101020101" pitchFamily="18" charset="-127"/>
+                <a:cs typeface="Aharoni" panose="02010803020104030203" pitchFamily="2" charset="-79"/>
               </a:rPr>
-              <a:t>Class diagram</a:t>
+              <a:t>소통 및 협업</a:t>
             </a:r>
-          </a:p>
-          <a:p>
-            <a:pPr marL="514350" indent="-514350">
-              <a:lnSpc>
-                <a:spcPct val="150000"/>
-              </a:lnSpc>
-              <a:buAutoNum type="arabicPeriod"/>
-            </a:pPr>
-            <a:endParaRPr lang="ko-KR" altLang="en-US" sz="3000" dirty="0">
+            <a:endParaRPr lang="en-US" altLang="ko-KR" sz="4000" dirty="0">
               <a:solidFill>
                 <a:schemeClr val="accent1">
-                  <a:lumMod val="50000"/>
+                  <a:lumMod val="75000"/>
                 </a:schemeClr>
               </a:solidFill>
-              <a:latin typeface="210 맨발의청춘 L" panose="02020603020101020101" pitchFamily="18" charset="-127"/>
-              <a:ea typeface="210 맨발의청춘 L" panose="02020603020101020101" pitchFamily="18" charset="-127"/>
+              <a:latin typeface="210 맨발의청춘 B" panose="02020603020101020101" pitchFamily="18" charset="-127"/>
+              <a:ea typeface="210 맨발의청춘 B" panose="02020603020101020101" pitchFamily="18" charset="-127"/>
+              <a:cs typeface="Aharoni" panose="02010803020104030203" pitchFamily="2" charset="-79"/>
             </a:endParaRPr>
           </a:p>
         </p:txBody>
       </p:sp>
+      <p:pic>
+        <p:nvPicPr>
+          <p:cNvPr id="7" name="그림 6" descr="스크린샷, 모니터, 검은색, 화면이(가) 표시된 사진&#10;&#10;자동 생성된 설명">
+            <a:extLst>
+              <a:ext uri="{FF2B5EF4-FFF2-40B4-BE49-F238E27FC236}">
+                <a16:creationId xmlns:a16="http://schemas.microsoft.com/office/drawing/2014/main" id="{73070221-6085-4989-BA57-67D93A2AE232}"/>
+              </a:ext>
+            </a:extLst>
+          </p:cNvPr>
+          <p:cNvPicPr>
+            <a:picLocks noChangeAspect="1"/>
+          </p:cNvPicPr>
+          <p:nvPr/>
+        </p:nvPicPr>
+        <p:blipFill>
+          <a:blip r:embed="rId3">
+            <a:extLst>
+              <a:ext uri="{28A0092B-C50C-407E-A947-70E740481C1C}">
+                <a14:useLocalDpi xmlns:a14="http://schemas.microsoft.com/office/drawing/2010/main" val="0"/>
+              </a:ext>
+            </a:extLst>
+          </a:blip>
+          <a:stretch>
+            <a:fillRect/>
+          </a:stretch>
+        </p:blipFill>
+        <p:spPr>
+          <a:xfrm>
+            <a:off x="1172324" y="1459513"/>
+            <a:ext cx="9842339" cy="4648171"/>
+          </a:xfrm>
+          <a:prstGeom prst="rect">
+            <a:avLst/>
+          </a:prstGeom>
+        </p:spPr>
+      </p:pic>
     </p:spTree>
     <p:extLst>
       <p:ext uri="{BB962C8B-B14F-4D97-AF65-F5344CB8AC3E}">
-        <p14:creationId xmlns:p14="http://schemas.microsoft.com/office/powerpoint/2010/main" val="648303183"/>
+        <p14:creationId xmlns:p14="http://schemas.microsoft.com/office/powerpoint/2010/main" val="64752275"/>
       </p:ext>
     </p:extLst>
   </p:cSld>
@@ -14144,7 +18103,7 @@
 </p:sld>
 </file>
 
-<file path=ppt/slides/slide3.xml><?xml version="1.0" encoding="utf-8"?>
+<file path=ppt/slides/slide4.xml><?xml version="1.0" encoding="utf-8"?>
 <p:sld xmlns:a="http://schemas.openxmlformats.org/drawingml/2006/main" xmlns:r="http://schemas.openxmlformats.org/officeDocument/2006/relationships" xmlns:p="http://schemas.openxmlformats.org/presentationml/2006/main">
   <p:cSld>
     <p:spTree>
@@ -14585,6 +18544,566 @@
         </p:nvSpPr>
         <p:spPr>
           <a:xfrm>
+            <a:off x="1006771" y="712382"/>
+            <a:ext cx="3715698" cy="658710"/>
+          </a:xfrm>
+          <a:prstGeom prst="rect">
+            <a:avLst/>
+          </a:prstGeom>
+          <a:noFill/>
+          <a:ln>
+            <a:noFill/>
+          </a:ln>
+        </p:spPr>
+        <p:style>
+          <a:lnRef idx="2">
+            <a:schemeClr val="accent1">
+              <a:shade val="50000"/>
+            </a:schemeClr>
+          </a:lnRef>
+          <a:fillRef idx="1">
+            <a:schemeClr val="accent1"/>
+          </a:fillRef>
+          <a:effectRef idx="0">
+            <a:schemeClr val="accent1"/>
+          </a:effectRef>
+          <a:fontRef idx="minor">
+            <a:schemeClr val="lt1"/>
+          </a:fontRef>
+        </p:style>
+        <p:txBody>
+          <a:bodyPr lIns="0" tIns="0" rIns="0" bIns="0" rtlCol="0" anchor="ctr"/>
+          <a:lstStyle/>
+          <a:p>
+            <a:r>
+              <a:rPr lang="en-US" altLang="ko-KR" sz="4000">
+                <a:solidFill>
+                  <a:schemeClr val="accent1">
+                    <a:lumMod val="75000"/>
+                  </a:schemeClr>
+                </a:solidFill>
+                <a:latin typeface="210 맨발의청춘 B" panose="02020603020101020101" pitchFamily="18" charset="-127"/>
+                <a:ea typeface="210 맨발의청춘 B" panose="02020603020101020101" pitchFamily="18" charset="-127"/>
+                <a:cs typeface="Aharoni" panose="02010803020104030203" pitchFamily="2" charset="-79"/>
+              </a:rPr>
+              <a:t>1. </a:t>
+            </a:r>
+            <a:r>
+              <a:rPr lang="ko-KR" altLang="en-US" sz="4000">
+                <a:solidFill>
+                  <a:schemeClr val="accent1">
+                    <a:lumMod val="75000"/>
+                  </a:schemeClr>
+                </a:solidFill>
+                <a:latin typeface="210 맨발의청춘 B" panose="02020603020101020101" pitchFamily="18" charset="-127"/>
+                <a:ea typeface="210 맨발의청춘 B" panose="02020603020101020101" pitchFamily="18" charset="-127"/>
+                <a:cs typeface="Aharoni" panose="02010803020104030203" pitchFamily="2" charset="-79"/>
+              </a:rPr>
+              <a:t>소통 및 협업</a:t>
+            </a:r>
+            <a:endParaRPr lang="en-US" altLang="ko-KR" sz="4000" dirty="0">
+              <a:solidFill>
+                <a:schemeClr val="accent1">
+                  <a:lumMod val="75000"/>
+                </a:schemeClr>
+              </a:solidFill>
+              <a:latin typeface="210 맨발의청춘 B" panose="02020603020101020101" pitchFamily="18" charset="-127"/>
+              <a:ea typeface="210 맨발의청춘 B" panose="02020603020101020101" pitchFamily="18" charset="-127"/>
+              <a:cs typeface="Aharoni" panose="02010803020104030203" pitchFamily="2" charset="-79"/>
+            </a:endParaRPr>
+          </a:p>
+        </p:txBody>
+      </p:sp>
+      <p:pic>
+        <p:nvPicPr>
+          <p:cNvPr id="4" name="그림 3" descr="스크린샷, 앉아있는, 검은색, 모니터이(가) 표시된 사진&#10;&#10;자동 생성된 설명">
+            <a:extLst>
+              <a:ext uri="{FF2B5EF4-FFF2-40B4-BE49-F238E27FC236}">
+                <a16:creationId xmlns:a16="http://schemas.microsoft.com/office/drawing/2014/main" id="{D9B578E1-58DE-4B13-99F9-732E53201B34}"/>
+              </a:ext>
+            </a:extLst>
+          </p:cNvPr>
+          <p:cNvPicPr>
+            <a:picLocks noChangeAspect="1"/>
+          </p:cNvPicPr>
+          <p:nvPr/>
+        </p:nvPicPr>
+        <p:blipFill>
+          <a:blip r:embed="rId3">
+            <a:extLst>
+              <a:ext uri="{28A0092B-C50C-407E-A947-70E740481C1C}">
+                <a14:useLocalDpi xmlns:a14="http://schemas.microsoft.com/office/drawing/2010/main" val="0"/>
+              </a:ext>
+            </a:extLst>
+          </a:blip>
+          <a:stretch>
+            <a:fillRect/>
+          </a:stretch>
+        </p:blipFill>
+        <p:spPr>
+          <a:xfrm>
+            <a:off x="1222904" y="1388662"/>
+            <a:ext cx="9599425" cy="4768059"/>
+          </a:xfrm>
+          <a:prstGeom prst="rect">
+            <a:avLst/>
+          </a:prstGeom>
+        </p:spPr>
+      </p:pic>
+    </p:spTree>
+    <p:extLst>
+      <p:ext uri="{BB962C8B-B14F-4D97-AF65-F5344CB8AC3E}">
+        <p14:creationId xmlns:p14="http://schemas.microsoft.com/office/powerpoint/2010/main" val="844607844"/>
+      </p:ext>
+    </p:extLst>
+  </p:cSld>
+  <p:clrMapOvr>
+    <a:masterClrMapping/>
+  </p:clrMapOvr>
+</p:sld>
+</file>
+
+<file path=ppt/slides/slide5.xml><?xml version="1.0" encoding="utf-8"?>
+<p:sld xmlns:a="http://schemas.openxmlformats.org/drawingml/2006/main" xmlns:r="http://schemas.openxmlformats.org/officeDocument/2006/relationships" xmlns:p="http://schemas.openxmlformats.org/presentationml/2006/main">
+  <p:cSld>
+    <p:spTree>
+      <p:nvGrpSpPr>
+        <p:cNvPr id="1" name=""/>
+        <p:cNvGrpSpPr/>
+        <p:nvPr/>
+      </p:nvGrpSpPr>
+      <p:grpSpPr>
+        <a:xfrm>
+          <a:off x="0" y="0"/>
+          <a:ext cx="0" cy="0"/>
+          <a:chOff x="0" y="0"/>
+          <a:chExt cx="0" cy="0"/>
+        </a:xfrm>
+      </p:grpSpPr>
+      <p:sp>
+        <p:nvSpPr>
+          <p:cNvPr id="2" name="직사각형 1"/>
+          <p:cNvSpPr/>
+          <p:nvPr/>
+        </p:nvSpPr>
+        <p:spPr>
+          <a:xfrm>
+            <a:off x="-1" y="0"/>
+            <a:ext cx="12192000" cy="6858000"/>
+          </a:xfrm>
+          <a:prstGeom prst="rect">
+            <a:avLst/>
+          </a:prstGeom>
+          <a:solidFill>
+            <a:srgbClr val="AFD9E9"/>
+          </a:solidFill>
+          <a:ln>
+            <a:solidFill>
+              <a:srgbClr val="AFD9E9"/>
+            </a:solidFill>
+          </a:ln>
+        </p:spPr>
+        <p:style>
+          <a:lnRef idx="2">
+            <a:schemeClr val="accent1">
+              <a:shade val="50000"/>
+            </a:schemeClr>
+          </a:lnRef>
+          <a:fillRef idx="1">
+            <a:schemeClr val="accent1"/>
+          </a:fillRef>
+          <a:effectRef idx="0">
+            <a:schemeClr val="accent1"/>
+          </a:effectRef>
+          <a:fontRef idx="minor">
+            <a:schemeClr val="lt1"/>
+          </a:fontRef>
+        </p:style>
+        <p:txBody>
+          <a:bodyPr rtlCol="0" anchor="ctr"/>
+          <a:lstStyle/>
+          <a:p>
+            <a:pPr algn="ctr"/>
+            <a:endParaRPr lang="ko-KR" altLang="en-US"/>
+          </a:p>
+        </p:txBody>
+      </p:sp>
+      <p:sp>
+        <p:nvSpPr>
+          <p:cNvPr id="5" name="평행 사변형 4"/>
+          <p:cNvSpPr/>
+          <p:nvPr/>
+        </p:nvSpPr>
+        <p:spPr>
+          <a:xfrm flipH="1">
+            <a:off x="-2506" y="0"/>
+            <a:ext cx="12192000" cy="6858000"/>
+          </a:xfrm>
+          <a:prstGeom prst="parallelogram">
+            <a:avLst/>
+          </a:prstGeom>
+          <a:solidFill>
+            <a:srgbClr val="9CCFE4"/>
+          </a:solidFill>
+          <a:ln>
+            <a:noFill/>
+          </a:ln>
+        </p:spPr>
+        <p:style>
+          <a:lnRef idx="2">
+            <a:schemeClr val="accent1">
+              <a:shade val="50000"/>
+            </a:schemeClr>
+          </a:lnRef>
+          <a:fillRef idx="1">
+            <a:schemeClr val="accent1"/>
+          </a:fillRef>
+          <a:effectRef idx="0">
+            <a:schemeClr val="accent1"/>
+          </a:effectRef>
+          <a:fontRef idx="minor">
+            <a:schemeClr val="lt1"/>
+          </a:fontRef>
+        </p:style>
+        <p:txBody>
+          <a:bodyPr rtlCol="0" anchor="ctr"/>
+          <a:lstStyle/>
+          <a:p>
+            <a:pPr algn="ctr"/>
+            <a:endParaRPr lang="ko-KR" altLang="en-US">
+              <a:solidFill>
+                <a:prstClr val="white"/>
+              </a:solidFill>
+            </a:endParaRPr>
+          </a:p>
+        </p:txBody>
+      </p:sp>
+      <p:sp>
+        <p:nvSpPr>
+          <p:cNvPr id="6" name="직각 삼각형 5"/>
+          <p:cNvSpPr/>
+          <p:nvPr/>
+        </p:nvSpPr>
+        <p:spPr>
+          <a:xfrm flipH="1">
+            <a:off x="1956816" y="4736592"/>
+            <a:ext cx="10235184" cy="2121408"/>
+          </a:xfrm>
+          <a:prstGeom prst="rtTriangle">
+            <a:avLst/>
+          </a:prstGeom>
+          <a:solidFill>
+            <a:srgbClr val="84BDD1"/>
+          </a:solidFill>
+          <a:ln>
+            <a:noFill/>
+          </a:ln>
+        </p:spPr>
+        <p:style>
+          <a:lnRef idx="2">
+            <a:schemeClr val="accent1">
+              <a:shade val="50000"/>
+            </a:schemeClr>
+          </a:lnRef>
+          <a:fillRef idx="1">
+            <a:schemeClr val="accent1"/>
+          </a:fillRef>
+          <a:effectRef idx="0">
+            <a:schemeClr val="accent1"/>
+          </a:effectRef>
+          <a:fontRef idx="minor">
+            <a:schemeClr val="lt1"/>
+          </a:fontRef>
+        </p:style>
+        <p:txBody>
+          <a:bodyPr rtlCol="0" anchor="ctr"/>
+          <a:lstStyle/>
+          <a:p>
+            <a:pPr algn="ctr"/>
+            <a:endParaRPr lang="ko-KR" altLang="en-US" dirty="0">
+              <a:solidFill>
+                <a:prstClr val="white"/>
+              </a:solidFill>
+            </a:endParaRPr>
+          </a:p>
+        </p:txBody>
+      </p:sp>
+      <p:sp>
+        <p:nvSpPr>
+          <p:cNvPr id="8" name="직사각형 7"/>
+          <p:cNvSpPr/>
+          <p:nvPr/>
+        </p:nvSpPr>
+        <p:spPr>
+          <a:xfrm>
+            <a:off x="577138" y="397607"/>
+            <a:ext cx="11037723" cy="6062786"/>
+          </a:xfrm>
+          <a:prstGeom prst="rect">
+            <a:avLst/>
+          </a:prstGeom>
+          <a:solidFill>
+            <a:schemeClr val="bg1"/>
+          </a:solidFill>
+          <a:ln>
+            <a:noFill/>
+          </a:ln>
+        </p:spPr>
+        <p:style>
+          <a:lnRef idx="2">
+            <a:schemeClr val="accent1">
+              <a:shade val="50000"/>
+            </a:schemeClr>
+          </a:lnRef>
+          <a:fillRef idx="1">
+            <a:schemeClr val="accent1"/>
+          </a:fillRef>
+          <a:effectRef idx="0">
+            <a:schemeClr val="accent1"/>
+          </a:effectRef>
+          <a:fontRef idx="minor">
+            <a:schemeClr val="lt1"/>
+          </a:fontRef>
+        </p:style>
+        <p:txBody>
+          <a:bodyPr rtlCol="0" anchor="ctr"/>
+          <a:lstStyle/>
+          <a:p>
+            <a:pPr algn="ctr"/>
+            <a:endParaRPr lang="ko-KR" altLang="en-US" dirty="0">
+              <a:solidFill>
+                <a:prstClr val="white"/>
+              </a:solidFill>
+            </a:endParaRPr>
+          </a:p>
+        </p:txBody>
+      </p:sp>
+      <p:sp>
+        <p:nvSpPr>
+          <p:cNvPr id="18" name="자유형 17"/>
+          <p:cNvSpPr/>
+          <p:nvPr/>
+        </p:nvSpPr>
+        <p:spPr>
+          <a:xfrm>
+            <a:off x="574633" y="397607"/>
+            <a:ext cx="941999" cy="942018"/>
+          </a:xfrm>
+          <a:custGeom>
+            <a:avLst/>
+            <a:gdLst>
+              <a:gd name="connsiteX0" fmla="*/ 0 w 941999"/>
+              <a:gd name="connsiteY0" fmla="*/ 0 h 942018"/>
+              <a:gd name="connsiteX1" fmla="*/ 941999 w 941999"/>
+              <a:gd name="connsiteY1" fmla="*/ 0 h 942018"/>
+              <a:gd name="connsiteX2" fmla="*/ 845703 w 941999"/>
+              <a:gd name="connsiteY2" fmla="*/ 4863 h 942018"/>
+              <a:gd name="connsiteX3" fmla="*/ 0 w 941999"/>
+              <a:gd name="connsiteY3" fmla="*/ 942018 h 942018"/>
+              <a:gd name="connsiteX4" fmla="*/ 0 w 941999"/>
+              <a:gd name="connsiteY4" fmla="*/ 0 h 942018"/>
+            </a:gdLst>
+            <a:ahLst/>
+            <a:cxnLst>
+              <a:cxn ang="0">
+                <a:pos x="connsiteX0" y="connsiteY0"/>
+              </a:cxn>
+              <a:cxn ang="0">
+                <a:pos x="connsiteX1" y="connsiteY1"/>
+              </a:cxn>
+              <a:cxn ang="0">
+                <a:pos x="connsiteX2" y="connsiteY2"/>
+              </a:cxn>
+              <a:cxn ang="0">
+                <a:pos x="connsiteX3" y="connsiteY3"/>
+              </a:cxn>
+              <a:cxn ang="0">
+                <a:pos x="connsiteX4" y="connsiteY4"/>
+              </a:cxn>
+            </a:cxnLst>
+            <a:rect l="l" t="t" r="r" b="b"/>
+            <a:pathLst>
+              <a:path w="941999" h="942018">
+                <a:moveTo>
+                  <a:pt x="0" y="0"/>
+                </a:moveTo>
+                <a:lnTo>
+                  <a:pt x="941999" y="0"/>
+                </a:lnTo>
+                <a:lnTo>
+                  <a:pt x="845703" y="4863"/>
+                </a:lnTo>
+                <a:cubicBezTo>
+                  <a:pt x="370684" y="53103"/>
+                  <a:pt x="0" y="454272"/>
+                  <a:pt x="0" y="942018"/>
+                </a:cubicBezTo>
+                <a:lnTo>
+                  <a:pt x="0" y="0"/>
+                </a:lnTo>
+                <a:close/>
+              </a:path>
+            </a:pathLst>
+          </a:custGeom>
+          <a:solidFill>
+            <a:srgbClr val="F1DBEE"/>
+          </a:solidFill>
+          <a:ln>
+            <a:noFill/>
+          </a:ln>
+        </p:spPr>
+        <p:style>
+          <a:lnRef idx="2">
+            <a:schemeClr val="accent1">
+              <a:shade val="50000"/>
+            </a:schemeClr>
+          </a:lnRef>
+          <a:fillRef idx="1">
+            <a:schemeClr val="accent1"/>
+          </a:fillRef>
+          <a:effectRef idx="0">
+            <a:schemeClr val="accent1"/>
+          </a:effectRef>
+          <a:fontRef idx="minor">
+            <a:schemeClr val="lt1"/>
+          </a:fontRef>
+        </p:style>
+        <p:txBody>
+          <a:bodyPr rtlCol="0" anchor="ctr"/>
+          <a:lstStyle/>
+          <a:p>
+            <a:pPr algn="ctr"/>
+            <a:endParaRPr lang="ko-KR" altLang="en-US">
+              <a:solidFill>
+                <a:prstClr val="white"/>
+              </a:solidFill>
+            </a:endParaRPr>
+          </a:p>
+        </p:txBody>
+      </p:sp>
+      <p:sp>
+        <p:nvSpPr>
+          <p:cNvPr id="16" name="자유형 17">
+            <a:extLst>
+              <a:ext uri="{FF2B5EF4-FFF2-40B4-BE49-F238E27FC236}">
+                <a16:creationId xmlns:a16="http://schemas.microsoft.com/office/drawing/2014/main" id="{02363597-6E23-47D7-B49D-4EB59139CA99}"/>
+              </a:ext>
+            </a:extLst>
+          </p:cNvPr>
+          <p:cNvSpPr/>
+          <p:nvPr/>
+        </p:nvSpPr>
+        <p:spPr>
+          <a:xfrm rot="10800000">
+            <a:off x="10672862" y="5518375"/>
+            <a:ext cx="941999" cy="942018"/>
+          </a:xfrm>
+          <a:custGeom>
+            <a:avLst/>
+            <a:gdLst>
+              <a:gd name="connsiteX0" fmla="*/ 0 w 941999"/>
+              <a:gd name="connsiteY0" fmla="*/ 0 h 942018"/>
+              <a:gd name="connsiteX1" fmla="*/ 941999 w 941999"/>
+              <a:gd name="connsiteY1" fmla="*/ 0 h 942018"/>
+              <a:gd name="connsiteX2" fmla="*/ 845703 w 941999"/>
+              <a:gd name="connsiteY2" fmla="*/ 4863 h 942018"/>
+              <a:gd name="connsiteX3" fmla="*/ 0 w 941999"/>
+              <a:gd name="connsiteY3" fmla="*/ 942018 h 942018"/>
+              <a:gd name="connsiteX4" fmla="*/ 0 w 941999"/>
+              <a:gd name="connsiteY4" fmla="*/ 0 h 942018"/>
+            </a:gdLst>
+            <a:ahLst/>
+            <a:cxnLst>
+              <a:cxn ang="0">
+                <a:pos x="connsiteX0" y="connsiteY0"/>
+              </a:cxn>
+              <a:cxn ang="0">
+                <a:pos x="connsiteX1" y="connsiteY1"/>
+              </a:cxn>
+              <a:cxn ang="0">
+                <a:pos x="connsiteX2" y="connsiteY2"/>
+              </a:cxn>
+              <a:cxn ang="0">
+                <a:pos x="connsiteX3" y="connsiteY3"/>
+              </a:cxn>
+              <a:cxn ang="0">
+                <a:pos x="connsiteX4" y="connsiteY4"/>
+              </a:cxn>
+            </a:cxnLst>
+            <a:rect l="l" t="t" r="r" b="b"/>
+            <a:pathLst>
+              <a:path w="941999" h="942018">
+                <a:moveTo>
+                  <a:pt x="0" y="0"/>
+                </a:moveTo>
+                <a:lnTo>
+                  <a:pt x="941999" y="0"/>
+                </a:lnTo>
+                <a:lnTo>
+                  <a:pt x="845703" y="4863"/>
+                </a:lnTo>
+                <a:cubicBezTo>
+                  <a:pt x="370684" y="53103"/>
+                  <a:pt x="0" y="454272"/>
+                  <a:pt x="0" y="942018"/>
+                </a:cubicBezTo>
+                <a:lnTo>
+                  <a:pt x="0" y="0"/>
+                </a:lnTo>
+                <a:close/>
+              </a:path>
+            </a:pathLst>
+          </a:custGeom>
+          <a:solidFill>
+            <a:srgbClr val="F1DBEE"/>
+          </a:solidFill>
+          <a:ln>
+            <a:noFill/>
+          </a:ln>
+        </p:spPr>
+        <p:style>
+          <a:lnRef idx="2">
+            <a:schemeClr val="accent1">
+              <a:shade val="50000"/>
+            </a:schemeClr>
+          </a:lnRef>
+          <a:fillRef idx="1">
+            <a:schemeClr val="accent1"/>
+          </a:fillRef>
+          <a:effectRef idx="0">
+            <a:schemeClr val="accent1"/>
+          </a:effectRef>
+          <a:fontRef idx="minor">
+            <a:schemeClr val="lt1"/>
+          </a:fontRef>
+        </p:style>
+        <p:txBody>
+          <a:bodyPr rtlCol="0" anchor="ctr"/>
+          <a:lstStyle/>
+          <a:p>
+            <a:pPr algn="ctr"/>
+            <a:endParaRPr lang="ko-KR" altLang="en-US">
+              <a:solidFill>
+                <a:prstClr val="white"/>
+              </a:solidFill>
+            </a:endParaRPr>
+          </a:p>
+        </p:txBody>
+      </p:sp>
+      <p:sp>
+        <p:nvSpPr>
+          <p:cNvPr id="21" name="직사각형 20">
+            <a:extLst>
+              <a:ext uri="{FF2B5EF4-FFF2-40B4-BE49-F238E27FC236}">
+                <a16:creationId xmlns:a16="http://schemas.microsoft.com/office/drawing/2014/main" id="{A406BFA2-D3CD-432E-82D9-8C7181F8F351}"/>
+              </a:ext>
+            </a:extLst>
+          </p:cNvPr>
+          <p:cNvSpPr/>
+          <p:nvPr/>
+        </p:nvSpPr>
+        <p:spPr>
+          <a:xfrm>
             <a:off x="763705" y="712382"/>
             <a:ext cx="5926462" cy="658710"/>
           </a:xfrm>
@@ -14628,7 +19147,7 @@
                 <a:ea typeface="210 맨발의청춘 B" panose="02020603020101020101" pitchFamily="18" charset="-127"/>
                 <a:cs typeface="Aharoni" panose="02010803020104030203" pitchFamily="2" charset="-79"/>
               </a:rPr>
-              <a:t>1. </a:t>
+              <a:t>2. </a:t>
             </a:r>
             <a:r>
               <a:rPr lang="ko-KR" altLang="en-US" sz="4000">
@@ -15210,7 +19729,7 @@
 </p:sld>
 </file>
 
-<file path=ppt/slides/slide4.xml><?xml version="1.0" encoding="utf-8"?>
+<file path=ppt/slides/slide6.xml><?xml version="1.0" encoding="utf-8"?>
 <p:sld xmlns:a="http://schemas.openxmlformats.org/drawingml/2006/main" xmlns:r="http://schemas.openxmlformats.org/officeDocument/2006/relationships" xmlns:p="http://schemas.openxmlformats.org/presentationml/2006/main">
   <p:cSld>
     <p:spTree>
@@ -15694,7 +20213,7 @@
                 <a:ea typeface="210 맨발의청춘 B" panose="02020603020101020101" pitchFamily="18" charset="-127"/>
                 <a:cs typeface="Aharoni" panose="02010803020104030203" pitchFamily="2" charset="-79"/>
               </a:rPr>
-              <a:t>1. </a:t>
+              <a:t>2. </a:t>
             </a:r>
             <a:r>
               <a:rPr lang="ko-KR" altLang="en-US" sz="4000">
@@ -15784,7 +20303,7 @@
 </p:sld>
 </file>
 
-<file path=ppt/slides/slide5.xml><?xml version="1.0" encoding="utf-8"?>
+<file path=ppt/slides/slide7.xml><?xml version="1.0" encoding="utf-8"?>
 <p:sld xmlns:a="http://schemas.openxmlformats.org/drawingml/2006/main" xmlns:r="http://schemas.openxmlformats.org/officeDocument/2006/relationships" xmlns:p="http://schemas.openxmlformats.org/presentationml/2006/main">
   <p:cSld>
     <p:spTree>
@@ -16268,7 +20787,7 @@
                 <a:ea typeface="210 맨발의청춘 B" panose="02020603020101020101" pitchFamily="18" charset="-127"/>
                 <a:cs typeface="Aharoni" panose="02010803020104030203" pitchFamily="2" charset="-79"/>
               </a:rPr>
-              <a:t>1. </a:t>
+              <a:t>2. </a:t>
             </a:r>
             <a:r>
               <a:rPr lang="ko-KR" altLang="en-US" sz="4000">
@@ -16874,7 +21393,7 @@
 </p:sld>
 </file>
 
-<file path=ppt/slides/slide6.xml><?xml version="1.0" encoding="utf-8"?>
+<file path=ppt/slides/slide8.xml><?xml version="1.0" encoding="utf-8"?>
 <p:sld xmlns:a="http://schemas.openxmlformats.org/drawingml/2006/main" xmlns:r="http://schemas.openxmlformats.org/officeDocument/2006/relationships" xmlns:p="http://schemas.openxmlformats.org/presentationml/2006/main">
   <p:cSld>
     <p:spTree>
@@ -17358,7 +21877,7 @@
                 <a:ea typeface="210 맨발의청춘 B" panose="02020603020101020101" pitchFamily="18" charset="-127"/>
                 <a:cs typeface="Aharoni" panose="02010803020104030203" pitchFamily="2" charset="-79"/>
               </a:rPr>
-              <a:t>1. </a:t>
+              <a:t>2. </a:t>
             </a:r>
             <a:r>
               <a:rPr lang="ko-KR" altLang="en-US" sz="4000">
@@ -17448,7 +21967,7 @@
 </p:sld>
 </file>
 
-<file path=ppt/slides/slide7.xml><?xml version="1.0" encoding="utf-8"?>
+<file path=ppt/slides/slide9.xml><?xml version="1.0" encoding="utf-8"?>
 <p:sld xmlns:a="http://schemas.openxmlformats.org/drawingml/2006/main" xmlns:r="http://schemas.openxmlformats.org/officeDocument/2006/relationships" xmlns:p="http://schemas.openxmlformats.org/presentationml/2006/main">
   <p:cSld>
     <p:spTree>
@@ -17932,7 +22451,7 @@
                 <a:ea typeface="210 맨발의청춘 B" panose="02020603020101020101" pitchFamily="18" charset="-127"/>
                 <a:cs typeface="Aharoni" panose="02010803020104030203" pitchFamily="2" charset="-79"/>
               </a:rPr>
-              <a:t>1. </a:t>
+              <a:t>2. </a:t>
             </a:r>
             <a:r>
               <a:rPr lang="ko-KR" altLang="en-US" sz="4000">
@@ -18092,1218 +22611,6 @@
     <p:extLst>
       <p:ext uri="{BB962C8B-B14F-4D97-AF65-F5344CB8AC3E}">
         <p14:creationId xmlns:p14="http://schemas.microsoft.com/office/powerpoint/2010/main" val="3496571830"/>
-      </p:ext>
-    </p:extLst>
-  </p:cSld>
-  <p:clrMapOvr>
-    <a:masterClrMapping/>
-  </p:clrMapOvr>
-</p:sld>
-</file>
-
-<file path=ppt/slides/slide8.xml><?xml version="1.0" encoding="utf-8"?>
-<p:sld xmlns:a="http://schemas.openxmlformats.org/drawingml/2006/main" xmlns:r="http://schemas.openxmlformats.org/officeDocument/2006/relationships" xmlns:p="http://schemas.openxmlformats.org/presentationml/2006/main">
-  <p:cSld>
-    <p:spTree>
-      <p:nvGrpSpPr>
-        <p:cNvPr id="1" name=""/>
-        <p:cNvGrpSpPr/>
-        <p:nvPr/>
-      </p:nvGrpSpPr>
-      <p:grpSpPr>
-        <a:xfrm>
-          <a:off x="0" y="0"/>
-          <a:ext cx="0" cy="0"/>
-          <a:chOff x="0" y="0"/>
-          <a:chExt cx="0" cy="0"/>
-        </a:xfrm>
-      </p:grpSpPr>
-      <p:sp>
-        <p:nvSpPr>
-          <p:cNvPr id="2" name="직사각형 1"/>
-          <p:cNvSpPr/>
-          <p:nvPr/>
-        </p:nvSpPr>
-        <p:spPr>
-          <a:xfrm>
-            <a:off x="-1" y="0"/>
-            <a:ext cx="12192000" cy="6858000"/>
-          </a:xfrm>
-          <a:prstGeom prst="rect">
-            <a:avLst/>
-          </a:prstGeom>
-          <a:solidFill>
-            <a:srgbClr val="AFD9E9"/>
-          </a:solidFill>
-          <a:ln>
-            <a:solidFill>
-              <a:srgbClr val="AFD9E9"/>
-            </a:solidFill>
-          </a:ln>
-        </p:spPr>
-        <p:style>
-          <a:lnRef idx="2">
-            <a:schemeClr val="accent1">
-              <a:shade val="50000"/>
-            </a:schemeClr>
-          </a:lnRef>
-          <a:fillRef idx="1">
-            <a:schemeClr val="accent1"/>
-          </a:fillRef>
-          <a:effectRef idx="0">
-            <a:schemeClr val="accent1"/>
-          </a:effectRef>
-          <a:fontRef idx="minor">
-            <a:schemeClr val="lt1"/>
-          </a:fontRef>
-        </p:style>
-        <p:txBody>
-          <a:bodyPr rtlCol="0" anchor="ctr"/>
-          <a:lstStyle/>
-          <a:p>
-            <a:pPr algn="ctr"/>
-            <a:endParaRPr lang="ko-KR" altLang="en-US"/>
-          </a:p>
-        </p:txBody>
-      </p:sp>
-      <p:sp>
-        <p:nvSpPr>
-          <p:cNvPr id="5" name="평행 사변형 4"/>
-          <p:cNvSpPr/>
-          <p:nvPr/>
-        </p:nvSpPr>
-        <p:spPr>
-          <a:xfrm flipH="1">
-            <a:off x="-2506" y="0"/>
-            <a:ext cx="12192000" cy="6858000"/>
-          </a:xfrm>
-          <a:prstGeom prst="parallelogram">
-            <a:avLst/>
-          </a:prstGeom>
-          <a:solidFill>
-            <a:srgbClr val="9CCFE4"/>
-          </a:solidFill>
-          <a:ln>
-            <a:noFill/>
-          </a:ln>
-        </p:spPr>
-        <p:style>
-          <a:lnRef idx="2">
-            <a:schemeClr val="accent1">
-              <a:shade val="50000"/>
-            </a:schemeClr>
-          </a:lnRef>
-          <a:fillRef idx="1">
-            <a:schemeClr val="accent1"/>
-          </a:fillRef>
-          <a:effectRef idx="0">
-            <a:schemeClr val="accent1"/>
-          </a:effectRef>
-          <a:fontRef idx="minor">
-            <a:schemeClr val="lt1"/>
-          </a:fontRef>
-        </p:style>
-        <p:txBody>
-          <a:bodyPr rtlCol="0" anchor="ctr"/>
-          <a:lstStyle/>
-          <a:p>
-            <a:pPr algn="ctr"/>
-            <a:endParaRPr lang="ko-KR" altLang="en-US">
-              <a:solidFill>
-                <a:prstClr val="white"/>
-              </a:solidFill>
-            </a:endParaRPr>
-          </a:p>
-        </p:txBody>
-      </p:sp>
-      <p:sp>
-        <p:nvSpPr>
-          <p:cNvPr id="6" name="직각 삼각형 5"/>
-          <p:cNvSpPr/>
-          <p:nvPr/>
-        </p:nvSpPr>
-        <p:spPr>
-          <a:xfrm flipH="1">
-            <a:off x="1956816" y="4736592"/>
-            <a:ext cx="10235184" cy="2121408"/>
-          </a:xfrm>
-          <a:prstGeom prst="rtTriangle">
-            <a:avLst/>
-          </a:prstGeom>
-          <a:solidFill>
-            <a:srgbClr val="84BDD1"/>
-          </a:solidFill>
-          <a:ln>
-            <a:noFill/>
-          </a:ln>
-        </p:spPr>
-        <p:style>
-          <a:lnRef idx="2">
-            <a:schemeClr val="accent1">
-              <a:shade val="50000"/>
-            </a:schemeClr>
-          </a:lnRef>
-          <a:fillRef idx="1">
-            <a:schemeClr val="accent1"/>
-          </a:fillRef>
-          <a:effectRef idx="0">
-            <a:schemeClr val="accent1"/>
-          </a:effectRef>
-          <a:fontRef idx="minor">
-            <a:schemeClr val="lt1"/>
-          </a:fontRef>
-        </p:style>
-        <p:txBody>
-          <a:bodyPr rtlCol="0" anchor="ctr"/>
-          <a:lstStyle/>
-          <a:p>
-            <a:pPr algn="ctr"/>
-            <a:endParaRPr lang="ko-KR" altLang="en-US" dirty="0">
-              <a:solidFill>
-                <a:prstClr val="white"/>
-              </a:solidFill>
-            </a:endParaRPr>
-          </a:p>
-        </p:txBody>
-      </p:sp>
-      <p:sp>
-        <p:nvSpPr>
-          <p:cNvPr id="8" name="직사각형 7"/>
-          <p:cNvSpPr/>
-          <p:nvPr/>
-        </p:nvSpPr>
-        <p:spPr>
-          <a:xfrm>
-            <a:off x="577138" y="397607"/>
-            <a:ext cx="11037723" cy="6062786"/>
-          </a:xfrm>
-          <a:prstGeom prst="rect">
-            <a:avLst/>
-          </a:prstGeom>
-          <a:solidFill>
-            <a:schemeClr val="bg1"/>
-          </a:solidFill>
-          <a:ln>
-            <a:noFill/>
-          </a:ln>
-        </p:spPr>
-        <p:style>
-          <a:lnRef idx="2">
-            <a:schemeClr val="accent1">
-              <a:shade val="50000"/>
-            </a:schemeClr>
-          </a:lnRef>
-          <a:fillRef idx="1">
-            <a:schemeClr val="accent1"/>
-          </a:fillRef>
-          <a:effectRef idx="0">
-            <a:schemeClr val="accent1"/>
-          </a:effectRef>
-          <a:fontRef idx="minor">
-            <a:schemeClr val="lt1"/>
-          </a:fontRef>
-        </p:style>
-        <p:txBody>
-          <a:bodyPr rtlCol="0" anchor="ctr"/>
-          <a:lstStyle/>
-          <a:p>
-            <a:pPr algn="ctr"/>
-            <a:endParaRPr lang="ko-KR" altLang="en-US" dirty="0">
-              <a:solidFill>
-                <a:prstClr val="white"/>
-              </a:solidFill>
-            </a:endParaRPr>
-          </a:p>
-        </p:txBody>
-      </p:sp>
-      <p:sp>
-        <p:nvSpPr>
-          <p:cNvPr id="18" name="자유형 17"/>
-          <p:cNvSpPr/>
-          <p:nvPr/>
-        </p:nvSpPr>
-        <p:spPr>
-          <a:xfrm>
-            <a:off x="574633" y="397607"/>
-            <a:ext cx="941999" cy="942018"/>
-          </a:xfrm>
-          <a:custGeom>
-            <a:avLst/>
-            <a:gdLst>
-              <a:gd name="connsiteX0" fmla="*/ 0 w 941999"/>
-              <a:gd name="connsiteY0" fmla="*/ 0 h 942018"/>
-              <a:gd name="connsiteX1" fmla="*/ 941999 w 941999"/>
-              <a:gd name="connsiteY1" fmla="*/ 0 h 942018"/>
-              <a:gd name="connsiteX2" fmla="*/ 845703 w 941999"/>
-              <a:gd name="connsiteY2" fmla="*/ 4863 h 942018"/>
-              <a:gd name="connsiteX3" fmla="*/ 0 w 941999"/>
-              <a:gd name="connsiteY3" fmla="*/ 942018 h 942018"/>
-              <a:gd name="connsiteX4" fmla="*/ 0 w 941999"/>
-              <a:gd name="connsiteY4" fmla="*/ 0 h 942018"/>
-            </a:gdLst>
-            <a:ahLst/>
-            <a:cxnLst>
-              <a:cxn ang="0">
-                <a:pos x="connsiteX0" y="connsiteY0"/>
-              </a:cxn>
-              <a:cxn ang="0">
-                <a:pos x="connsiteX1" y="connsiteY1"/>
-              </a:cxn>
-              <a:cxn ang="0">
-                <a:pos x="connsiteX2" y="connsiteY2"/>
-              </a:cxn>
-              <a:cxn ang="0">
-                <a:pos x="connsiteX3" y="connsiteY3"/>
-              </a:cxn>
-              <a:cxn ang="0">
-                <a:pos x="connsiteX4" y="connsiteY4"/>
-              </a:cxn>
-            </a:cxnLst>
-            <a:rect l="l" t="t" r="r" b="b"/>
-            <a:pathLst>
-              <a:path w="941999" h="942018">
-                <a:moveTo>
-                  <a:pt x="0" y="0"/>
-                </a:moveTo>
-                <a:lnTo>
-                  <a:pt x="941999" y="0"/>
-                </a:lnTo>
-                <a:lnTo>
-                  <a:pt x="845703" y="4863"/>
-                </a:lnTo>
-                <a:cubicBezTo>
-                  <a:pt x="370684" y="53103"/>
-                  <a:pt x="0" y="454272"/>
-                  <a:pt x="0" y="942018"/>
-                </a:cubicBezTo>
-                <a:lnTo>
-                  <a:pt x="0" y="0"/>
-                </a:lnTo>
-                <a:close/>
-              </a:path>
-            </a:pathLst>
-          </a:custGeom>
-          <a:solidFill>
-            <a:srgbClr val="F1DBEE"/>
-          </a:solidFill>
-          <a:ln>
-            <a:noFill/>
-          </a:ln>
-        </p:spPr>
-        <p:style>
-          <a:lnRef idx="2">
-            <a:schemeClr val="accent1">
-              <a:shade val="50000"/>
-            </a:schemeClr>
-          </a:lnRef>
-          <a:fillRef idx="1">
-            <a:schemeClr val="accent1"/>
-          </a:fillRef>
-          <a:effectRef idx="0">
-            <a:schemeClr val="accent1"/>
-          </a:effectRef>
-          <a:fontRef idx="minor">
-            <a:schemeClr val="lt1"/>
-          </a:fontRef>
-        </p:style>
-        <p:txBody>
-          <a:bodyPr rtlCol="0" anchor="ctr"/>
-          <a:lstStyle/>
-          <a:p>
-            <a:pPr algn="ctr"/>
-            <a:endParaRPr lang="ko-KR" altLang="en-US">
-              <a:solidFill>
-                <a:prstClr val="white"/>
-              </a:solidFill>
-            </a:endParaRPr>
-          </a:p>
-        </p:txBody>
-      </p:sp>
-      <p:sp>
-        <p:nvSpPr>
-          <p:cNvPr id="16" name="자유형 17">
-            <a:extLst>
-              <a:ext uri="{FF2B5EF4-FFF2-40B4-BE49-F238E27FC236}">
-                <a16:creationId xmlns:a16="http://schemas.microsoft.com/office/drawing/2014/main" id="{02363597-6E23-47D7-B49D-4EB59139CA99}"/>
-              </a:ext>
-            </a:extLst>
-          </p:cNvPr>
-          <p:cNvSpPr/>
-          <p:nvPr/>
-        </p:nvSpPr>
-        <p:spPr>
-          <a:xfrm rot="10800000">
-            <a:off x="10672862" y="5518375"/>
-            <a:ext cx="941999" cy="942018"/>
-          </a:xfrm>
-          <a:custGeom>
-            <a:avLst/>
-            <a:gdLst>
-              <a:gd name="connsiteX0" fmla="*/ 0 w 941999"/>
-              <a:gd name="connsiteY0" fmla="*/ 0 h 942018"/>
-              <a:gd name="connsiteX1" fmla="*/ 941999 w 941999"/>
-              <a:gd name="connsiteY1" fmla="*/ 0 h 942018"/>
-              <a:gd name="connsiteX2" fmla="*/ 845703 w 941999"/>
-              <a:gd name="connsiteY2" fmla="*/ 4863 h 942018"/>
-              <a:gd name="connsiteX3" fmla="*/ 0 w 941999"/>
-              <a:gd name="connsiteY3" fmla="*/ 942018 h 942018"/>
-              <a:gd name="connsiteX4" fmla="*/ 0 w 941999"/>
-              <a:gd name="connsiteY4" fmla="*/ 0 h 942018"/>
-            </a:gdLst>
-            <a:ahLst/>
-            <a:cxnLst>
-              <a:cxn ang="0">
-                <a:pos x="connsiteX0" y="connsiteY0"/>
-              </a:cxn>
-              <a:cxn ang="0">
-                <a:pos x="connsiteX1" y="connsiteY1"/>
-              </a:cxn>
-              <a:cxn ang="0">
-                <a:pos x="connsiteX2" y="connsiteY2"/>
-              </a:cxn>
-              <a:cxn ang="0">
-                <a:pos x="connsiteX3" y="connsiteY3"/>
-              </a:cxn>
-              <a:cxn ang="0">
-                <a:pos x="connsiteX4" y="connsiteY4"/>
-              </a:cxn>
-            </a:cxnLst>
-            <a:rect l="l" t="t" r="r" b="b"/>
-            <a:pathLst>
-              <a:path w="941999" h="942018">
-                <a:moveTo>
-                  <a:pt x="0" y="0"/>
-                </a:moveTo>
-                <a:lnTo>
-                  <a:pt x="941999" y="0"/>
-                </a:lnTo>
-                <a:lnTo>
-                  <a:pt x="845703" y="4863"/>
-                </a:lnTo>
-                <a:cubicBezTo>
-                  <a:pt x="370684" y="53103"/>
-                  <a:pt x="0" y="454272"/>
-                  <a:pt x="0" y="942018"/>
-                </a:cubicBezTo>
-                <a:lnTo>
-                  <a:pt x="0" y="0"/>
-                </a:lnTo>
-                <a:close/>
-              </a:path>
-            </a:pathLst>
-          </a:custGeom>
-          <a:solidFill>
-            <a:srgbClr val="F1DBEE"/>
-          </a:solidFill>
-          <a:ln>
-            <a:noFill/>
-          </a:ln>
-        </p:spPr>
-        <p:style>
-          <a:lnRef idx="2">
-            <a:schemeClr val="accent1">
-              <a:shade val="50000"/>
-            </a:schemeClr>
-          </a:lnRef>
-          <a:fillRef idx="1">
-            <a:schemeClr val="accent1"/>
-          </a:fillRef>
-          <a:effectRef idx="0">
-            <a:schemeClr val="accent1"/>
-          </a:effectRef>
-          <a:fontRef idx="minor">
-            <a:schemeClr val="lt1"/>
-          </a:fontRef>
-        </p:style>
-        <p:txBody>
-          <a:bodyPr rtlCol="0" anchor="ctr"/>
-          <a:lstStyle/>
-          <a:p>
-            <a:pPr algn="ctr"/>
-            <a:endParaRPr lang="ko-KR" altLang="en-US">
-              <a:solidFill>
-                <a:prstClr val="white"/>
-              </a:solidFill>
-            </a:endParaRPr>
-          </a:p>
-        </p:txBody>
-      </p:sp>
-      <p:sp>
-        <p:nvSpPr>
-          <p:cNvPr id="21" name="직사각형 20">
-            <a:extLst>
-              <a:ext uri="{FF2B5EF4-FFF2-40B4-BE49-F238E27FC236}">
-                <a16:creationId xmlns:a16="http://schemas.microsoft.com/office/drawing/2014/main" id="{A406BFA2-D3CD-432E-82D9-8C7181F8F351}"/>
-              </a:ext>
-            </a:extLst>
-          </p:cNvPr>
-          <p:cNvSpPr/>
-          <p:nvPr/>
-        </p:nvSpPr>
-        <p:spPr>
-          <a:xfrm>
-            <a:off x="763705" y="712382"/>
-            <a:ext cx="5926462" cy="658710"/>
-          </a:xfrm>
-          <a:prstGeom prst="rect">
-            <a:avLst/>
-          </a:prstGeom>
-          <a:noFill/>
-          <a:ln>
-            <a:noFill/>
-          </a:ln>
-        </p:spPr>
-        <p:style>
-          <a:lnRef idx="2">
-            <a:schemeClr val="accent1">
-              <a:shade val="50000"/>
-            </a:schemeClr>
-          </a:lnRef>
-          <a:fillRef idx="1">
-            <a:schemeClr val="accent1"/>
-          </a:fillRef>
-          <a:effectRef idx="0">
-            <a:schemeClr val="accent1"/>
-          </a:effectRef>
-          <a:fontRef idx="minor">
-            <a:schemeClr val="lt1"/>
-          </a:fontRef>
-        </p:style>
-        <p:txBody>
-          <a:bodyPr lIns="0" tIns="0" rIns="0" bIns="0" rtlCol="0" anchor="ctr"/>
-          <a:lstStyle/>
-          <a:p>
-            <a:pPr algn="ctr"/>
-            <a:r>
-              <a:rPr lang="en-US" altLang="ko-KR" sz="4000">
-                <a:solidFill>
-                  <a:schemeClr val="accent1">
-                    <a:lumMod val="75000"/>
-                  </a:schemeClr>
-                </a:solidFill>
-                <a:latin typeface="210 맨발의청춘 B" panose="02020603020101020101" pitchFamily="18" charset="-127"/>
-                <a:ea typeface="210 맨발의청춘 B" panose="02020603020101020101" pitchFamily="18" charset="-127"/>
-                <a:cs typeface="Aharoni" panose="02010803020104030203" pitchFamily="2" charset="-79"/>
-              </a:rPr>
-              <a:t>1. </a:t>
-            </a:r>
-            <a:r>
-              <a:rPr lang="ko-KR" altLang="en-US" sz="4000">
-                <a:solidFill>
-                  <a:schemeClr val="accent1">
-                    <a:lumMod val="75000"/>
-                  </a:schemeClr>
-                </a:solidFill>
-                <a:latin typeface="210 맨발의청춘 B" panose="02020603020101020101" pitchFamily="18" charset="-127"/>
-                <a:ea typeface="210 맨발의청춘 B" panose="02020603020101020101" pitchFamily="18" charset="-127"/>
-                <a:cs typeface="Aharoni" panose="02010803020104030203" pitchFamily="2" charset="-79"/>
-              </a:rPr>
-              <a:t>크롤링 </a:t>
-            </a:r>
-            <a:r>
-              <a:rPr lang="en-US" altLang="ko-KR" sz="4000">
-                <a:solidFill>
-                  <a:schemeClr val="accent1">
-                    <a:lumMod val="75000"/>
-                  </a:schemeClr>
-                </a:solidFill>
-                <a:latin typeface="210 맨발의청춘 B" panose="02020603020101020101" pitchFamily="18" charset="-127"/>
-                <a:ea typeface="210 맨발의청춘 B" panose="02020603020101020101" pitchFamily="18" charset="-127"/>
-                <a:cs typeface="Aharoni" panose="02010803020104030203" pitchFamily="2" charset="-79"/>
-              </a:rPr>
-              <a:t>Class diagram</a:t>
-            </a:r>
-            <a:endParaRPr lang="en-US" altLang="ko-KR" sz="4000" dirty="0">
-              <a:solidFill>
-                <a:schemeClr val="accent1">
-                  <a:lumMod val="75000"/>
-                </a:schemeClr>
-              </a:solidFill>
-              <a:latin typeface="210 맨발의청춘 B" panose="02020603020101020101" pitchFamily="18" charset="-127"/>
-              <a:ea typeface="210 맨발의청춘 B" panose="02020603020101020101" pitchFamily="18" charset="-127"/>
-              <a:cs typeface="Aharoni" panose="02010803020104030203" pitchFamily="2" charset="-79"/>
-            </a:endParaRPr>
-          </a:p>
-        </p:txBody>
-      </p:sp>
-      <p:grpSp>
-        <p:nvGrpSpPr>
-          <p:cNvPr id="11" name="그룹 10">
-            <a:extLst>
-              <a:ext uri="{FF2B5EF4-FFF2-40B4-BE49-F238E27FC236}">
-                <a16:creationId xmlns:a16="http://schemas.microsoft.com/office/drawing/2014/main" id="{A7B74CC4-44AB-4C22-AC9C-64016CA7DE51}"/>
-              </a:ext>
-            </a:extLst>
-          </p:cNvPr>
-          <p:cNvGrpSpPr/>
-          <p:nvPr/>
-        </p:nvGrpSpPr>
-        <p:grpSpPr>
-          <a:xfrm>
-            <a:off x="1488156" y="1719976"/>
-            <a:ext cx="9210675" cy="4391533"/>
-            <a:chOff x="1490662" y="1371091"/>
-            <a:chExt cx="9210675" cy="4391533"/>
-          </a:xfrm>
-        </p:grpSpPr>
-        <p:pic>
-          <p:nvPicPr>
-            <p:cNvPr id="4" name="그림 3" descr="화면, 검은색, 앉아있는, 모니터이(가) 표시된 사진&#10;&#10;자동 생성된 설명">
-              <a:extLst>
-                <a:ext uri="{FF2B5EF4-FFF2-40B4-BE49-F238E27FC236}">
-                  <a16:creationId xmlns:a16="http://schemas.microsoft.com/office/drawing/2014/main" id="{915C7372-312A-475C-91EF-5A065E5CACD4}"/>
-                </a:ext>
-              </a:extLst>
-            </p:cNvPr>
-            <p:cNvPicPr>
-              <a:picLocks noChangeAspect="1"/>
-            </p:cNvPicPr>
-            <p:nvPr/>
-          </p:nvPicPr>
-          <p:blipFill>
-            <a:blip r:embed="rId3">
-              <a:extLst>
-                <a:ext uri="{28A0092B-C50C-407E-A947-70E740481C1C}">
-                  <a14:useLocalDpi xmlns:a14="http://schemas.microsoft.com/office/drawing/2010/main" val="0"/>
-                </a:ext>
-              </a:extLst>
-            </a:blip>
-            <a:stretch>
-              <a:fillRect/>
-            </a:stretch>
-          </p:blipFill>
-          <p:spPr>
-            <a:xfrm>
-              <a:off x="1490662" y="1371091"/>
-              <a:ext cx="9210675" cy="4391533"/>
-            </a:xfrm>
-            <a:prstGeom prst="rect">
-              <a:avLst/>
-            </a:prstGeom>
-          </p:spPr>
-        </p:pic>
-        <p:cxnSp>
-          <p:nvCxnSpPr>
-            <p:cNvPr id="12" name="직선 연결선 11">
-              <a:extLst>
-                <a:ext uri="{FF2B5EF4-FFF2-40B4-BE49-F238E27FC236}">
-                  <a16:creationId xmlns:a16="http://schemas.microsoft.com/office/drawing/2014/main" id="{EB98329B-7EBF-4D18-BB72-77316177CC31}"/>
-                </a:ext>
-              </a:extLst>
-            </p:cNvPr>
-            <p:cNvCxnSpPr>
-              <a:cxnSpLocks/>
-            </p:cNvCxnSpPr>
-            <p:nvPr/>
-          </p:nvCxnSpPr>
-          <p:spPr>
-            <a:xfrm>
-              <a:off x="5256604" y="2673753"/>
-              <a:ext cx="4871244" cy="0"/>
-            </a:xfrm>
-            <a:prstGeom prst="line">
-              <a:avLst/>
-            </a:prstGeom>
-            <a:ln>
-              <a:solidFill>
-                <a:srgbClr val="FF0000"/>
-              </a:solidFill>
-            </a:ln>
-          </p:spPr>
-          <p:style>
-            <a:lnRef idx="3">
-              <a:schemeClr val="accent2"/>
-            </a:lnRef>
-            <a:fillRef idx="0">
-              <a:schemeClr val="accent2"/>
-            </a:fillRef>
-            <a:effectRef idx="2">
-              <a:schemeClr val="accent2"/>
-            </a:effectRef>
-            <a:fontRef idx="minor">
-              <a:schemeClr val="tx1"/>
-            </a:fontRef>
-          </p:style>
-        </p:cxnSp>
-      </p:grpSp>
-    </p:spTree>
-    <p:extLst>
-      <p:ext uri="{BB962C8B-B14F-4D97-AF65-F5344CB8AC3E}">
-        <p14:creationId xmlns:p14="http://schemas.microsoft.com/office/powerpoint/2010/main" val="3858709054"/>
-      </p:ext>
-    </p:extLst>
-  </p:cSld>
-  <p:clrMapOvr>
-    <a:masterClrMapping/>
-  </p:clrMapOvr>
-</p:sld>
-</file>
-
-<file path=ppt/slides/slide9.xml><?xml version="1.0" encoding="utf-8"?>
-<p:sld xmlns:a="http://schemas.openxmlformats.org/drawingml/2006/main" xmlns:r="http://schemas.openxmlformats.org/officeDocument/2006/relationships" xmlns:p="http://schemas.openxmlformats.org/presentationml/2006/main">
-  <p:cSld>
-    <p:spTree>
-      <p:nvGrpSpPr>
-        <p:cNvPr id="1" name=""/>
-        <p:cNvGrpSpPr/>
-        <p:nvPr/>
-      </p:nvGrpSpPr>
-      <p:grpSpPr>
-        <a:xfrm>
-          <a:off x="0" y="0"/>
-          <a:ext cx="0" cy="0"/>
-          <a:chOff x="0" y="0"/>
-          <a:chExt cx="0" cy="0"/>
-        </a:xfrm>
-      </p:grpSpPr>
-      <p:sp>
-        <p:nvSpPr>
-          <p:cNvPr id="2" name="직사각형 1"/>
-          <p:cNvSpPr/>
-          <p:nvPr/>
-        </p:nvSpPr>
-        <p:spPr>
-          <a:xfrm>
-            <a:off x="-1" y="0"/>
-            <a:ext cx="12192000" cy="6858000"/>
-          </a:xfrm>
-          <a:prstGeom prst="rect">
-            <a:avLst/>
-          </a:prstGeom>
-          <a:solidFill>
-            <a:srgbClr val="AFD9E9"/>
-          </a:solidFill>
-          <a:ln>
-            <a:solidFill>
-              <a:srgbClr val="AFD9E9"/>
-            </a:solidFill>
-          </a:ln>
-        </p:spPr>
-        <p:style>
-          <a:lnRef idx="2">
-            <a:schemeClr val="accent1">
-              <a:shade val="50000"/>
-            </a:schemeClr>
-          </a:lnRef>
-          <a:fillRef idx="1">
-            <a:schemeClr val="accent1"/>
-          </a:fillRef>
-          <a:effectRef idx="0">
-            <a:schemeClr val="accent1"/>
-          </a:effectRef>
-          <a:fontRef idx="minor">
-            <a:schemeClr val="lt1"/>
-          </a:fontRef>
-        </p:style>
-        <p:txBody>
-          <a:bodyPr rtlCol="0" anchor="ctr"/>
-          <a:lstStyle/>
-          <a:p>
-            <a:pPr algn="ctr"/>
-            <a:endParaRPr lang="ko-KR" altLang="en-US"/>
-          </a:p>
-        </p:txBody>
-      </p:sp>
-      <p:sp>
-        <p:nvSpPr>
-          <p:cNvPr id="5" name="평행 사변형 4"/>
-          <p:cNvSpPr/>
-          <p:nvPr/>
-        </p:nvSpPr>
-        <p:spPr>
-          <a:xfrm flipH="1">
-            <a:off x="-2506" y="0"/>
-            <a:ext cx="12192000" cy="6858000"/>
-          </a:xfrm>
-          <a:prstGeom prst="parallelogram">
-            <a:avLst/>
-          </a:prstGeom>
-          <a:solidFill>
-            <a:srgbClr val="9CCFE4"/>
-          </a:solidFill>
-          <a:ln>
-            <a:noFill/>
-          </a:ln>
-        </p:spPr>
-        <p:style>
-          <a:lnRef idx="2">
-            <a:schemeClr val="accent1">
-              <a:shade val="50000"/>
-            </a:schemeClr>
-          </a:lnRef>
-          <a:fillRef idx="1">
-            <a:schemeClr val="accent1"/>
-          </a:fillRef>
-          <a:effectRef idx="0">
-            <a:schemeClr val="accent1"/>
-          </a:effectRef>
-          <a:fontRef idx="minor">
-            <a:schemeClr val="lt1"/>
-          </a:fontRef>
-        </p:style>
-        <p:txBody>
-          <a:bodyPr rtlCol="0" anchor="ctr"/>
-          <a:lstStyle/>
-          <a:p>
-            <a:pPr algn="ctr"/>
-            <a:endParaRPr lang="ko-KR" altLang="en-US">
-              <a:solidFill>
-                <a:prstClr val="white"/>
-              </a:solidFill>
-            </a:endParaRPr>
-          </a:p>
-        </p:txBody>
-      </p:sp>
-      <p:sp>
-        <p:nvSpPr>
-          <p:cNvPr id="6" name="직각 삼각형 5"/>
-          <p:cNvSpPr/>
-          <p:nvPr/>
-        </p:nvSpPr>
-        <p:spPr>
-          <a:xfrm flipH="1">
-            <a:off x="1956816" y="4736592"/>
-            <a:ext cx="10235184" cy="2121408"/>
-          </a:xfrm>
-          <a:prstGeom prst="rtTriangle">
-            <a:avLst/>
-          </a:prstGeom>
-          <a:solidFill>
-            <a:srgbClr val="84BDD1"/>
-          </a:solidFill>
-          <a:ln>
-            <a:noFill/>
-          </a:ln>
-        </p:spPr>
-        <p:style>
-          <a:lnRef idx="2">
-            <a:schemeClr val="accent1">
-              <a:shade val="50000"/>
-            </a:schemeClr>
-          </a:lnRef>
-          <a:fillRef idx="1">
-            <a:schemeClr val="accent1"/>
-          </a:fillRef>
-          <a:effectRef idx="0">
-            <a:schemeClr val="accent1"/>
-          </a:effectRef>
-          <a:fontRef idx="minor">
-            <a:schemeClr val="lt1"/>
-          </a:fontRef>
-        </p:style>
-        <p:txBody>
-          <a:bodyPr rtlCol="0" anchor="ctr"/>
-          <a:lstStyle/>
-          <a:p>
-            <a:pPr algn="ctr"/>
-            <a:endParaRPr lang="ko-KR" altLang="en-US" dirty="0">
-              <a:solidFill>
-                <a:prstClr val="white"/>
-              </a:solidFill>
-            </a:endParaRPr>
-          </a:p>
-        </p:txBody>
-      </p:sp>
-      <p:sp>
-        <p:nvSpPr>
-          <p:cNvPr id="8" name="직사각형 7"/>
-          <p:cNvSpPr/>
-          <p:nvPr/>
-        </p:nvSpPr>
-        <p:spPr>
-          <a:xfrm>
-            <a:off x="577138" y="397607"/>
-            <a:ext cx="11037723" cy="6062786"/>
-          </a:xfrm>
-          <a:prstGeom prst="rect">
-            <a:avLst/>
-          </a:prstGeom>
-          <a:solidFill>
-            <a:schemeClr val="bg1"/>
-          </a:solidFill>
-          <a:ln>
-            <a:noFill/>
-          </a:ln>
-        </p:spPr>
-        <p:style>
-          <a:lnRef idx="2">
-            <a:schemeClr val="accent1">
-              <a:shade val="50000"/>
-            </a:schemeClr>
-          </a:lnRef>
-          <a:fillRef idx="1">
-            <a:schemeClr val="accent1"/>
-          </a:fillRef>
-          <a:effectRef idx="0">
-            <a:schemeClr val="accent1"/>
-          </a:effectRef>
-          <a:fontRef idx="minor">
-            <a:schemeClr val="lt1"/>
-          </a:fontRef>
-        </p:style>
-        <p:txBody>
-          <a:bodyPr rtlCol="0" anchor="ctr"/>
-          <a:lstStyle/>
-          <a:p>
-            <a:pPr algn="ctr"/>
-            <a:endParaRPr lang="ko-KR" altLang="en-US" dirty="0">
-              <a:solidFill>
-                <a:prstClr val="white"/>
-              </a:solidFill>
-            </a:endParaRPr>
-          </a:p>
-        </p:txBody>
-      </p:sp>
-      <p:sp>
-        <p:nvSpPr>
-          <p:cNvPr id="18" name="자유형 17"/>
-          <p:cNvSpPr/>
-          <p:nvPr/>
-        </p:nvSpPr>
-        <p:spPr>
-          <a:xfrm>
-            <a:off x="574633" y="397607"/>
-            <a:ext cx="941999" cy="942018"/>
-          </a:xfrm>
-          <a:custGeom>
-            <a:avLst/>
-            <a:gdLst>
-              <a:gd name="connsiteX0" fmla="*/ 0 w 941999"/>
-              <a:gd name="connsiteY0" fmla="*/ 0 h 942018"/>
-              <a:gd name="connsiteX1" fmla="*/ 941999 w 941999"/>
-              <a:gd name="connsiteY1" fmla="*/ 0 h 942018"/>
-              <a:gd name="connsiteX2" fmla="*/ 845703 w 941999"/>
-              <a:gd name="connsiteY2" fmla="*/ 4863 h 942018"/>
-              <a:gd name="connsiteX3" fmla="*/ 0 w 941999"/>
-              <a:gd name="connsiteY3" fmla="*/ 942018 h 942018"/>
-              <a:gd name="connsiteX4" fmla="*/ 0 w 941999"/>
-              <a:gd name="connsiteY4" fmla="*/ 0 h 942018"/>
-            </a:gdLst>
-            <a:ahLst/>
-            <a:cxnLst>
-              <a:cxn ang="0">
-                <a:pos x="connsiteX0" y="connsiteY0"/>
-              </a:cxn>
-              <a:cxn ang="0">
-                <a:pos x="connsiteX1" y="connsiteY1"/>
-              </a:cxn>
-              <a:cxn ang="0">
-                <a:pos x="connsiteX2" y="connsiteY2"/>
-              </a:cxn>
-              <a:cxn ang="0">
-                <a:pos x="connsiteX3" y="connsiteY3"/>
-              </a:cxn>
-              <a:cxn ang="0">
-                <a:pos x="connsiteX4" y="connsiteY4"/>
-              </a:cxn>
-            </a:cxnLst>
-            <a:rect l="l" t="t" r="r" b="b"/>
-            <a:pathLst>
-              <a:path w="941999" h="942018">
-                <a:moveTo>
-                  <a:pt x="0" y="0"/>
-                </a:moveTo>
-                <a:lnTo>
-                  <a:pt x="941999" y="0"/>
-                </a:lnTo>
-                <a:lnTo>
-                  <a:pt x="845703" y="4863"/>
-                </a:lnTo>
-                <a:cubicBezTo>
-                  <a:pt x="370684" y="53103"/>
-                  <a:pt x="0" y="454272"/>
-                  <a:pt x="0" y="942018"/>
-                </a:cubicBezTo>
-                <a:lnTo>
-                  <a:pt x="0" y="0"/>
-                </a:lnTo>
-                <a:close/>
-              </a:path>
-            </a:pathLst>
-          </a:custGeom>
-          <a:solidFill>
-            <a:srgbClr val="F1DBEE"/>
-          </a:solidFill>
-          <a:ln>
-            <a:noFill/>
-          </a:ln>
-        </p:spPr>
-        <p:style>
-          <a:lnRef idx="2">
-            <a:schemeClr val="accent1">
-              <a:shade val="50000"/>
-            </a:schemeClr>
-          </a:lnRef>
-          <a:fillRef idx="1">
-            <a:schemeClr val="accent1"/>
-          </a:fillRef>
-          <a:effectRef idx="0">
-            <a:schemeClr val="accent1"/>
-          </a:effectRef>
-          <a:fontRef idx="minor">
-            <a:schemeClr val="lt1"/>
-          </a:fontRef>
-        </p:style>
-        <p:txBody>
-          <a:bodyPr rtlCol="0" anchor="ctr"/>
-          <a:lstStyle/>
-          <a:p>
-            <a:pPr algn="ctr"/>
-            <a:endParaRPr lang="ko-KR" altLang="en-US">
-              <a:solidFill>
-                <a:prstClr val="white"/>
-              </a:solidFill>
-            </a:endParaRPr>
-          </a:p>
-        </p:txBody>
-      </p:sp>
-      <p:sp>
-        <p:nvSpPr>
-          <p:cNvPr id="16" name="자유형 17">
-            <a:extLst>
-              <a:ext uri="{FF2B5EF4-FFF2-40B4-BE49-F238E27FC236}">
-                <a16:creationId xmlns:a16="http://schemas.microsoft.com/office/drawing/2014/main" id="{02363597-6E23-47D7-B49D-4EB59139CA99}"/>
-              </a:ext>
-            </a:extLst>
-          </p:cNvPr>
-          <p:cNvSpPr/>
-          <p:nvPr/>
-        </p:nvSpPr>
-        <p:spPr>
-          <a:xfrm rot="10800000">
-            <a:off x="10672862" y="5518375"/>
-            <a:ext cx="941999" cy="942018"/>
-          </a:xfrm>
-          <a:custGeom>
-            <a:avLst/>
-            <a:gdLst>
-              <a:gd name="connsiteX0" fmla="*/ 0 w 941999"/>
-              <a:gd name="connsiteY0" fmla="*/ 0 h 942018"/>
-              <a:gd name="connsiteX1" fmla="*/ 941999 w 941999"/>
-              <a:gd name="connsiteY1" fmla="*/ 0 h 942018"/>
-              <a:gd name="connsiteX2" fmla="*/ 845703 w 941999"/>
-              <a:gd name="connsiteY2" fmla="*/ 4863 h 942018"/>
-              <a:gd name="connsiteX3" fmla="*/ 0 w 941999"/>
-              <a:gd name="connsiteY3" fmla="*/ 942018 h 942018"/>
-              <a:gd name="connsiteX4" fmla="*/ 0 w 941999"/>
-              <a:gd name="connsiteY4" fmla="*/ 0 h 942018"/>
-            </a:gdLst>
-            <a:ahLst/>
-            <a:cxnLst>
-              <a:cxn ang="0">
-                <a:pos x="connsiteX0" y="connsiteY0"/>
-              </a:cxn>
-              <a:cxn ang="0">
-                <a:pos x="connsiteX1" y="connsiteY1"/>
-              </a:cxn>
-              <a:cxn ang="0">
-                <a:pos x="connsiteX2" y="connsiteY2"/>
-              </a:cxn>
-              <a:cxn ang="0">
-                <a:pos x="connsiteX3" y="connsiteY3"/>
-              </a:cxn>
-              <a:cxn ang="0">
-                <a:pos x="connsiteX4" y="connsiteY4"/>
-              </a:cxn>
-            </a:cxnLst>
-            <a:rect l="l" t="t" r="r" b="b"/>
-            <a:pathLst>
-              <a:path w="941999" h="942018">
-                <a:moveTo>
-                  <a:pt x="0" y="0"/>
-                </a:moveTo>
-                <a:lnTo>
-                  <a:pt x="941999" y="0"/>
-                </a:lnTo>
-                <a:lnTo>
-                  <a:pt x="845703" y="4863"/>
-                </a:lnTo>
-                <a:cubicBezTo>
-                  <a:pt x="370684" y="53103"/>
-                  <a:pt x="0" y="454272"/>
-                  <a:pt x="0" y="942018"/>
-                </a:cubicBezTo>
-                <a:lnTo>
-                  <a:pt x="0" y="0"/>
-                </a:lnTo>
-                <a:close/>
-              </a:path>
-            </a:pathLst>
-          </a:custGeom>
-          <a:solidFill>
-            <a:srgbClr val="F1DBEE"/>
-          </a:solidFill>
-          <a:ln>
-            <a:noFill/>
-          </a:ln>
-        </p:spPr>
-        <p:style>
-          <a:lnRef idx="2">
-            <a:schemeClr val="accent1">
-              <a:shade val="50000"/>
-            </a:schemeClr>
-          </a:lnRef>
-          <a:fillRef idx="1">
-            <a:schemeClr val="accent1"/>
-          </a:fillRef>
-          <a:effectRef idx="0">
-            <a:schemeClr val="accent1"/>
-          </a:effectRef>
-          <a:fontRef idx="minor">
-            <a:schemeClr val="lt1"/>
-          </a:fontRef>
-        </p:style>
-        <p:txBody>
-          <a:bodyPr rtlCol="0" anchor="ctr"/>
-          <a:lstStyle/>
-          <a:p>
-            <a:pPr algn="ctr"/>
-            <a:endParaRPr lang="ko-KR" altLang="en-US">
-              <a:solidFill>
-                <a:prstClr val="white"/>
-              </a:solidFill>
-            </a:endParaRPr>
-          </a:p>
-        </p:txBody>
-      </p:sp>
-      <p:sp>
-        <p:nvSpPr>
-          <p:cNvPr id="21" name="직사각형 20">
-            <a:extLst>
-              <a:ext uri="{FF2B5EF4-FFF2-40B4-BE49-F238E27FC236}">
-                <a16:creationId xmlns:a16="http://schemas.microsoft.com/office/drawing/2014/main" id="{A406BFA2-D3CD-432E-82D9-8C7181F8F351}"/>
-              </a:ext>
-            </a:extLst>
-          </p:cNvPr>
-          <p:cNvSpPr/>
-          <p:nvPr/>
-        </p:nvSpPr>
-        <p:spPr>
-          <a:xfrm>
-            <a:off x="763705" y="712382"/>
-            <a:ext cx="5926462" cy="658710"/>
-          </a:xfrm>
-          <a:prstGeom prst="rect">
-            <a:avLst/>
-          </a:prstGeom>
-          <a:noFill/>
-          <a:ln>
-            <a:noFill/>
-          </a:ln>
-        </p:spPr>
-        <p:style>
-          <a:lnRef idx="2">
-            <a:schemeClr val="accent1">
-              <a:shade val="50000"/>
-            </a:schemeClr>
-          </a:lnRef>
-          <a:fillRef idx="1">
-            <a:schemeClr val="accent1"/>
-          </a:fillRef>
-          <a:effectRef idx="0">
-            <a:schemeClr val="accent1"/>
-          </a:effectRef>
-          <a:fontRef idx="minor">
-            <a:schemeClr val="lt1"/>
-          </a:fontRef>
-        </p:style>
-        <p:txBody>
-          <a:bodyPr lIns="0" tIns="0" rIns="0" bIns="0" rtlCol="0" anchor="ctr"/>
-          <a:lstStyle/>
-          <a:p>
-            <a:pPr algn="ctr"/>
-            <a:r>
-              <a:rPr lang="en-US" altLang="ko-KR" sz="4000">
-                <a:solidFill>
-                  <a:schemeClr val="accent1">
-                    <a:lumMod val="75000"/>
-                  </a:schemeClr>
-                </a:solidFill>
-                <a:latin typeface="210 맨발의청춘 B" panose="02020603020101020101" pitchFamily="18" charset="-127"/>
-                <a:ea typeface="210 맨발의청춘 B" panose="02020603020101020101" pitchFamily="18" charset="-127"/>
-                <a:cs typeface="Aharoni" panose="02010803020104030203" pitchFamily="2" charset="-79"/>
-              </a:rPr>
-              <a:t>1. </a:t>
-            </a:r>
-            <a:r>
-              <a:rPr lang="ko-KR" altLang="en-US" sz="4000">
-                <a:solidFill>
-                  <a:schemeClr val="accent1">
-                    <a:lumMod val="75000"/>
-                  </a:schemeClr>
-                </a:solidFill>
-                <a:latin typeface="210 맨발의청춘 B" panose="02020603020101020101" pitchFamily="18" charset="-127"/>
-                <a:ea typeface="210 맨발의청춘 B" panose="02020603020101020101" pitchFamily="18" charset="-127"/>
-                <a:cs typeface="Aharoni" panose="02010803020104030203" pitchFamily="2" charset="-79"/>
-              </a:rPr>
-              <a:t>크롤링 </a:t>
-            </a:r>
-            <a:r>
-              <a:rPr lang="en-US" altLang="ko-KR" sz="4000">
-                <a:solidFill>
-                  <a:schemeClr val="accent1">
-                    <a:lumMod val="75000"/>
-                  </a:schemeClr>
-                </a:solidFill>
-                <a:latin typeface="210 맨발의청춘 B" panose="02020603020101020101" pitchFamily="18" charset="-127"/>
-                <a:ea typeface="210 맨발의청춘 B" panose="02020603020101020101" pitchFamily="18" charset="-127"/>
-                <a:cs typeface="Aharoni" panose="02010803020104030203" pitchFamily="2" charset="-79"/>
-              </a:rPr>
-              <a:t>Class diagram</a:t>
-            </a:r>
-            <a:endParaRPr lang="en-US" altLang="ko-KR" sz="4000" dirty="0">
-              <a:solidFill>
-                <a:schemeClr val="accent1">
-                  <a:lumMod val="75000"/>
-                </a:schemeClr>
-              </a:solidFill>
-              <a:latin typeface="210 맨발의청춘 B" panose="02020603020101020101" pitchFamily="18" charset="-127"/>
-              <a:ea typeface="210 맨발의청춘 B" panose="02020603020101020101" pitchFamily="18" charset="-127"/>
-              <a:cs typeface="Aharoni" panose="02010803020104030203" pitchFamily="2" charset="-79"/>
-            </a:endParaRPr>
-          </a:p>
-        </p:txBody>
-      </p:sp>
-      <p:pic>
-        <p:nvPicPr>
-          <p:cNvPr id="4" name="그림 3" descr="텍스트, 앉아있는, 테이블, 검은색이(가) 표시된 사진&#10;&#10;자동 생성된 설명">
-            <a:extLst>
-              <a:ext uri="{FF2B5EF4-FFF2-40B4-BE49-F238E27FC236}">
-                <a16:creationId xmlns:a16="http://schemas.microsoft.com/office/drawing/2014/main" id="{89601785-CE2C-4DE1-B5F2-BEBF91B367BA}"/>
-              </a:ext>
-            </a:extLst>
-          </p:cNvPr>
-          <p:cNvPicPr>
-            <a:picLocks noChangeAspect="1"/>
-          </p:cNvPicPr>
-          <p:nvPr/>
-        </p:nvPicPr>
-        <p:blipFill>
-          <a:blip r:embed="rId3">
-            <a:extLst>
-              <a:ext uri="{28A0092B-C50C-407E-A947-70E740481C1C}">
-                <a14:useLocalDpi xmlns:a14="http://schemas.microsoft.com/office/drawing/2010/main" val="0"/>
-              </a:ext>
-            </a:extLst>
-          </a:blip>
-          <a:stretch>
-            <a:fillRect/>
-          </a:stretch>
-        </p:blipFill>
-        <p:spPr>
-          <a:xfrm>
-            <a:off x="1488156" y="1737232"/>
-            <a:ext cx="9210675" cy="4181983"/>
-          </a:xfrm>
-          <a:prstGeom prst="rect">
-            <a:avLst/>
-          </a:prstGeom>
-        </p:spPr>
-      </p:pic>
-    </p:spTree>
-    <p:extLst>
-      <p:ext uri="{BB962C8B-B14F-4D97-AF65-F5344CB8AC3E}">
-        <p14:creationId xmlns:p14="http://schemas.microsoft.com/office/powerpoint/2010/main" val="819815436"/>
       </p:ext>
     </p:extLst>
   </p:cSld>
